--- a/Module_20_Segment2.pptx
+++ b/Module_20_Segment2.pptx
@@ -5,7 +5,7 @@
     <p:sldMasterId id="2147483661" r:id="rId1"/>
   </p:sldMasterIdLst>
   <p:notesMasterIdLst>
-    <p:notesMasterId r:id="rId22"/>
+    <p:notesMasterId r:id="rId12"/>
   </p:notesMasterIdLst>
   <p:sldIdLst>
     <p:sldId id="256" r:id="rId2"/>
@@ -17,31 +17,21 @@
     <p:sldId id="262" r:id="rId8"/>
     <p:sldId id="263" r:id="rId9"/>
     <p:sldId id="264" r:id="rId10"/>
-    <p:sldId id="265" r:id="rId11"/>
-    <p:sldId id="266" r:id="rId12"/>
-    <p:sldId id="267" r:id="rId13"/>
-    <p:sldId id="268" r:id="rId14"/>
-    <p:sldId id="269" r:id="rId15"/>
-    <p:sldId id="270" r:id="rId16"/>
-    <p:sldId id="271" r:id="rId17"/>
-    <p:sldId id="272" r:id="rId18"/>
-    <p:sldId id="273" r:id="rId19"/>
-    <p:sldId id="274" r:id="rId20"/>
-    <p:sldId id="275" r:id="rId21"/>
+    <p:sldId id="275" r:id="rId11"/>
   </p:sldIdLst>
   <p:sldSz cx="9144000" cy="5143500" type="screen16x9"/>
   <p:notesSz cx="6858000" cy="9144000"/>
   <p:embeddedFontLst>
     <p:embeddedFont>
       <p:font typeface="Alfa Slab One" panose="020B0604020202020204" charset="0"/>
-      <p:regular r:id="rId23"/>
+      <p:regular r:id="rId13"/>
     </p:embeddedFont>
     <p:embeddedFont>
       <p:font typeface="Proxima Nova" panose="020B0604020202020204" charset="0"/>
-      <p:regular r:id="rId24"/>
-      <p:bold r:id="rId25"/>
-      <p:italic r:id="rId26"/>
-      <p:boldItalic r:id="rId27"/>
+      <p:regular r:id="rId14"/>
+      <p:bold r:id="rId15"/>
+      <p:italic r:id="rId16"/>
+      <p:boldItalic r:id="rId17"/>
     </p:embeddedFont>
   </p:embeddedFontLst>
   <p:defaultTextStyle>
@@ -842,7 +832,7 @@
   <p:cSld>
     <p:spTree>
       <p:nvGrpSpPr>
-        <p:cNvPr id="1" name="Shape 125"/>
+        <p:cNvPr id="1" name="Shape 190"/>
         <p:cNvGrpSpPr/>
         <p:nvPr/>
       </p:nvGrpSpPr>
@@ -856,111 +846,7 @@
       </p:grpSpPr>
       <p:sp>
         <p:nvSpPr>
-          <p:cNvPr id="126" name="Google Shape;126;g1148e99709d_1_0:notes"/>
-          <p:cNvSpPr>
-            <a:spLocks noGrp="1" noRot="1" noChangeAspect="1"/>
-          </p:cNvSpPr>
-          <p:nvPr>
-            <p:ph type="sldImg" idx="2"/>
-          </p:nvPr>
-        </p:nvSpPr>
-        <p:spPr>
-          <a:xfrm>
-            <a:off x="381300" y="685800"/>
-            <a:ext cx="6096075" cy="3429000"/>
-          </a:xfrm>
-          <a:custGeom>
-            <a:avLst/>
-            <a:gdLst/>
-            <a:ahLst/>
-            <a:cxnLst/>
-            <a:rect l="l" t="t" r="r" b="b"/>
-            <a:pathLst>
-              <a:path w="120000" h="120000" extrusionOk="0">
-                <a:moveTo>
-                  <a:pt x="0" y="0"/>
-                </a:moveTo>
-                <a:lnTo>
-                  <a:pt x="120000" y="0"/>
-                </a:lnTo>
-                <a:lnTo>
-                  <a:pt x="120000" y="120000"/>
-                </a:lnTo>
-                <a:lnTo>
-                  <a:pt x="0" y="120000"/>
-                </a:lnTo>
-                <a:close/>
-              </a:path>
-            </a:pathLst>
-          </a:custGeom>
-        </p:spPr>
-      </p:sp>
-      <p:sp>
-        <p:nvSpPr>
-          <p:cNvPr id="127" name="Google Shape;127;g1148e99709d_1_0:notes"/>
-          <p:cNvSpPr txBox="1">
-            <a:spLocks noGrp="1"/>
-          </p:cNvSpPr>
-          <p:nvPr>
-            <p:ph type="body" idx="1"/>
-          </p:nvPr>
-        </p:nvSpPr>
-        <p:spPr>
-          <a:xfrm>
-            <a:off x="685800" y="4343400"/>
-            <a:ext cx="5486400" cy="4114800"/>
-          </a:xfrm>
-          <a:prstGeom prst="rect">
-            <a:avLst/>
-          </a:prstGeom>
-        </p:spPr>
-        <p:txBody>
-          <a:bodyPr spcFirstLastPara="1" wrap="square" lIns="91425" tIns="91425" rIns="91425" bIns="91425" anchor="t" anchorCtr="0">
-            <a:noAutofit/>
-          </a:bodyPr>
-          <a:lstStyle/>
-          <a:p>
-            <a:pPr marL="0" lvl="0" indent="0" algn="l" rtl="0">
-              <a:spcBef>
-                <a:spcPts val="0"/>
-              </a:spcBef>
-              <a:spcAft>
-                <a:spcPts val="0"/>
-              </a:spcAft>
-              <a:buNone/>
-            </a:pPr>
-            <a:endParaRPr/>
-          </a:p>
-        </p:txBody>
-      </p:sp>
-    </p:spTree>
-  </p:cSld>
-  <p:clrMapOvr>
-    <a:masterClrMapping/>
-  </p:clrMapOvr>
-</p:notes>
-</file>
-
-<file path=ppt/notesSlides/notesSlide11.xml><?xml version="1.0" encoding="utf-8"?>
-<p:notes xmlns:a="http://schemas.openxmlformats.org/drawingml/2006/main" xmlns:r="http://schemas.openxmlformats.org/officeDocument/2006/relationships" xmlns:p="http://schemas.openxmlformats.org/presentationml/2006/main" showMasterSp="0" showMasterPhAnim="0">
-  <p:cSld>
-    <p:spTree>
-      <p:nvGrpSpPr>
-        <p:cNvPr id="1" name="Shape 131"/>
-        <p:cNvGrpSpPr/>
-        <p:nvPr/>
-      </p:nvGrpSpPr>
-      <p:grpSpPr>
-        <a:xfrm>
-          <a:off x="0" y="0"/>
-          <a:ext cx="0" cy="0"/>
-          <a:chOff x="0" y="0"/>
-          <a:chExt cx="0" cy="0"/>
-        </a:xfrm>
-      </p:grpSpPr>
-      <p:sp>
-        <p:nvSpPr>
-          <p:cNvPr id="132" name="Google Shape;132;g1148e99709d_1_6:notes"/>
+          <p:cNvPr id="191" name="Google Shape;191;g11560df528a_0_0:notes"/>
           <p:cNvSpPr>
             <a:spLocks noGrp="1" noRot="1" noChangeAspect="1"/>
           </p:cNvSpPr>
@@ -1001,1095 +887,7 @@
       </p:sp>
       <p:sp>
         <p:nvSpPr>
-          <p:cNvPr id="133" name="Google Shape;133;g1148e99709d_1_6:notes"/>
-          <p:cNvSpPr txBox="1">
-            <a:spLocks noGrp="1"/>
-          </p:cNvSpPr>
-          <p:nvPr>
-            <p:ph type="body" idx="1"/>
-          </p:nvPr>
-        </p:nvSpPr>
-        <p:spPr>
-          <a:xfrm>
-            <a:off x="685800" y="4343400"/>
-            <a:ext cx="5486400" cy="4114800"/>
-          </a:xfrm>
-          <a:prstGeom prst="rect">
-            <a:avLst/>
-          </a:prstGeom>
-        </p:spPr>
-        <p:txBody>
-          <a:bodyPr spcFirstLastPara="1" wrap="square" lIns="91425" tIns="91425" rIns="91425" bIns="91425" anchor="t" anchorCtr="0">
-            <a:noAutofit/>
-          </a:bodyPr>
-          <a:lstStyle/>
-          <a:p>
-            <a:pPr marL="0" lvl="0" indent="0" algn="l" rtl="0">
-              <a:spcBef>
-                <a:spcPts val="0"/>
-              </a:spcBef>
-              <a:spcAft>
-                <a:spcPts val="0"/>
-              </a:spcAft>
-              <a:buNone/>
-            </a:pPr>
-            <a:endParaRPr/>
-          </a:p>
-        </p:txBody>
-      </p:sp>
-    </p:spTree>
-  </p:cSld>
-  <p:clrMapOvr>
-    <a:masterClrMapping/>
-  </p:clrMapOvr>
-</p:notes>
-</file>
-
-<file path=ppt/notesSlides/notesSlide12.xml><?xml version="1.0" encoding="utf-8"?>
-<p:notes xmlns:a="http://schemas.openxmlformats.org/drawingml/2006/main" xmlns:r="http://schemas.openxmlformats.org/officeDocument/2006/relationships" xmlns:p="http://schemas.openxmlformats.org/presentationml/2006/main" showMasterSp="0" showMasterPhAnim="0">
-  <p:cSld>
-    <p:spTree>
-      <p:nvGrpSpPr>
-        <p:cNvPr id="1" name="Shape 137"/>
-        <p:cNvGrpSpPr/>
-        <p:nvPr/>
-      </p:nvGrpSpPr>
-      <p:grpSpPr>
-        <a:xfrm>
-          <a:off x="0" y="0"/>
-          <a:ext cx="0" cy="0"/>
-          <a:chOff x="0" y="0"/>
-          <a:chExt cx="0" cy="0"/>
-        </a:xfrm>
-      </p:grpSpPr>
-      <p:sp>
-        <p:nvSpPr>
-          <p:cNvPr id="138" name="Google Shape;138;g1148e99709d_1_11:notes"/>
-          <p:cNvSpPr>
-            <a:spLocks noGrp="1" noRot="1" noChangeAspect="1"/>
-          </p:cNvSpPr>
-          <p:nvPr>
-            <p:ph type="sldImg" idx="2"/>
-          </p:nvPr>
-        </p:nvSpPr>
-        <p:spPr>
-          <a:xfrm>
-            <a:off x="381300" y="685800"/>
-            <a:ext cx="6096000" cy="3429000"/>
-          </a:xfrm>
-          <a:custGeom>
-            <a:avLst/>
-            <a:gdLst/>
-            <a:ahLst/>
-            <a:cxnLst/>
-            <a:rect l="l" t="t" r="r" b="b"/>
-            <a:pathLst>
-              <a:path w="120000" h="120000" extrusionOk="0">
-                <a:moveTo>
-                  <a:pt x="0" y="0"/>
-                </a:moveTo>
-                <a:lnTo>
-                  <a:pt x="120000" y="0"/>
-                </a:lnTo>
-                <a:lnTo>
-                  <a:pt x="120000" y="120000"/>
-                </a:lnTo>
-                <a:lnTo>
-                  <a:pt x="0" y="120000"/>
-                </a:lnTo>
-                <a:close/>
-              </a:path>
-            </a:pathLst>
-          </a:custGeom>
-        </p:spPr>
-      </p:sp>
-      <p:sp>
-        <p:nvSpPr>
-          <p:cNvPr id="139" name="Google Shape;139;g1148e99709d_1_11:notes"/>
-          <p:cNvSpPr txBox="1">
-            <a:spLocks noGrp="1"/>
-          </p:cNvSpPr>
-          <p:nvPr>
-            <p:ph type="body" idx="1"/>
-          </p:nvPr>
-        </p:nvSpPr>
-        <p:spPr>
-          <a:xfrm>
-            <a:off x="685800" y="4343400"/>
-            <a:ext cx="5486400" cy="4114800"/>
-          </a:xfrm>
-          <a:prstGeom prst="rect">
-            <a:avLst/>
-          </a:prstGeom>
-        </p:spPr>
-        <p:txBody>
-          <a:bodyPr spcFirstLastPara="1" wrap="square" lIns="91425" tIns="91425" rIns="91425" bIns="91425" anchor="t" anchorCtr="0">
-            <a:noAutofit/>
-          </a:bodyPr>
-          <a:lstStyle/>
-          <a:p>
-            <a:pPr marL="0" lvl="0" indent="0" algn="l" rtl="0">
-              <a:spcBef>
-                <a:spcPts val="0"/>
-              </a:spcBef>
-              <a:spcAft>
-                <a:spcPts val="0"/>
-              </a:spcAft>
-              <a:buNone/>
-            </a:pPr>
-            <a:endParaRPr/>
-          </a:p>
-        </p:txBody>
-      </p:sp>
-    </p:spTree>
-  </p:cSld>
-  <p:clrMapOvr>
-    <a:masterClrMapping/>
-  </p:clrMapOvr>
-</p:notes>
-</file>
-
-<file path=ppt/notesSlides/notesSlide13.xml><?xml version="1.0" encoding="utf-8"?>
-<p:notes xmlns:a="http://schemas.openxmlformats.org/drawingml/2006/main" xmlns:r="http://schemas.openxmlformats.org/officeDocument/2006/relationships" xmlns:p="http://schemas.openxmlformats.org/presentationml/2006/main" showMasterSp="0" showMasterPhAnim="0">
-  <p:cSld>
-    <p:spTree>
-      <p:nvGrpSpPr>
-        <p:cNvPr id="1" name="Shape 143"/>
-        <p:cNvGrpSpPr/>
-        <p:nvPr/>
-      </p:nvGrpSpPr>
-      <p:grpSpPr>
-        <a:xfrm>
-          <a:off x="0" y="0"/>
-          <a:ext cx="0" cy="0"/>
-          <a:chOff x="0" y="0"/>
-          <a:chExt cx="0" cy="0"/>
-        </a:xfrm>
-      </p:grpSpPr>
-      <p:sp>
-        <p:nvSpPr>
-          <p:cNvPr id="144" name="Google Shape;144;g1148e99709d_1_16:notes"/>
-          <p:cNvSpPr>
-            <a:spLocks noGrp="1" noRot="1" noChangeAspect="1"/>
-          </p:cNvSpPr>
-          <p:nvPr>
-            <p:ph type="sldImg" idx="2"/>
-          </p:nvPr>
-        </p:nvSpPr>
-        <p:spPr>
-          <a:xfrm>
-            <a:off x="381300" y="685800"/>
-            <a:ext cx="6096000" cy="3429000"/>
-          </a:xfrm>
-          <a:custGeom>
-            <a:avLst/>
-            <a:gdLst/>
-            <a:ahLst/>
-            <a:cxnLst/>
-            <a:rect l="l" t="t" r="r" b="b"/>
-            <a:pathLst>
-              <a:path w="120000" h="120000" extrusionOk="0">
-                <a:moveTo>
-                  <a:pt x="0" y="0"/>
-                </a:moveTo>
-                <a:lnTo>
-                  <a:pt x="120000" y="0"/>
-                </a:lnTo>
-                <a:lnTo>
-                  <a:pt x="120000" y="120000"/>
-                </a:lnTo>
-                <a:lnTo>
-                  <a:pt x="0" y="120000"/>
-                </a:lnTo>
-                <a:close/>
-              </a:path>
-            </a:pathLst>
-          </a:custGeom>
-        </p:spPr>
-      </p:sp>
-      <p:sp>
-        <p:nvSpPr>
-          <p:cNvPr id="145" name="Google Shape;145;g1148e99709d_1_16:notes"/>
-          <p:cNvSpPr txBox="1">
-            <a:spLocks noGrp="1"/>
-          </p:cNvSpPr>
-          <p:nvPr>
-            <p:ph type="body" idx="1"/>
-          </p:nvPr>
-        </p:nvSpPr>
-        <p:spPr>
-          <a:xfrm>
-            <a:off x="685800" y="4343400"/>
-            <a:ext cx="5486400" cy="4114800"/>
-          </a:xfrm>
-          <a:prstGeom prst="rect">
-            <a:avLst/>
-          </a:prstGeom>
-        </p:spPr>
-        <p:txBody>
-          <a:bodyPr spcFirstLastPara="1" wrap="square" lIns="91425" tIns="91425" rIns="91425" bIns="91425" anchor="t" anchorCtr="0">
-            <a:noAutofit/>
-          </a:bodyPr>
-          <a:lstStyle/>
-          <a:p>
-            <a:pPr marL="0" lvl="0" indent="0" algn="l" rtl="0">
-              <a:spcBef>
-                <a:spcPts val="0"/>
-              </a:spcBef>
-              <a:spcAft>
-                <a:spcPts val="0"/>
-              </a:spcAft>
-              <a:buNone/>
-            </a:pPr>
-            <a:r>
-              <a:rPr lang="en"/>
-              <a:t>Lahman’s Baseball Database is copyright 1996-2021 by Sean Lahman and licensed under a Creative Commons Attribution-ShareAlike 3.0 Unported License.  It was created by Sean Lahman in 1994 and was made available to the public, on his website, in 1995. Sean Lahman is currently an investigative reporter for the Rochester Democrat and Chronicle (USA Today Network), but according to  SeanLahman.com, before joining the USA Today Network, he was a sports reporter with the New York Sun. In addition, Mr. Lahman also serves as a data projects manager for SABR, the Society of American Baseball Research. </a:t>
-            </a:r>
-            <a:endParaRPr/>
-          </a:p>
-          <a:p>
-            <a:pPr marL="0" lvl="0" indent="0" algn="l" rtl="0">
-              <a:spcBef>
-                <a:spcPts val="0"/>
-              </a:spcBef>
-              <a:spcAft>
-                <a:spcPts val="0"/>
-              </a:spcAft>
-              <a:buNone/>
-            </a:pPr>
-            <a:endParaRPr/>
-          </a:p>
-          <a:p>
-            <a:pPr marL="0" lvl="0" indent="0" algn="l" rtl="0">
-              <a:spcBef>
-                <a:spcPts val="0"/>
-              </a:spcBef>
-              <a:spcAft>
-                <a:spcPts val="0"/>
-              </a:spcAft>
-              <a:buNone/>
-            </a:pPr>
-            <a:r>
-              <a:rPr lang="en"/>
-              <a:t>The Lahman Baseball Database is an open-source collection of batting and pitching statistics from 1871 to 2020 and also includes fielding statistics, standings, team statistics, managerial records, post-season and much more.  The database includes data from the American and National leagues as well as the American Association, Union Association, Players League, Federal League, and the National Association of 1871-1875.  </a:t>
-            </a:r>
-            <a:endParaRPr/>
-          </a:p>
-          <a:p>
-            <a:pPr marL="0" lvl="0" indent="0" algn="l" rtl="0">
-              <a:spcBef>
-                <a:spcPts val="0"/>
-              </a:spcBef>
-              <a:spcAft>
-                <a:spcPts val="0"/>
-              </a:spcAft>
-              <a:buNone/>
-            </a:pPr>
-            <a:endParaRPr/>
-          </a:p>
-          <a:p>
-            <a:pPr marL="0" lvl="0" indent="0" algn="l" rtl="0">
-              <a:spcBef>
-                <a:spcPts val="0"/>
-              </a:spcBef>
-              <a:spcAft>
-                <a:spcPts val="0"/>
-              </a:spcAft>
-              <a:buNone/>
-            </a:pPr>
-            <a:r>
-              <a:rPr lang="en"/>
-              <a:t>The data is available in Microsoft Access, SQL files, or a comma delimited format.  Additionally, there is an R package and library available through github as well as MySQL, SQLite and a series of python scripts.</a:t>
-            </a:r>
-            <a:endParaRPr/>
-          </a:p>
-          <a:p>
-            <a:pPr marL="0" lvl="0" indent="0" algn="l" rtl="0">
-              <a:spcBef>
-                <a:spcPts val="0"/>
-              </a:spcBef>
-              <a:spcAft>
-                <a:spcPts val="0"/>
-              </a:spcAft>
-              <a:buNone/>
-            </a:pPr>
-            <a:endParaRPr/>
-          </a:p>
-          <a:p>
-            <a:pPr marL="0" lvl="0" indent="0" algn="l" rtl="0">
-              <a:spcBef>
-                <a:spcPts val="0"/>
-              </a:spcBef>
-              <a:spcAft>
-                <a:spcPts val="0"/>
-              </a:spcAft>
-              <a:buNone/>
-            </a:pPr>
-            <a:r>
-              <a:rPr lang="en"/>
-              <a:t>The database is free, but donations are accepted in order to help cover the costs associated with the maintenance and making it available for download.  Donations can be made at seanlahman.com/support/  </a:t>
-            </a:r>
-            <a:endParaRPr/>
-          </a:p>
-          <a:p>
-            <a:pPr marL="0" lvl="0" indent="0" algn="l" rtl="0">
-              <a:spcBef>
-                <a:spcPts val="0"/>
-              </a:spcBef>
-              <a:spcAft>
-                <a:spcPts val="0"/>
-              </a:spcAft>
-              <a:buNone/>
-            </a:pPr>
-            <a:r>
-              <a:rPr lang="en"/>
-              <a:t>   </a:t>
-            </a:r>
-            <a:endParaRPr/>
-          </a:p>
-        </p:txBody>
-      </p:sp>
-    </p:spTree>
-  </p:cSld>
-  <p:clrMapOvr>
-    <a:masterClrMapping/>
-  </p:clrMapOvr>
-</p:notes>
-</file>
-
-<file path=ppt/notesSlides/notesSlide14.xml><?xml version="1.0" encoding="utf-8"?>
-<p:notes xmlns:a="http://schemas.openxmlformats.org/drawingml/2006/main" xmlns:r="http://schemas.openxmlformats.org/officeDocument/2006/relationships" xmlns:p="http://schemas.openxmlformats.org/presentationml/2006/main" showMasterSp="0" showMasterPhAnim="0">
-  <p:cSld>
-    <p:spTree>
-      <p:nvGrpSpPr>
-        <p:cNvPr id="1" name="Shape 150"/>
-        <p:cNvGrpSpPr/>
-        <p:nvPr/>
-      </p:nvGrpSpPr>
-      <p:grpSpPr>
-        <a:xfrm>
-          <a:off x="0" y="0"/>
-          <a:ext cx="0" cy="0"/>
-          <a:chOff x="0" y="0"/>
-          <a:chExt cx="0" cy="0"/>
-        </a:xfrm>
-      </p:grpSpPr>
-      <p:sp>
-        <p:nvSpPr>
-          <p:cNvPr id="151" name="Google Shape;151;g1148e99709d_1_22:notes"/>
-          <p:cNvSpPr>
-            <a:spLocks noGrp="1" noRot="1" noChangeAspect="1"/>
-          </p:cNvSpPr>
-          <p:nvPr>
-            <p:ph type="sldImg" idx="2"/>
-          </p:nvPr>
-        </p:nvSpPr>
-        <p:spPr>
-          <a:xfrm>
-            <a:off x="381300" y="685800"/>
-            <a:ext cx="6096000" cy="3429000"/>
-          </a:xfrm>
-          <a:custGeom>
-            <a:avLst/>
-            <a:gdLst/>
-            <a:ahLst/>
-            <a:cxnLst/>
-            <a:rect l="l" t="t" r="r" b="b"/>
-            <a:pathLst>
-              <a:path w="120000" h="120000" extrusionOk="0">
-                <a:moveTo>
-                  <a:pt x="0" y="0"/>
-                </a:moveTo>
-                <a:lnTo>
-                  <a:pt x="120000" y="0"/>
-                </a:lnTo>
-                <a:lnTo>
-                  <a:pt x="120000" y="120000"/>
-                </a:lnTo>
-                <a:lnTo>
-                  <a:pt x="0" y="120000"/>
-                </a:lnTo>
-                <a:close/>
-              </a:path>
-            </a:pathLst>
-          </a:custGeom>
-        </p:spPr>
-      </p:sp>
-      <p:sp>
-        <p:nvSpPr>
-          <p:cNvPr id="152" name="Google Shape;152;g1148e99709d_1_22:notes"/>
-          <p:cNvSpPr txBox="1">
-            <a:spLocks noGrp="1"/>
-          </p:cNvSpPr>
-          <p:nvPr>
-            <p:ph type="body" idx="1"/>
-          </p:nvPr>
-        </p:nvSpPr>
-        <p:spPr>
-          <a:xfrm>
-            <a:off x="685800" y="4343400"/>
-            <a:ext cx="5486400" cy="4114800"/>
-          </a:xfrm>
-          <a:prstGeom prst="rect">
-            <a:avLst/>
-          </a:prstGeom>
-        </p:spPr>
-        <p:txBody>
-          <a:bodyPr spcFirstLastPara="1" wrap="square" lIns="91425" tIns="91425" rIns="91425" bIns="91425" anchor="t" anchorCtr="0">
-            <a:noAutofit/>
-          </a:bodyPr>
-          <a:lstStyle/>
-          <a:p>
-            <a:pPr marL="0" lvl="0" indent="0" algn="l" rtl="0">
-              <a:spcBef>
-                <a:spcPts val="0"/>
-              </a:spcBef>
-              <a:spcAft>
-                <a:spcPts val="0"/>
-              </a:spcAft>
-              <a:buNone/>
-            </a:pPr>
-            <a:r>
-              <a:rPr lang="en"/>
-              <a:t>The COVID-19 pandemic impacted Major League Baseball finances, game schedules, and player salaries.  Per MLB.com, the 2020 Major League Baseball season was delayed by almost 4 months and shortened to 60 games.  Also, the playoffs were expanded from 10 to 16 teams.  For this reason, the typical statistics would not be “apples to apples” when comparing other years to 2020 and could possibly skew the results.  </a:t>
-            </a:r>
-            <a:endParaRPr/>
-          </a:p>
-          <a:p>
-            <a:pPr marL="0" lvl="0" indent="0" algn="l" rtl="0">
-              <a:spcBef>
-                <a:spcPts val="0"/>
-              </a:spcBef>
-              <a:spcAft>
-                <a:spcPts val="0"/>
-              </a:spcAft>
-              <a:buNone/>
-            </a:pPr>
-            <a:endParaRPr/>
-          </a:p>
-          <a:p>
-            <a:pPr marL="0" lvl="0" indent="0" algn="l" rtl="0">
-              <a:spcBef>
-                <a:spcPts val="0"/>
-              </a:spcBef>
-              <a:spcAft>
-                <a:spcPts val="0"/>
-              </a:spcAft>
-              <a:buNone/>
-            </a:pPr>
-            <a:r>
-              <a:rPr lang="en"/>
-              <a:t>Salary data was also impacted in 2020.  Due to the quarantines in 2020, MLB the player’s union had agreed to take almost a 63% cut in base pay.  forbes.com/Kurt Badenhausen August 7, 2020.     </a:t>
-            </a:r>
-            <a:endParaRPr/>
-          </a:p>
-        </p:txBody>
-      </p:sp>
-    </p:spTree>
-  </p:cSld>
-  <p:clrMapOvr>
-    <a:masterClrMapping/>
-  </p:clrMapOvr>
-</p:notes>
-</file>
-
-<file path=ppt/notesSlides/notesSlide15.xml><?xml version="1.0" encoding="utf-8"?>
-<p:notes xmlns:a="http://schemas.openxmlformats.org/drawingml/2006/main" xmlns:r="http://schemas.openxmlformats.org/officeDocument/2006/relationships" xmlns:p="http://schemas.openxmlformats.org/presentationml/2006/main" showMasterSp="0" showMasterPhAnim="0">
-  <p:cSld>
-    <p:spTree>
-      <p:nvGrpSpPr>
-        <p:cNvPr id="1" name="Shape 157"/>
-        <p:cNvGrpSpPr/>
-        <p:nvPr/>
-      </p:nvGrpSpPr>
-      <p:grpSpPr>
-        <a:xfrm>
-          <a:off x="0" y="0"/>
-          <a:ext cx="0" cy="0"/>
-          <a:chOff x="0" y="0"/>
-          <a:chExt cx="0" cy="0"/>
-        </a:xfrm>
-      </p:grpSpPr>
-      <p:sp>
-        <p:nvSpPr>
-          <p:cNvPr id="158" name="Google Shape;158;g1148e99709d_1_28:notes"/>
-          <p:cNvSpPr>
-            <a:spLocks noGrp="1" noRot="1" noChangeAspect="1"/>
-          </p:cNvSpPr>
-          <p:nvPr>
-            <p:ph type="sldImg" idx="2"/>
-          </p:nvPr>
-        </p:nvSpPr>
-        <p:spPr>
-          <a:xfrm>
-            <a:off x="381000" y="685800"/>
-            <a:ext cx="6096000" cy="3429000"/>
-          </a:xfrm>
-          <a:custGeom>
-            <a:avLst/>
-            <a:gdLst/>
-            <a:ahLst/>
-            <a:cxnLst/>
-            <a:rect l="l" t="t" r="r" b="b"/>
-            <a:pathLst>
-              <a:path w="120000" h="120000" extrusionOk="0">
-                <a:moveTo>
-                  <a:pt x="0" y="0"/>
-                </a:moveTo>
-                <a:lnTo>
-                  <a:pt x="120000" y="0"/>
-                </a:lnTo>
-                <a:lnTo>
-                  <a:pt x="120000" y="120000"/>
-                </a:lnTo>
-                <a:lnTo>
-                  <a:pt x="0" y="120000"/>
-                </a:lnTo>
-                <a:close/>
-              </a:path>
-            </a:pathLst>
-          </a:custGeom>
-        </p:spPr>
-      </p:sp>
-      <p:sp>
-        <p:nvSpPr>
-          <p:cNvPr id="159" name="Google Shape;159;g1148e99709d_1_28:notes"/>
-          <p:cNvSpPr txBox="1">
-            <a:spLocks noGrp="1"/>
-          </p:cNvSpPr>
-          <p:nvPr>
-            <p:ph type="body" idx="1"/>
-          </p:nvPr>
-        </p:nvSpPr>
-        <p:spPr>
-          <a:xfrm>
-            <a:off x="685800" y="4343400"/>
-            <a:ext cx="5486400" cy="4114800"/>
-          </a:xfrm>
-          <a:prstGeom prst="rect">
-            <a:avLst/>
-          </a:prstGeom>
-        </p:spPr>
-        <p:txBody>
-          <a:bodyPr spcFirstLastPara="1" wrap="square" lIns="91425" tIns="91425" rIns="91425" bIns="91425" anchor="t" anchorCtr="0">
-            <a:noAutofit/>
-          </a:bodyPr>
-          <a:lstStyle/>
-          <a:p>
-            <a:pPr marL="0" lvl="0" indent="0" algn="l" rtl="0">
-              <a:spcBef>
-                <a:spcPts val="0"/>
-              </a:spcBef>
-              <a:spcAft>
-                <a:spcPts val="0"/>
-              </a:spcAft>
-              <a:buNone/>
-            </a:pPr>
-            <a:endParaRPr/>
-          </a:p>
-        </p:txBody>
-      </p:sp>
-    </p:spTree>
-  </p:cSld>
-  <p:clrMapOvr>
-    <a:masterClrMapping/>
-  </p:clrMapOvr>
-</p:notes>
-</file>
-
-<file path=ppt/notesSlides/notesSlide16.xml><?xml version="1.0" encoding="utf-8"?>
-<p:notes xmlns:a="http://schemas.openxmlformats.org/drawingml/2006/main" xmlns:r="http://schemas.openxmlformats.org/officeDocument/2006/relationships" xmlns:p="http://schemas.openxmlformats.org/presentationml/2006/main" showMasterSp="0" showMasterPhAnim="0">
-  <p:cSld>
-    <p:spTree>
-      <p:nvGrpSpPr>
-        <p:cNvPr id="1" name="Shape 163"/>
-        <p:cNvGrpSpPr/>
-        <p:nvPr/>
-      </p:nvGrpSpPr>
-      <p:grpSpPr>
-        <a:xfrm>
-          <a:off x="0" y="0"/>
-          <a:ext cx="0" cy="0"/>
-          <a:chOff x="0" y="0"/>
-          <a:chExt cx="0" cy="0"/>
-        </a:xfrm>
-      </p:grpSpPr>
-      <p:sp>
-        <p:nvSpPr>
-          <p:cNvPr id="164" name="Google Shape;164;g1148e99709d_1_33:notes"/>
-          <p:cNvSpPr>
-            <a:spLocks noGrp="1" noRot="1" noChangeAspect="1"/>
-          </p:cNvSpPr>
-          <p:nvPr>
-            <p:ph type="sldImg" idx="2"/>
-          </p:nvPr>
-        </p:nvSpPr>
-        <p:spPr>
-          <a:xfrm>
-            <a:off x="381300" y="685800"/>
-            <a:ext cx="6096000" cy="3429000"/>
-          </a:xfrm>
-          <a:custGeom>
-            <a:avLst/>
-            <a:gdLst/>
-            <a:ahLst/>
-            <a:cxnLst/>
-            <a:rect l="l" t="t" r="r" b="b"/>
-            <a:pathLst>
-              <a:path w="120000" h="120000" extrusionOk="0">
-                <a:moveTo>
-                  <a:pt x="0" y="0"/>
-                </a:moveTo>
-                <a:lnTo>
-                  <a:pt x="120000" y="0"/>
-                </a:lnTo>
-                <a:lnTo>
-                  <a:pt x="120000" y="120000"/>
-                </a:lnTo>
-                <a:lnTo>
-                  <a:pt x="0" y="120000"/>
-                </a:lnTo>
-                <a:close/>
-              </a:path>
-            </a:pathLst>
-          </a:custGeom>
-        </p:spPr>
-      </p:sp>
-      <p:sp>
-        <p:nvSpPr>
-          <p:cNvPr id="165" name="Google Shape;165;g1148e99709d_1_33:notes"/>
-          <p:cNvSpPr txBox="1">
-            <a:spLocks noGrp="1"/>
-          </p:cNvSpPr>
-          <p:nvPr>
-            <p:ph type="body" idx="1"/>
-          </p:nvPr>
-        </p:nvSpPr>
-        <p:spPr>
-          <a:xfrm>
-            <a:off x="685800" y="4343400"/>
-            <a:ext cx="5486400" cy="4114800"/>
-          </a:xfrm>
-          <a:prstGeom prst="rect">
-            <a:avLst/>
-          </a:prstGeom>
-        </p:spPr>
-        <p:txBody>
-          <a:bodyPr spcFirstLastPara="1" wrap="square" lIns="91425" tIns="91425" rIns="91425" bIns="91425" anchor="t" anchorCtr="0">
-            <a:noAutofit/>
-          </a:bodyPr>
-          <a:lstStyle/>
-          <a:p>
-            <a:pPr marL="0" lvl="0" indent="0" algn="l" rtl="0">
-              <a:spcBef>
-                <a:spcPts val="0"/>
-              </a:spcBef>
-              <a:spcAft>
-                <a:spcPts val="0"/>
-              </a:spcAft>
-              <a:buNone/>
-            </a:pPr>
-            <a:r>
-              <a:rPr lang="en"/>
-              <a:t>The first model we created used a simple linear regression model and just one statistic, earned run average (ERA).  The years used were 2010 to 2016 and we eventually removed some of the outliers.  </a:t>
-            </a:r>
-            <a:endParaRPr/>
-          </a:p>
-          <a:p>
-            <a:pPr marL="0" lvl="0" indent="0" algn="l" rtl="0">
-              <a:spcBef>
-                <a:spcPts val="0"/>
-              </a:spcBef>
-              <a:spcAft>
-                <a:spcPts val="0"/>
-              </a:spcAft>
-              <a:buNone/>
-            </a:pPr>
-            <a:endParaRPr/>
-          </a:p>
-          <a:p>
-            <a:pPr marL="0" lvl="0" indent="0" algn="l" rtl="0">
-              <a:spcBef>
-                <a:spcPts val="0"/>
-              </a:spcBef>
-              <a:spcAft>
-                <a:spcPts val="0"/>
-              </a:spcAft>
-              <a:buNone/>
-            </a:pPr>
-            <a:r>
-              <a:rPr lang="en"/>
-              <a:t>From the scatter plot graph, we observed that as the ERA decreased, the salary increased.  Adding in our simple regression model, shown by the red line, we were able to create a very crude predictor.  This model was okay for a start, but we need something better and more precise.   </a:t>
-            </a:r>
-            <a:endParaRPr/>
-          </a:p>
-        </p:txBody>
-      </p:sp>
-    </p:spTree>
-  </p:cSld>
-  <p:clrMapOvr>
-    <a:masterClrMapping/>
-  </p:clrMapOvr>
-</p:notes>
-</file>
-
-<file path=ppt/notesSlides/notesSlide17.xml><?xml version="1.0" encoding="utf-8"?>
-<p:notes xmlns:a="http://schemas.openxmlformats.org/drawingml/2006/main" xmlns:r="http://schemas.openxmlformats.org/officeDocument/2006/relationships" xmlns:p="http://schemas.openxmlformats.org/presentationml/2006/main" showMasterSp="0" showMasterPhAnim="0">
-  <p:cSld>
-    <p:spTree>
-      <p:nvGrpSpPr>
-        <p:cNvPr id="1" name="Shape 170"/>
-        <p:cNvGrpSpPr/>
-        <p:nvPr/>
-      </p:nvGrpSpPr>
-      <p:grpSpPr>
-        <a:xfrm>
-          <a:off x="0" y="0"/>
-          <a:ext cx="0" cy="0"/>
-          <a:chOff x="0" y="0"/>
-          <a:chExt cx="0" cy="0"/>
-        </a:xfrm>
-      </p:grpSpPr>
-      <p:sp>
-        <p:nvSpPr>
-          <p:cNvPr id="171" name="Google Shape;171;g1148e99709d_1_39:notes"/>
-          <p:cNvSpPr>
-            <a:spLocks noGrp="1" noRot="1" noChangeAspect="1"/>
-          </p:cNvSpPr>
-          <p:nvPr>
-            <p:ph type="sldImg" idx="2"/>
-          </p:nvPr>
-        </p:nvSpPr>
-        <p:spPr>
-          <a:xfrm>
-            <a:off x="381000" y="685800"/>
-            <a:ext cx="6096000" cy="3429000"/>
-          </a:xfrm>
-          <a:custGeom>
-            <a:avLst/>
-            <a:gdLst/>
-            <a:ahLst/>
-            <a:cxnLst/>
-            <a:rect l="l" t="t" r="r" b="b"/>
-            <a:pathLst>
-              <a:path w="120000" h="120000" extrusionOk="0">
-                <a:moveTo>
-                  <a:pt x="0" y="0"/>
-                </a:moveTo>
-                <a:lnTo>
-                  <a:pt x="120000" y="0"/>
-                </a:lnTo>
-                <a:lnTo>
-                  <a:pt x="120000" y="120000"/>
-                </a:lnTo>
-                <a:lnTo>
-                  <a:pt x="0" y="120000"/>
-                </a:lnTo>
-                <a:close/>
-              </a:path>
-            </a:pathLst>
-          </a:custGeom>
-        </p:spPr>
-      </p:sp>
-      <p:sp>
-        <p:nvSpPr>
-          <p:cNvPr id="172" name="Google Shape;172;g1148e99709d_1_39:notes"/>
-          <p:cNvSpPr txBox="1">
-            <a:spLocks noGrp="1"/>
-          </p:cNvSpPr>
-          <p:nvPr>
-            <p:ph type="body" idx="1"/>
-          </p:nvPr>
-        </p:nvSpPr>
-        <p:spPr>
-          <a:xfrm>
-            <a:off x="685800" y="4343400"/>
-            <a:ext cx="5486400" cy="4114800"/>
-          </a:xfrm>
-          <a:prstGeom prst="rect">
-            <a:avLst/>
-          </a:prstGeom>
-        </p:spPr>
-        <p:txBody>
-          <a:bodyPr spcFirstLastPara="1" wrap="square" lIns="91425" tIns="91425" rIns="91425" bIns="91425" anchor="t" anchorCtr="0">
-            <a:noAutofit/>
-          </a:bodyPr>
-          <a:lstStyle/>
-          <a:p>
-            <a:pPr marL="0" lvl="0" indent="0" algn="l" rtl="0">
-              <a:spcBef>
-                <a:spcPts val="0"/>
-              </a:spcBef>
-              <a:spcAft>
-                <a:spcPts val="0"/>
-              </a:spcAft>
-              <a:buNone/>
-            </a:pPr>
-            <a:r>
-              <a:rPr lang="en"/>
-              <a:t>The random forest model can be extremely effective because it will take a large number of low correlation models to create a total model that is highly impactful. </a:t>
-            </a:r>
-            <a:endParaRPr/>
-          </a:p>
-          <a:p>
-            <a:pPr marL="0" lvl="0" indent="0" algn="l" rtl="0">
-              <a:spcBef>
-                <a:spcPts val="0"/>
-              </a:spcBef>
-              <a:spcAft>
-                <a:spcPts val="0"/>
-              </a:spcAft>
-              <a:buNone/>
-            </a:pPr>
-            <a:endParaRPr/>
-          </a:p>
-          <a:p>
-            <a:pPr marL="0" lvl="0" indent="0" algn="l" rtl="0">
-              <a:spcBef>
-                <a:spcPts val="0"/>
-              </a:spcBef>
-              <a:spcAft>
-                <a:spcPts val="0"/>
-              </a:spcAft>
-              <a:buNone/>
-            </a:pPr>
-            <a:r>
-              <a:rPr lang="en"/>
-              <a:t>Based on the first model, using linear regression, it was evident that additional features were needed to come up with a more precise way of precise way of predicting salaries.  Since there was so much data, and a wide range of salaries, we decided to use the random forest method (or a group of decision trees) and employ binning for the salaries.</a:t>
-            </a:r>
-            <a:endParaRPr/>
-          </a:p>
-          <a:p>
-            <a:pPr marL="0" lvl="0" indent="0" algn="l" rtl="0">
-              <a:spcBef>
-                <a:spcPts val="0"/>
-              </a:spcBef>
-              <a:spcAft>
-                <a:spcPts val="0"/>
-              </a:spcAft>
-              <a:buNone/>
-            </a:pPr>
-            <a:endParaRPr/>
-          </a:p>
-          <a:p>
-            <a:pPr marL="0" lvl="0" indent="0" algn="l" rtl="0">
-              <a:spcBef>
-                <a:spcPts val="0"/>
-              </a:spcBef>
-              <a:spcAft>
-                <a:spcPts val="0"/>
-              </a:spcAft>
-              <a:buNone/>
-            </a:pPr>
-            <a:r>
-              <a:rPr lang="en"/>
-              <a:t>This allowed for the top 5 features to be identified and used in later modeling.   </a:t>
-            </a:r>
-            <a:endParaRPr/>
-          </a:p>
-          <a:p>
-            <a:pPr marL="0" lvl="0" indent="0" algn="l" rtl="0">
-              <a:spcBef>
-                <a:spcPts val="0"/>
-              </a:spcBef>
-              <a:spcAft>
-                <a:spcPts val="0"/>
-              </a:spcAft>
-              <a:buNone/>
-            </a:pPr>
-            <a:endParaRPr/>
-          </a:p>
-          <a:p>
-            <a:pPr marL="0" lvl="0" indent="0" algn="l" rtl="0">
-              <a:spcBef>
-                <a:spcPts val="0"/>
-              </a:spcBef>
-              <a:spcAft>
-                <a:spcPts val="0"/>
-              </a:spcAft>
-              <a:buNone/>
-            </a:pPr>
-            <a:r>
-              <a:rPr lang="en"/>
-              <a:t>Based on the random forest model, the top-five features that showed the most correlation were Batters faced by Pitcher (BFP), Outs pitched (at least 3 innings pitched - IPouts), Earned run average (ERA), Games finished (GF), Strikeouts (SO), and Hits (H).  </a:t>
-            </a:r>
-            <a:endParaRPr/>
-          </a:p>
-        </p:txBody>
-      </p:sp>
-    </p:spTree>
-  </p:cSld>
-  <p:clrMapOvr>
-    <a:masterClrMapping/>
-  </p:clrMapOvr>
-</p:notes>
-</file>
-
-<file path=ppt/notesSlides/notesSlide18.xml><?xml version="1.0" encoding="utf-8"?>
-<p:notes xmlns:a="http://schemas.openxmlformats.org/drawingml/2006/main" xmlns:r="http://schemas.openxmlformats.org/officeDocument/2006/relationships" xmlns:p="http://schemas.openxmlformats.org/presentationml/2006/main" showMasterSp="0" showMasterPhAnim="0">
-  <p:cSld>
-    <p:spTree>
-      <p:nvGrpSpPr>
-        <p:cNvPr id="1" name="Shape 177"/>
-        <p:cNvGrpSpPr/>
-        <p:nvPr/>
-      </p:nvGrpSpPr>
-      <p:grpSpPr>
-        <a:xfrm>
-          <a:off x="0" y="0"/>
-          <a:ext cx="0" cy="0"/>
-          <a:chOff x="0" y="0"/>
-          <a:chExt cx="0" cy="0"/>
-        </a:xfrm>
-      </p:grpSpPr>
-      <p:sp>
-        <p:nvSpPr>
-          <p:cNvPr id="178" name="Google Shape;178;g1148e99709d_1_45:notes"/>
-          <p:cNvSpPr>
-            <a:spLocks noGrp="1" noRot="1" noChangeAspect="1"/>
-          </p:cNvSpPr>
-          <p:nvPr>
-            <p:ph type="sldImg" idx="2"/>
-          </p:nvPr>
-        </p:nvSpPr>
-        <p:spPr>
-          <a:xfrm>
-            <a:off x="381300" y="685800"/>
-            <a:ext cx="6096000" cy="3429000"/>
-          </a:xfrm>
-          <a:custGeom>
-            <a:avLst/>
-            <a:gdLst/>
-            <a:ahLst/>
-            <a:cxnLst/>
-            <a:rect l="l" t="t" r="r" b="b"/>
-            <a:pathLst>
-              <a:path w="120000" h="120000" extrusionOk="0">
-                <a:moveTo>
-                  <a:pt x="0" y="0"/>
-                </a:moveTo>
-                <a:lnTo>
-                  <a:pt x="120000" y="0"/>
-                </a:lnTo>
-                <a:lnTo>
-                  <a:pt x="120000" y="120000"/>
-                </a:lnTo>
-                <a:lnTo>
-                  <a:pt x="0" y="120000"/>
-                </a:lnTo>
-                <a:close/>
-              </a:path>
-            </a:pathLst>
-          </a:custGeom>
-        </p:spPr>
-      </p:sp>
-      <p:sp>
-        <p:nvSpPr>
-          <p:cNvPr id="179" name="Google Shape;179;g1148e99709d_1_45:notes"/>
-          <p:cNvSpPr txBox="1">
-            <a:spLocks noGrp="1"/>
-          </p:cNvSpPr>
-          <p:nvPr>
-            <p:ph type="body" idx="1"/>
-          </p:nvPr>
-        </p:nvSpPr>
-        <p:spPr>
-          <a:xfrm>
-            <a:off x="685800" y="4343400"/>
-            <a:ext cx="5486400" cy="4114800"/>
-          </a:xfrm>
-          <a:prstGeom prst="rect">
-            <a:avLst/>
-          </a:prstGeom>
-        </p:spPr>
-        <p:txBody>
-          <a:bodyPr spcFirstLastPara="1" wrap="square" lIns="91425" tIns="91425" rIns="91425" bIns="91425" anchor="t" anchorCtr="0">
-            <a:noAutofit/>
-          </a:bodyPr>
-          <a:lstStyle/>
-          <a:p>
-            <a:pPr marL="0" lvl="0" indent="0" algn="l" rtl="0">
-              <a:spcBef>
-                <a:spcPts val="0"/>
-              </a:spcBef>
-              <a:spcAft>
-                <a:spcPts val="0"/>
-              </a:spcAft>
-              <a:buNone/>
-            </a:pPr>
-            <a:endParaRPr/>
-          </a:p>
-        </p:txBody>
-      </p:sp>
-    </p:spTree>
-  </p:cSld>
-  <p:clrMapOvr>
-    <a:masterClrMapping/>
-  </p:clrMapOvr>
-</p:notes>
-</file>
-
-<file path=ppt/notesSlides/notesSlide19.xml><?xml version="1.0" encoding="utf-8"?>
-<p:notes xmlns:a="http://schemas.openxmlformats.org/drawingml/2006/main" xmlns:r="http://schemas.openxmlformats.org/officeDocument/2006/relationships" xmlns:p="http://schemas.openxmlformats.org/presentationml/2006/main" showMasterSp="0" showMasterPhAnim="0">
-  <p:cSld>
-    <p:spTree>
-      <p:nvGrpSpPr>
-        <p:cNvPr id="1" name="Shape 184"/>
-        <p:cNvGrpSpPr/>
-        <p:nvPr/>
-      </p:nvGrpSpPr>
-      <p:grpSpPr>
-        <a:xfrm>
-          <a:off x="0" y="0"/>
-          <a:ext cx="0" cy="0"/>
-          <a:chOff x="0" y="0"/>
-          <a:chExt cx="0" cy="0"/>
-        </a:xfrm>
-      </p:grpSpPr>
-      <p:sp>
-        <p:nvSpPr>
-          <p:cNvPr id="185" name="Google Shape;185;g1148e99709d_1_51:notes"/>
-          <p:cNvSpPr>
-            <a:spLocks noGrp="1" noRot="1" noChangeAspect="1"/>
-          </p:cNvSpPr>
-          <p:nvPr>
-            <p:ph type="sldImg" idx="2"/>
-          </p:nvPr>
-        </p:nvSpPr>
-        <p:spPr>
-          <a:xfrm>
-            <a:off x="381300" y="685800"/>
-            <a:ext cx="6096000" cy="3429000"/>
-          </a:xfrm>
-          <a:custGeom>
-            <a:avLst/>
-            <a:gdLst/>
-            <a:ahLst/>
-            <a:cxnLst/>
-            <a:rect l="l" t="t" r="r" b="b"/>
-            <a:pathLst>
-              <a:path w="120000" h="120000" extrusionOk="0">
-                <a:moveTo>
-                  <a:pt x="0" y="0"/>
-                </a:moveTo>
-                <a:lnTo>
-                  <a:pt x="120000" y="0"/>
-                </a:lnTo>
-                <a:lnTo>
-                  <a:pt x="120000" y="120000"/>
-                </a:lnTo>
-                <a:lnTo>
-                  <a:pt x="0" y="120000"/>
-                </a:lnTo>
-                <a:close/>
-              </a:path>
-            </a:pathLst>
-          </a:custGeom>
-        </p:spPr>
-      </p:sp>
-      <p:sp>
-        <p:nvSpPr>
-          <p:cNvPr id="186" name="Google Shape;186;g1148e99709d_1_51:notes"/>
+          <p:cNvPr id="192" name="Google Shape;192;g11560df528a_0_0:notes"/>
           <p:cNvSpPr txBox="1">
             <a:spLocks noGrp="1"/>
           </p:cNvSpPr>
@@ -2194,110 +992,6 @@
       <p:sp>
         <p:nvSpPr>
           <p:cNvPr id="74" name="Google Shape;74;g114d0914340_0_47:notes"/>
-          <p:cNvSpPr txBox="1">
-            <a:spLocks noGrp="1"/>
-          </p:cNvSpPr>
-          <p:nvPr>
-            <p:ph type="body" idx="1"/>
-          </p:nvPr>
-        </p:nvSpPr>
-        <p:spPr>
-          <a:xfrm>
-            <a:off x="685800" y="4343400"/>
-            <a:ext cx="5486400" cy="4114800"/>
-          </a:xfrm>
-          <a:prstGeom prst="rect">
-            <a:avLst/>
-          </a:prstGeom>
-        </p:spPr>
-        <p:txBody>
-          <a:bodyPr spcFirstLastPara="1" wrap="square" lIns="91425" tIns="91425" rIns="91425" bIns="91425" anchor="t" anchorCtr="0">
-            <a:noAutofit/>
-          </a:bodyPr>
-          <a:lstStyle/>
-          <a:p>
-            <a:pPr marL="0" lvl="0" indent="0" algn="l" rtl="0">
-              <a:spcBef>
-                <a:spcPts val="0"/>
-              </a:spcBef>
-              <a:spcAft>
-                <a:spcPts val="0"/>
-              </a:spcAft>
-              <a:buNone/>
-            </a:pPr>
-            <a:endParaRPr/>
-          </a:p>
-        </p:txBody>
-      </p:sp>
-    </p:spTree>
-  </p:cSld>
-  <p:clrMapOvr>
-    <a:masterClrMapping/>
-  </p:clrMapOvr>
-</p:notes>
-</file>
-
-<file path=ppt/notesSlides/notesSlide20.xml><?xml version="1.0" encoding="utf-8"?>
-<p:notes xmlns:a="http://schemas.openxmlformats.org/drawingml/2006/main" xmlns:r="http://schemas.openxmlformats.org/officeDocument/2006/relationships" xmlns:p="http://schemas.openxmlformats.org/presentationml/2006/main" showMasterSp="0" showMasterPhAnim="0">
-  <p:cSld>
-    <p:spTree>
-      <p:nvGrpSpPr>
-        <p:cNvPr id="1" name="Shape 190"/>
-        <p:cNvGrpSpPr/>
-        <p:nvPr/>
-      </p:nvGrpSpPr>
-      <p:grpSpPr>
-        <a:xfrm>
-          <a:off x="0" y="0"/>
-          <a:ext cx="0" cy="0"/>
-          <a:chOff x="0" y="0"/>
-          <a:chExt cx="0" cy="0"/>
-        </a:xfrm>
-      </p:grpSpPr>
-      <p:sp>
-        <p:nvSpPr>
-          <p:cNvPr id="191" name="Google Shape;191;g11560df528a_0_0:notes"/>
-          <p:cNvSpPr>
-            <a:spLocks noGrp="1" noRot="1" noChangeAspect="1"/>
-          </p:cNvSpPr>
-          <p:nvPr>
-            <p:ph type="sldImg" idx="2"/>
-          </p:nvPr>
-        </p:nvSpPr>
-        <p:spPr>
-          <a:xfrm>
-            <a:off x="381300" y="685800"/>
-            <a:ext cx="6096000" cy="3429000"/>
-          </a:xfrm>
-          <a:custGeom>
-            <a:avLst/>
-            <a:gdLst/>
-            <a:ahLst/>
-            <a:cxnLst/>
-            <a:rect l="l" t="t" r="r" b="b"/>
-            <a:pathLst>
-              <a:path w="120000" h="120000" extrusionOk="0">
-                <a:moveTo>
-                  <a:pt x="0" y="0"/>
-                </a:moveTo>
-                <a:lnTo>
-                  <a:pt x="120000" y="0"/>
-                </a:lnTo>
-                <a:lnTo>
-                  <a:pt x="120000" y="120000"/>
-                </a:lnTo>
-                <a:lnTo>
-                  <a:pt x="0" y="120000"/>
-                </a:lnTo>
-                <a:close/>
-              </a:path>
-            </a:pathLst>
-          </a:custGeom>
-        </p:spPr>
-      </p:sp>
-      <p:sp>
-        <p:nvSpPr>
-          <p:cNvPr id="192" name="Google Shape;192;g11560df528a_0_0:notes"/>
           <p:cNvSpPr txBox="1">
             <a:spLocks noGrp="1"/>
           </p:cNvSpPr>
@@ -10327,7 +9021,7 @@
   <p:cSld>
     <p:spTree>
       <p:nvGrpSpPr>
-        <p:cNvPr id="1" name="Shape 128"/>
+        <p:cNvPr id="1" name="Shape 193"/>
         <p:cNvGrpSpPr/>
         <p:nvPr/>
       </p:nvGrpSpPr>
@@ -10341,148 +9035,7 @@
       </p:grpSpPr>
       <p:sp>
         <p:nvSpPr>
-          <p:cNvPr id="129" name="Google Shape;129;p24"/>
-          <p:cNvSpPr txBox="1">
-            <a:spLocks noGrp="1"/>
-          </p:cNvSpPr>
-          <p:nvPr>
-            <p:ph type="ctrTitle"/>
-          </p:nvPr>
-        </p:nvSpPr>
-        <p:spPr>
-          <a:xfrm>
-            <a:off x="1130100" y="1397151"/>
-            <a:ext cx="6883800" cy="1799100"/>
-          </a:xfrm>
-          <a:prstGeom prst="rect">
-            <a:avLst/>
-          </a:prstGeom>
-        </p:spPr>
-        <p:txBody>
-          <a:bodyPr spcFirstLastPara="1" wrap="square" lIns="91425" tIns="91425" rIns="91425" bIns="91425" anchor="b" anchorCtr="0">
-            <a:normAutofit/>
-          </a:bodyPr>
-          <a:lstStyle/>
-          <a:p>
-            <a:pPr marL="0" lvl="0" indent="0" algn="ctr" rtl="0">
-              <a:spcBef>
-                <a:spcPts val="0"/>
-              </a:spcBef>
-              <a:spcAft>
-                <a:spcPts val="0"/>
-              </a:spcAft>
-              <a:buNone/>
-            </a:pPr>
-            <a:r>
-              <a:rPr lang="en" sz="4500"/>
-              <a:t>Moneyball 2.0</a:t>
-            </a:r>
-            <a:endParaRPr sz="4500"/>
-          </a:p>
-          <a:p>
-            <a:pPr marL="0" lvl="0" indent="0" algn="ctr" rtl="0">
-              <a:spcBef>
-                <a:spcPts val="0"/>
-              </a:spcBef>
-              <a:spcAft>
-                <a:spcPts val="0"/>
-              </a:spcAft>
-              <a:buNone/>
-            </a:pPr>
-            <a:r>
-              <a:rPr lang="en" sz="3300"/>
-              <a:t>Predicting Pitcher Salaries</a:t>
-            </a:r>
-            <a:endParaRPr sz="3300"/>
-          </a:p>
-        </p:txBody>
-      </p:sp>
-      <p:sp>
-        <p:nvSpPr>
-          <p:cNvPr id="130" name="Google Shape;130;p24"/>
-          <p:cNvSpPr txBox="1">
-            <a:spLocks noGrp="1"/>
-          </p:cNvSpPr>
-          <p:nvPr>
-            <p:ph type="subTitle" idx="1"/>
-          </p:nvPr>
-        </p:nvSpPr>
-        <p:spPr>
-          <a:xfrm>
-            <a:off x="1130100" y="3196163"/>
-            <a:ext cx="6883800" cy="550200"/>
-          </a:xfrm>
-          <a:prstGeom prst="rect">
-            <a:avLst/>
-          </a:prstGeom>
-        </p:spPr>
-        <p:txBody>
-          <a:bodyPr spcFirstLastPara="1" wrap="square" lIns="91425" tIns="91425" rIns="91425" bIns="91425" anchor="t" anchorCtr="0">
-            <a:normAutofit fontScale="70000" lnSpcReduction="20000"/>
-          </a:bodyPr>
-          <a:lstStyle/>
-          <a:p>
-            <a:pPr marL="0" lvl="0" indent="0" algn="ctr" rtl="0">
-              <a:spcBef>
-                <a:spcPts val="0"/>
-              </a:spcBef>
-              <a:spcAft>
-                <a:spcPts val="0"/>
-              </a:spcAft>
-              <a:buNone/>
-            </a:pPr>
-            <a:r>
-              <a:rPr lang="en"/>
-              <a:t>TEAMSIX Final Project </a:t>
-            </a:r>
-            <a:endParaRPr/>
-          </a:p>
-          <a:p>
-            <a:pPr marL="0" lvl="0" indent="0" algn="ctr" rtl="0">
-              <a:spcBef>
-                <a:spcPts val="0"/>
-              </a:spcBef>
-              <a:spcAft>
-                <a:spcPts val="0"/>
-              </a:spcAft>
-              <a:buNone/>
-            </a:pPr>
-            <a:r>
-              <a:rPr lang="en"/>
-              <a:t>Segment 2</a:t>
-            </a:r>
-            <a:endParaRPr/>
-          </a:p>
-        </p:txBody>
-      </p:sp>
-    </p:spTree>
-  </p:cSld>
-  <p:clrMapOvr>
-    <a:masterClrMapping/>
-  </p:clrMapOvr>
-</p:sld>
-</file>
-
-<file path=ppt/slides/slide11.xml><?xml version="1.0" encoding="utf-8"?>
-<p:sld xmlns:a="http://schemas.openxmlformats.org/drawingml/2006/main" xmlns:r="http://schemas.openxmlformats.org/officeDocument/2006/relationships" xmlns:p="http://schemas.openxmlformats.org/presentationml/2006/main">
-  <p:cSld>
-    <p:spTree>
-      <p:nvGrpSpPr>
-        <p:cNvPr id="1" name="Shape 134"/>
-        <p:cNvGrpSpPr/>
-        <p:nvPr/>
-      </p:nvGrpSpPr>
-      <p:grpSpPr>
-        <a:xfrm>
-          <a:off x="0" y="0"/>
-          <a:ext cx="0" cy="0"/>
-          <a:chOff x="0" y="0"/>
-          <a:chExt cx="0" cy="0"/>
-        </a:xfrm>
-      </p:grpSpPr>
-      <p:sp>
-        <p:nvSpPr>
-          <p:cNvPr id="135" name="Google Shape;135;p25"/>
+          <p:cNvPr id="194" name="Google Shape;194;p34"/>
           <p:cNvSpPr txBox="1">
             <a:spLocks noGrp="1"/>
           </p:cNvSpPr>
@@ -10516,7 +9069,7 @@
             </a:pPr>
             <a:r>
               <a:rPr lang="en"/>
-              <a:t>Topic</a:t>
+              <a:t>Final Thoughts…</a:t>
             </a:r>
             <a:endParaRPr/>
           </a:p>
@@ -10524,7 +9077,7 @@
       </p:sp>
       <p:sp>
         <p:nvSpPr>
-          <p:cNvPr id="136" name="Google Shape;136;p25"/>
+          <p:cNvPr id="195" name="Google Shape;195;p34"/>
           <p:cNvSpPr txBox="1">
             <a:spLocks noGrp="1"/>
           </p:cNvSpPr>
@@ -10535,7 +9088,7 @@
         <p:spPr>
           <a:xfrm>
             <a:off x="4283675" y="316700"/>
-            <a:ext cx="4407300" cy="3834000"/>
+            <a:ext cx="4407300" cy="4389300"/>
           </a:xfrm>
           <a:prstGeom prst="rect">
             <a:avLst/>
@@ -10547,313 +9100,32 @@
           </a:bodyPr>
           <a:lstStyle/>
           <a:p>
-            <a:pPr marL="0" lvl="0" indent="0" algn="l" rtl="0">
-              <a:spcBef>
-                <a:spcPts val="0"/>
-              </a:spcBef>
-              <a:spcAft>
-                <a:spcPts val="1600"/>
+            <a:pPr marL="457200" lvl="0" indent="0" algn="l" rtl="0">
+              <a:spcBef>
+                <a:spcPts val="0"/>
+              </a:spcBef>
+              <a:spcAft>
+                <a:spcPts val="0"/>
               </a:spcAft>
               <a:buNone/>
             </a:pPr>
             <a:r>
               <a:rPr lang="en"/>
-              <a:t>The purpose of this project is to use machine learning and MLB pitcher statistics in order to predict MLB pitcher future salaries</a:t>
-            </a:r>
-            <a:endParaRPr/>
-          </a:p>
-        </p:txBody>
-      </p:sp>
-    </p:spTree>
-  </p:cSld>
-  <p:clrMapOvr>
-    <a:masterClrMapping/>
-  </p:clrMapOvr>
-  <p:timing>
-    <p:tnLst>
-      <p:par>
-        <p:cTn id="1" dur="indefinite" restart="never" nodeType="tmRoot">
-          <p:childTnLst>
-            <p:seq concurrent="1" nextAc="seek">
-              <p:cTn id="2" dur="indefinite" nodeType="mainSeq">
-                <p:childTnLst>
-                  <p:par>
-                    <p:cTn id="3" fill="hold">
-                      <p:stCondLst>
-                        <p:cond delay="indefinite"/>
-                      </p:stCondLst>
-                      <p:childTnLst>
-                        <p:par>
-                          <p:cTn id="4" fill="hold">
-                            <p:stCondLst>
-                              <p:cond delay="0"/>
-                            </p:stCondLst>
-                            <p:childTnLst>
-                              <p:par>
-                                <p:cTn id="5" presetID="23" presetClass="entr" presetSubtype="16" fill="hold" nodeType="clickEffect">
-                                  <p:stCondLst>
-                                    <p:cond delay="0"/>
-                                  </p:stCondLst>
-                                  <p:childTnLst>
-                                    <p:set>
-                                      <p:cBhvr>
-                                        <p:cTn id="6" dur="1" fill="hold">
-                                          <p:stCondLst>
-                                            <p:cond delay="0"/>
-                                          </p:stCondLst>
-                                        </p:cTn>
-                                        <p:tgtEl>
-                                          <p:spTgt spid="136">
-                                            <p:txEl>
-                                              <p:pRg st="0" end="0"/>
-                                            </p:txEl>
-                                          </p:spTgt>
-                                        </p:tgtEl>
-                                        <p:attrNameLst>
-                                          <p:attrName>style.visibility</p:attrName>
-                                        </p:attrNameLst>
-                                      </p:cBhvr>
-                                      <p:to>
-                                        <p:strVal val="visible"/>
-                                      </p:to>
-                                    </p:set>
-                                    <p:anim calcmode="lin" valueType="num">
-                                      <p:cBhvr additive="base">
-                                        <p:cTn id="7" dur="1000"/>
-                                        <p:tgtEl>
-                                          <p:spTgt spid="136">
-                                            <p:txEl>
-                                              <p:pRg st="0" end="0"/>
-                                            </p:txEl>
-                                          </p:spTgt>
-                                        </p:tgtEl>
-                                        <p:attrNameLst>
-                                          <p:attrName>ppt_w</p:attrName>
-                                        </p:attrNameLst>
-                                      </p:cBhvr>
-                                      <p:tavLst>
-                                        <p:tav tm="0">
-                                          <p:val>
-                                            <p:strVal val="0"/>
-                                          </p:val>
-                                        </p:tav>
-                                        <p:tav tm="100000">
-                                          <p:val>
-                                            <p:strVal val="#ppt_w"/>
-                                          </p:val>
-                                        </p:tav>
-                                      </p:tavLst>
-                                    </p:anim>
-                                    <p:anim calcmode="lin" valueType="num">
-                                      <p:cBhvr additive="base">
-                                        <p:cTn id="8" dur="1000"/>
-                                        <p:tgtEl>
-                                          <p:spTgt spid="136">
-                                            <p:txEl>
-                                              <p:pRg st="0" end="0"/>
-                                            </p:txEl>
-                                          </p:spTgt>
-                                        </p:tgtEl>
-                                        <p:attrNameLst>
-                                          <p:attrName>ppt_h</p:attrName>
-                                        </p:attrNameLst>
-                                      </p:cBhvr>
-                                      <p:tavLst>
-                                        <p:tav tm="0">
-                                          <p:val>
-                                            <p:strVal val="0"/>
-                                          </p:val>
-                                        </p:tav>
-                                        <p:tav tm="100000">
-                                          <p:val>
-                                            <p:strVal val="#ppt_h"/>
-                                          </p:val>
-                                        </p:tav>
-                                      </p:tavLst>
-                                    </p:anim>
-                                  </p:childTnLst>
-                                </p:cTn>
-                              </p:par>
-                            </p:childTnLst>
-                          </p:cTn>
-                        </p:par>
-                      </p:childTnLst>
-                    </p:cTn>
-                  </p:par>
-                </p:childTnLst>
-              </p:cTn>
-              <p:prevCondLst>
-                <p:cond evt="onPrev" delay="0">
-                  <p:tgtEl>
-                    <p:sldTgt/>
-                  </p:tgtEl>
-                </p:cond>
-              </p:prevCondLst>
-              <p:nextCondLst>
-                <p:cond evt="onNext" delay="0">
-                  <p:tgtEl>
-                    <p:sldTgt/>
-                  </p:tgtEl>
-                </p:cond>
-              </p:nextCondLst>
-            </p:seq>
-          </p:childTnLst>
-        </p:cTn>
-      </p:par>
-    </p:tnLst>
-  </p:timing>
-</p:sld>
-</file>
-
-<file path=ppt/slides/slide12.xml><?xml version="1.0" encoding="utf-8"?>
-<p:sld xmlns:a="http://schemas.openxmlformats.org/drawingml/2006/main" xmlns:r="http://schemas.openxmlformats.org/officeDocument/2006/relationships" xmlns:p="http://schemas.openxmlformats.org/presentationml/2006/main">
-  <p:cSld>
-    <p:spTree>
-      <p:nvGrpSpPr>
-        <p:cNvPr id="1" name="Shape 140"/>
-        <p:cNvGrpSpPr/>
-        <p:nvPr/>
-      </p:nvGrpSpPr>
-      <p:grpSpPr>
-        <a:xfrm>
-          <a:off x="0" y="0"/>
-          <a:ext cx="0" cy="0"/>
-          <a:chOff x="0" y="0"/>
-          <a:chExt cx="0" cy="0"/>
-        </a:xfrm>
-      </p:grpSpPr>
-      <p:sp>
-        <p:nvSpPr>
-          <p:cNvPr id="141" name="Google Shape;141;p26"/>
-          <p:cNvSpPr txBox="1">
-            <a:spLocks noGrp="1"/>
-          </p:cNvSpPr>
-          <p:nvPr>
-            <p:ph type="title"/>
-          </p:nvPr>
-        </p:nvSpPr>
-        <p:spPr>
-          <a:xfrm>
-            <a:off x="265500" y="316700"/>
-            <a:ext cx="3163500" cy="2607600"/>
-          </a:xfrm>
-          <a:prstGeom prst="rect">
-            <a:avLst/>
-          </a:prstGeom>
-        </p:spPr>
-        <p:txBody>
-          <a:bodyPr spcFirstLastPara="1" wrap="square" lIns="91425" tIns="91425" rIns="91425" bIns="91425" anchor="t" anchorCtr="0">
-            <a:normAutofit/>
-          </a:bodyPr>
-          <a:lstStyle/>
-          <a:p>
-            <a:pPr marL="0" lvl="0" indent="0" algn="l" rtl="0">
-              <a:spcBef>
-                <a:spcPts val="0"/>
-              </a:spcBef>
-              <a:spcAft>
-                <a:spcPts val="0"/>
-              </a:spcAft>
-              <a:buNone/>
-            </a:pPr>
-            <a:r>
-              <a:rPr lang="en"/>
-              <a:t>Reasoning</a:t>
-            </a:r>
-            <a:endParaRPr/>
-          </a:p>
-        </p:txBody>
-      </p:sp>
-      <p:sp>
-        <p:nvSpPr>
-          <p:cNvPr id="142" name="Google Shape;142;p26"/>
-          <p:cNvSpPr txBox="1">
-            <a:spLocks noGrp="1"/>
-          </p:cNvSpPr>
-          <p:nvPr>
-            <p:ph type="body" idx="1"/>
-          </p:nvPr>
-        </p:nvSpPr>
-        <p:spPr>
-          <a:xfrm>
-            <a:off x="4283675" y="316700"/>
-            <a:ext cx="4407300" cy="3834000"/>
-          </a:xfrm>
-          <a:prstGeom prst="rect">
-            <a:avLst/>
-          </a:prstGeom>
-        </p:spPr>
-        <p:txBody>
-          <a:bodyPr spcFirstLastPara="1" wrap="square" lIns="91425" tIns="91425" rIns="91425" bIns="91425" anchor="t" anchorCtr="0">
-            <a:normAutofit/>
-          </a:bodyPr>
-          <a:lstStyle/>
-          <a:p>
-            <a:pPr marL="0" lvl="0" indent="0" algn="l" rtl="0">
-              <a:spcBef>
-                <a:spcPts val="0"/>
-              </a:spcBef>
-              <a:spcAft>
-                <a:spcPts val="0"/>
-              </a:spcAft>
-              <a:buNone/>
-            </a:pPr>
-            <a:r>
-              <a:rPr lang="en"/>
-              <a:t>Why this topic?</a:t>
+              <a:t>Add what could have been done differently.</a:t>
             </a:r>
             <a:endParaRPr/>
           </a:p>
           <a:p>
-            <a:pPr marL="457200" lvl="0" indent="-342900" algn="l" rtl="0">
+            <a:pPr marL="914400" lvl="0" indent="0" algn="l" rtl="0">
               <a:spcBef>
                 <a:spcPts val="1600"/>
               </a:spcBef>
               <a:spcAft>
                 <a:spcPts val="0"/>
               </a:spcAft>
-              <a:buSzPts val="1800"/>
-              <a:buChar char="-"/>
+              <a:buNone/>
             </a:pPr>
-            <a:r>
-              <a:rPr lang="en"/>
-              <a:t>The abundance of baseball statistics currently available online</a:t>
-            </a:r>
             <a:endParaRPr/>
-          </a:p>
-          <a:p>
-            <a:pPr marL="457200" lvl="0" indent="-342900" algn="l" rtl="0">
-              <a:spcBef>
-                <a:spcPts val="0"/>
-              </a:spcBef>
-              <a:spcAft>
-                <a:spcPts val="0"/>
-              </a:spcAft>
-              <a:buSzPts val="1800"/>
-              <a:buChar char="-"/>
-            </a:pPr>
-            <a:r>
-              <a:rPr lang="en"/>
-              <a:t>Ideal opportunity for machine learning</a:t>
-            </a:r>
-            <a:endParaRPr/>
-          </a:p>
-          <a:p>
-            <a:pPr marL="457200" lvl="0" indent="-368300" algn="l" rtl="0">
-              <a:spcBef>
-                <a:spcPts val="0"/>
-              </a:spcBef>
-              <a:spcAft>
-                <a:spcPts val="0"/>
-              </a:spcAft>
-              <a:buSzPts val="2200"/>
-              <a:buChar char="-"/>
-            </a:pPr>
-            <a:r>
-              <a:rPr lang="en" sz="2200"/>
-              <a:t>WE LOVE BASEBALL!</a:t>
-            </a:r>
-            <a:endParaRPr sz="2200"/>
           </a:p>
           <a:p>
             <a:pPr marL="0" lvl="0" indent="0" algn="l" rtl="0">
@@ -10908,7 +9180,7 @@
                                           </p:stCondLst>
                                         </p:cTn>
                                         <p:tgtEl>
-                                          <p:spTgt spid="142">
+                                          <p:spTgt spid="195">
                                             <p:txEl>
                                               <p:pRg st="0" end="0"/>
                                             </p:txEl>
@@ -10926,7 +9198,7 @@
                                       <p:cBhvr additive="base">
                                         <p:cTn id="7" dur="1000"/>
                                         <p:tgtEl>
-                                          <p:spTgt spid="142">
+                                          <p:spTgt spid="195">
                                             <p:txEl>
                                               <p:pRg st="0" end="0"/>
                                             </p:txEl>
@@ -10953,7 +9225,7 @@
                                       <p:cBhvr additive="base">
                                         <p:cTn id="8" dur="1000"/>
                                         <p:tgtEl>
-                                          <p:spTgt spid="142">
+                                          <p:spTgt spid="195">
                                             <p:txEl>
                                               <p:pRg st="0" end="0"/>
                                             </p:txEl>
@@ -11011,7 +9283,7 @@
                                           </p:stCondLst>
                                         </p:cTn>
                                         <p:tgtEl>
-                                          <p:spTgt spid="142">
+                                          <p:spTgt spid="195">
                                             <p:txEl>
                                               <p:pRg st="1" end="1"/>
                                             </p:txEl>
@@ -11029,7 +9301,7 @@
                                       <p:cBhvr additive="base">
                                         <p:cTn id="13" dur="1000"/>
                                         <p:tgtEl>
-                                          <p:spTgt spid="142">
+                                          <p:spTgt spid="195">
                                             <p:txEl>
                                               <p:pRg st="1" end="1"/>
                                             </p:txEl>
@@ -11056,7 +9328,7 @@
                                       <p:cBhvr additive="base">
                                         <p:cTn id="14" dur="1000"/>
                                         <p:tgtEl>
-                                          <p:spTgt spid="142">
+                                          <p:spTgt spid="195">
                                             <p:txEl>
                                               <p:pRg st="1" end="1"/>
                                             </p:txEl>
@@ -11114,7 +9386,7 @@
                                           </p:stCondLst>
                                         </p:cTn>
                                         <p:tgtEl>
-                                          <p:spTgt spid="142">
+                                          <p:spTgt spid="195">
                                             <p:txEl>
                                               <p:pRg st="2" end="2"/>
                                             </p:txEl>
@@ -11132,7 +9404,7 @@
                                       <p:cBhvr additive="base">
                                         <p:cTn id="19" dur="1000"/>
                                         <p:tgtEl>
-                                          <p:spTgt spid="142">
+                                          <p:spTgt spid="195">
                                             <p:txEl>
                                               <p:pRg st="2" end="2"/>
                                             </p:txEl>
@@ -11159,5721 +9431,7 @@
                                       <p:cBhvr additive="base">
                                         <p:cTn id="20" dur="1000"/>
                                         <p:tgtEl>
-                                          <p:spTgt spid="142">
-                                            <p:txEl>
-                                              <p:pRg st="2" end="2"/>
-                                            </p:txEl>
-                                          </p:spTgt>
-                                        </p:tgtEl>
-                                        <p:attrNameLst>
-                                          <p:attrName>ppt_h</p:attrName>
-                                        </p:attrNameLst>
-                                      </p:cBhvr>
-                                      <p:tavLst>
-                                        <p:tav tm="0">
-                                          <p:val>
-                                            <p:strVal val="0"/>
-                                          </p:val>
-                                        </p:tav>
-                                        <p:tav tm="100000">
-                                          <p:val>
-                                            <p:strVal val="#ppt_h"/>
-                                          </p:val>
-                                        </p:tav>
-                                      </p:tavLst>
-                                    </p:anim>
-                                  </p:childTnLst>
-                                </p:cTn>
-                              </p:par>
-                            </p:childTnLst>
-                          </p:cTn>
-                        </p:par>
-                      </p:childTnLst>
-                    </p:cTn>
-                  </p:par>
-                  <p:par>
-                    <p:cTn id="21" fill="hold">
-                      <p:stCondLst>
-                        <p:cond delay="indefinite"/>
-                      </p:stCondLst>
-                      <p:childTnLst>
-                        <p:par>
-                          <p:cTn id="22" fill="hold">
-                            <p:stCondLst>
-                              <p:cond delay="0"/>
-                            </p:stCondLst>
-                            <p:childTnLst>
-                              <p:par>
-                                <p:cTn id="23" presetID="23" presetClass="entr" presetSubtype="16" fill="hold" nodeType="clickEffect">
-                                  <p:stCondLst>
-                                    <p:cond delay="0"/>
-                                  </p:stCondLst>
-                                  <p:childTnLst>
-                                    <p:set>
-                                      <p:cBhvr>
-                                        <p:cTn id="24" dur="1" fill="hold">
-                                          <p:stCondLst>
-                                            <p:cond delay="0"/>
-                                          </p:stCondLst>
-                                        </p:cTn>
-                                        <p:tgtEl>
-                                          <p:spTgt spid="142">
-                                            <p:txEl>
-                                              <p:pRg st="3" end="3"/>
-                                            </p:txEl>
-                                          </p:spTgt>
-                                        </p:tgtEl>
-                                        <p:attrNameLst>
-                                          <p:attrName>style.visibility</p:attrName>
-                                        </p:attrNameLst>
-                                      </p:cBhvr>
-                                      <p:to>
-                                        <p:strVal val="visible"/>
-                                      </p:to>
-                                    </p:set>
-                                    <p:anim calcmode="lin" valueType="num">
-                                      <p:cBhvr additive="base">
-                                        <p:cTn id="25" dur="1000"/>
-                                        <p:tgtEl>
-                                          <p:spTgt spid="142">
-                                            <p:txEl>
-                                              <p:pRg st="3" end="3"/>
-                                            </p:txEl>
-                                          </p:spTgt>
-                                        </p:tgtEl>
-                                        <p:attrNameLst>
-                                          <p:attrName>ppt_w</p:attrName>
-                                        </p:attrNameLst>
-                                      </p:cBhvr>
-                                      <p:tavLst>
-                                        <p:tav tm="0">
-                                          <p:val>
-                                            <p:strVal val="0"/>
-                                          </p:val>
-                                        </p:tav>
-                                        <p:tav tm="100000">
-                                          <p:val>
-                                            <p:strVal val="#ppt_w"/>
-                                          </p:val>
-                                        </p:tav>
-                                      </p:tavLst>
-                                    </p:anim>
-                                    <p:anim calcmode="lin" valueType="num">
-                                      <p:cBhvr additive="base">
-                                        <p:cTn id="26" dur="1000"/>
-                                        <p:tgtEl>
-                                          <p:spTgt spid="142">
-                                            <p:txEl>
-                                              <p:pRg st="3" end="3"/>
-                                            </p:txEl>
-                                          </p:spTgt>
-                                        </p:tgtEl>
-                                        <p:attrNameLst>
-                                          <p:attrName>ppt_h</p:attrName>
-                                        </p:attrNameLst>
-                                      </p:cBhvr>
-                                      <p:tavLst>
-                                        <p:tav tm="0">
-                                          <p:val>
-                                            <p:strVal val="0"/>
-                                          </p:val>
-                                        </p:tav>
-                                        <p:tav tm="100000">
-                                          <p:val>
-                                            <p:strVal val="#ppt_h"/>
-                                          </p:val>
-                                        </p:tav>
-                                      </p:tavLst>
-                                    </p:anim>
-                                  </p:childTnLst>
-                                </p:cTn>
-                              </p:par>
-                            </p:childTnLst>
-                          </p:cTn>
-                        </p:par>
-                      </p:childTnLst>
-                    </p:cTn>
-                  </p:par>
-                  <p:par>
-                    <p:cTn id="27" fill="hold">
-                      <p:stCondLst>
-                        <p:cond delay="indefinite"/>
-                      </p:stCondLst>
-                      <p:childTnLst>
-                        <p:par>
-                          <p:cTn id="28" fill="hold">
-                            <p:stCondLst>
-                              <p:cond delay="0"/>
-                            </p:stCondLst>
-                            <p:childTnLst>
-                              <p:par>
-                                <p:cTn id="29" presetID="23" presetClass="entr" presetSubtype="16" fill="hold" nodeType="clickEffect">
-                                  <p:stCondLst>
-                                    <p:cond delay="0"/>
-                                  </p:stCondLst>
-                                  <p:childTnLst>
-                                    <p:set>
-                                      <p:cBhvr>
-                                        <p:cTn id="30" dur="1" fill="hold">
-                                          <p:stCondLst>
-                                            <p:cond delay="0"/>
-                                          </p:stCondLst>
-                                        </p:cTn>
-                                        <p:tgtEl>
-                                          <p:spTgt spid="142">
-                                            <p:txEl>
-                                              <p:pRg st="4" end="4"/>
-                                            </p:txEl>
-                                          </p:spTgt>
-                                        </p:tgtEl>
-                                        <p:attrNameLst>
-                                          <p:attrName>style.visibility</p:attrName>
-                                        </p:attrNameLst>
-                                      </p:cBhvr>
-                                      <p:to>
-                                        <p:strVal val="visible"/>
-                                      </p:to>
-                                    </p:set>
-                                    <p:anim calcmode="lin" valueType="num">
-                                      <p:cBhvr additive="base">
-                                        <p:cTn id="31" dur="1000"/>
-                                        <p:tgtEl>
-                                          <p:spTgt spid="142">
-                                            <p:txEl>
-                                              <p:pRg st="4" end="4"/>
-                                            </p:txEl>
-                                          </p:spTgt>
-                                        </p:tgtEl>
-                                        <p:attrNameLst>
-                                          <p:attrName>ppt_w</p:attrName>
-                                        </p:attrNameLst>
-                                      </p:cBhvr>
-                                      <p:tavLst>
-                                        <p:tav tm="0">
-                                          <p:val>
-                                            <p:strVal val="0"/>
-                                          </p:val>
-                                        </p:tav>
-                                        <p:tav tm="100000">
-                                          <p:val>
-                                            <p:strVal val="#ppt_w"/>
-                                          </p:val>
-                                        </p:tav>
-                                      </p:tavLst>
-                                    </p:anim>
-                                    <p:anim calcmode="lin" valueType="num">
-                                      <p:cBhvr additive="base">
-                                        <p:cTn id="32" dur="1000"/>
-                                        <p:tgtEl>
-                                          <p:spTgt spid="142">
-                                            <p:txEl>
-                                              <p:pRg st="4" end="4"/>
-                                            </p:txEl>
-                                          </p:spTgt>
-                                        </p:tgtEl>
-                                        <p:attrNameLst>
-                                          <p:attrName>ppt_h</p:attrName>
-                                        </p:attrNameLst>
-                                      </p:cBhvr>
-                                      <p:tavLst>
-                                        <p:tav tm="0">
-                                          <p:val>
-                                            <p:strVal val="0"/>
-                                          </p:val>
-                                        </p:tav>
-                                        <p:tav tm="100000">
-                                          <p:val>
-                                            <p:strVal val="#ppt_h"/>
-                                          </p:val>
-                                        </p:tav>
-                                      </p:tavLst>
-                                    </p:anim>
-                                  </p:childTnLst>
-                                </p:cTn>
-                              </p:par>
-                            </p:childTnLst>
-                          </p:cTn>
-                        </p:par>
-                      </p:childTnLst>
-                    </p:cTn>
-                  </p:par>
-                </p:childTnLst>
-              </p:cTn>
-              <p:prevCondLst>
-                <p:cond evt="onPrev" delay="0">
-                  <p:tgtEl>
-                    <p:sldTgt/>
-                  </p:tgtEl>
-                </p:cond>
-              </p:prevCondLst>
-              <p:nextCondLst>
-                <p:cond evt="onNext" delay="0">
-                  <p:tgtEl>
-                    <p:sldTgt/>
-                  </p:tgtEl>
-                </p:cond>
-              </p:nextCondLst>
-            </p:seq>
-          </p:childTnLst>
-        </p:cTn>
-      </p:par>
-    </p:tnLst>
-  </p:timing>
-</p:sld>
-</file>
-
-<file path=ppt/slides/slide13.xml><?xml version="1.0" encoding="utf-8"?>
-<p:sld xmlns:a="http://schemas.openxmlformats.org/drawingml/2006/main" xmlns:r="http://schemas.openxmlformats.org/officeDocument/2006/relationships" xmlns:p="http://schemas.openxmlformats.org/presentationml/2006/main">
-  <p:cSld>
-    <p:spTree>
-      <p:nvGrpSpPr>
-        <p:cNvPr id="1" name="Shape 146"/>
-        <p:cNvGrpSpPr/>
-        <p:nvPr/>
-      </p:nvGrpSpPr>
-      <p:grpSpPr>
-        <a:xfrm>
-          <a:off x="0" y="0"/>
-          <a:ext cx="0" cy="0"/>
-          <a:chOff x="0" y="0"/>
-          <a:chExt cx="0" cy="0"/>
-        </a:xfrm>
-      </p:grpSpPr>
-      <p:sp>
-        <p:nvSpPr>
-          <p:cNvPr id="147" name="Google Shape;147;p27"/>
-          <p:cNvSpPr txBox="1">
-            <a:spLocks noGrp="1"/>
-          </p:cNvSpPr>
-          <p:nvPr>
-            <p:ph type="title"/>
-          </p:nvPr>
-        </p:nvSpPr>
-        <p:spPr>
-          <a:xfrm>
-            <a:off x="265500" y="316700"/>
-            <a:ext cx="3163500" cy="2607600"/>
-          </a:xfrm>
-          <a:prstGeom prst="rect">
-            <a:avLst/>
-          </a:prstGeom>
-        </p:spPr>
-        <p:txBody>
-          <a:bodyPr spcFirstLastPara="1" wrap="square" lIns="91425" tIns="91425" rIns="91425" bIns="91425" anchor="t" anchorCtr="0">
-            <a:normAutofit/>
-          </a:bodyPr>
-          <a:lstStyle/>
-          <a:p>
-            <a:pPr marL="0" lvl="0" indent="0" algn="l" rtl="0">
-              <a:spcBef>
-                <a:spcPts val="0"/>
-              </a:spcBef>
-              <a:spcAft>
-                <a:spcPts val="0"/>
-              </a:spcAft>
-              <a:buNone/>
-            </a:pPr>
-            <a:r>
-              <a:rPr lang="en"/>
-              <a:t>Data Source</a:t>
-            </a:r>
-            <a:endParaRPr/>
-          </a:p>
-        </p:txBody>
-      </p:sp>
-      <p:sp>
-        <p:nvSpPr>
-          <p:cNvPr id="148" name="Google Shape;148;p27"/>
-          <p:cNvSpPr txBox="1">
-            <a:spLocks noGrp="1"/>
-          </p:cNvSpPr>
-          <p:nvPr>
-            <p:ph type="body" idx="1"/>
-          </p:nvPr>
-        </p:nvSpPr>
-        <p:spPr>
-          <a:xfrm>
-            <a:off x="4283675" y="316700"/>
-            <a:ext cx="4407300" cy="4617600"/>
-          </a:xfrm>
-          <a:prstGeom prst="rect">
-            <a:avLst/>
-          </a:prstGeom>
-        </p:spPr>
-        <p:txBody>
-          <a:bodyPr spcFirstLastPara="1" wrap="square" lIns="91425" tIns="91425" rIns="91425" bIns="91425" anchor="t" anchorCtr="0">
-            <a:normAutofit/>
-          </a:bodyPr>
-          <a:lstStyle/>
-          <a:p>
-            <a:pPr marL="0" lvl="0" indent="0" algn="l" rtl="0">
-              <a:spcBef>
-                <a:spcPts val="0"/>
-              </a:spcBef>
-              <a:spcAft>
-                <a:spcPts val="0"/>
-              </a:spcAft>
-              <a:buNone/>
-            </a:pPr>
-            <a:r>
-              <a:rPr lang="en"/>
-              <a:t>The data source being used:</a:t>
-            </a:r>
-            <a:endParaRPr/>
-          </a:p>
-          <a:p>
-            <a:pPr marL="457200" lvl="0" indent="-342900" algn="l" rtl="0">
-              <a:spcBef>
-                <a:spcPts val="1600"/>
-              </a:spcBef>
-              <a:spcAft>
-                <a:spcPts val="0"/>
-              </a:spcAft>
-              <a:buSzPts val="1800"/>
-              <a:buChar char="-"/>
-            </a:pPr>
-            <a:r>
-              <a:rPr lang="en"/>
-              <a:t>Lahman’s Baseball Database</a:t>
-            </a:r>
-            <a:endParaRPr/>
-          </a:p>
-          <a:p>
-            <a:pPr marL="1371600" lvl="1" indent="-317500" algn="l" rtl="0">
-              <a:spcBef>
-                <a:spcPts val="0"/>
-              </a:spcBef>
-              <a:spcAft>
-                <a:spcPts val="0"/>
-              </a:spcAft>
-              <a:buSzPts val="1400"/>
-              <a:buChar char="-"/>
-            </a:pPr>
-            <a:r>
-              <a:rPr lang="en"/>
-              <a:t>MLB pitching statistics</a:t>
-            </a:r>
-            <a:endParaRPr/>
-          </a:p>
-          <a:p>
-            <a:pPr marL="1371600" lvl="1" indent="-317500" algn="l" rtl="0">
-              <a:spcBef>
-                <a:spcPts val="0"/>
-              </a:spcBef>
-              <a:spcAft>
-                <a:spcPts val="0"/>
-              </a:spcAft>
-              <a:buSzPts val="1400"/>
-              <a:buChar char="-"/>
-            </a:pPr>
-            <a:r>
-              <a:rPr lang="en"/>
-              <a:t>Salary data</a:t>
-            </a:r>
-            <a:endParaRPr/>
-          </a:p>
-          <a:p>
-            <a:pPr marL="1371600" lvl="1" indent="-317500" algn="l" rtl="0">
-              <a:spcBef>
-                <a:spcPts val="0"/>
-              </a:spcBef>
-              <a:spcAft>
-                <a:spcPts val="0"/>
-              </a:spcAft>
-              <a:buSzPts val="1400"/>
-              <a:buChar char="-"/>
-            </a:pPr>
-            <a:r>
-              <a:rPr lang="en"/>
-              <a:t>Player statistics</a:t>
-            </a:r>
-            <a:endParaRPr/>
-          </a:p>
-        </p:txBody>
-      </p:sp>
-      <p:pic>
-        <p:nvPicPr>
-          <p:cNvPr id="149" name="Google Shape;149;p27"/>
-          <p:cNvPicPr preferRelativeResize="0"/>
-          <p:nvPr/>
-        </p:nvPicPr>
-        <p:blipFill>
-          <a:blip r:embed="rId3">
-            <a:alphaModFix/>
-          </a:blip>
-          <a:stretch>
-            <a:fillRect/>
-          </a:stretch>
-        </p:blipFill>
-        <p:spPr>
-          <a:xfrm>
-            <a:off x="5335400" y="2383075"/>
-            <a:ext cx="2362199" cy="2551075"/>
-          </a:xfrm>
-          <a:prstGeom prst="rect">
-            <a:avLst/>
-          </a:prstGeom>
-          <a:noFill/>
-          <a:ln>
-            <a:noFill/>
-          </a:ln>
-        </p:spPr>
-      </p:pic>
-    </p:spTree>
-  </p:cSld>
-  <p:clrMapOvr>
-    <a:masterClrMapping/>
-  </p:clrMapOvr>
-  <p:timing>
-    <p:tnLst>
-      <p:par>
-        <p:cTn id="1" dur="indefinite" restart="never" nodeType="tmRoot">
-          <p:childTnLst>
-            <p:seq concurrent="1" nextAc="seek">
-              <p:cTn id="2" dur="indefinite" nodeType="mainSeq">
-                <p:childTnLst>
-                  <p:par>
-                    <p:cTn id="3" fill="hold">
-                      <p:stCondLst>
-                        <p:cond delay="indefinite"/>
-                      </p:stCondLst>
-                      <p:childTnLst>
-                        <p:par>
-                          <p:cTn id="4" fill="hold">
-                            <p:stCondLst>
-                              <p:cond delay="0"/>
-                            </p:stCondLst>
-                            <p:childTnLst>
-                              <p:par>
-                                <p:cTn id="5" presetID="23" presetClass="entr" presetSubtype="16" fill="hold" nodeType="clickEffect">
-                                  <p:stCondLst>
-                                    <p:cond delay="0"/>
-                                  </p:stCondLst>
-                                  <p:childTnLst>
-                                    <p:set>
-                                      <p:cBhvr>
-                                        <p:cTn id="6" dur="1" fill="hold">
-                                          <p:stCondLst>
-                                            <p:cond delay="0"/>
-                                          </p:stCondLst>
-                                        </p:cTn>
-                                        <p:tgtEl>
-                                          <p:spTgt spid="148">
-                                            <p:txEl>
-                                              <p:pRg st="0" end="0"/>
-                                            </p:txEl>
-                                          </p:spTgt>
-                                        </p:tgtEl>
-                                        <p:attrNameLst>
-                                          <p:attrName>style.visibility</p:attrName>
-                                        </p:attrNameLst>
-                                      </p:cBhvr>
-                                      <p:to>
-                                        <p:strVal val="visible"/>
-                                      </p:to>
-                                    </p:set>
-                                    <p:anim calcmode="lin" valueType="num">
-                                      <p:cBhvr additive="base">
-                                        <p:cTn id="7" dur="1000"/>
-                                        <p:tgtEl>
-                                          <p:spTgt spid="148">
-                                            <p:txEl>
-                                              <p:pRg st="0" end="0"/>
-                                            </p:txEl>
-                                          </p:spTgt>
-                                        </p:tgtEl>
-                                        <p:attrNameLst>
-                                          <p:attrName>ppt_w</p:attrName>
-                                        </p:attrNameLst>
-                                      </p:cBhvr>
-                                      <p:tavLst>
-                                        <p:tav tm="0">
-                                          <p:val>
-                                            <p:strVal val="0"/>
-                                          </p:val>
-                                        </p:tav>
-                                        <p:tav tm="100000">
-                                          <p:val>
-                                            <p:strVal val="#ppt_w"/>
-                                          </p:val>
-                                        </p:tav>
-                                      </p:tavLst>
-                                    </p:anim>
-                                    <p:anim calcmode="lin" valueType="num">
-                                      <p:cBhvr additive="base">
-                                        <p:cTn id="8" dur="1000"/>
-                                        <p:tgtEl>
-                                          <p:spTgt spid="148">
-                                            <p:txEl>
-                                              <p:pRg st="0" end="0"/>
-                                            </p:txEl>
-                                          </p:spTgt>
-                                        </p:tgtEl>
-                                        <p:attrNameLst>
-                                          <p:attrName>ppt_h</p:attrName>
-                                        </p:attrNameLst>
-                                      </p:cBhvr>
-                                      <p:tavLst>
-                                        <p:tav tm="0">
-                                          <p:val>
-                                            <p:strVal val="0"/>
-                                          </p:val>
-                                        </p:tav>
-                                        <p:tav tm="100000">
-                                          <p:val>
-                                            <p:strVal val="#ppt_h"/>
-                                          </p:val>
-                                        </p:tav>
-                                      </p:tavLst>
-                                    </p:anim>
-                                  </p:childTnLst>
-                                </p:cTn>
-                              </p:par>
-                            </p:childTnLst>
-                          </p:cTn>
-                        </p:par>
-                      </p:childTnLst>
-                    </p:cTn>
-                  </p:par>
-                  <p:par>
-                    <p:cTn id="9" fill="hold">
-                      <p:stCondLst>
-                        <p:cond delay="indefinite"/>
-                      </p:stCondLst>
-                      <p:childTnLst>
-                        <p:par>
-                          <p:cTn id="10" fill="hold">
-                            <p:stCondLst>
-                              <p:cond delay="0"/>
-                            </p:stCondLst>
-                            <p:childTnLst>
-                              <p:par>
-                                <p:cTn id="11" presetID="23" presetClass="entr" presetSubtype="16" fill="hold" nodeType="clickEffect">
-                                  <p:stCondLst>
-                                    <p:cond delay="0"/>
-                                  </p:stCondLst>
-                                  <p:childTnLst>
-                                    <p:set>
-                                      <p:cBhvr>
-                                        <p:cTn id="12" dur="1" fill="hold">
-                                          <p:stCondLst>
-                                            <p:cond delay="0"/>
-                                          </p:stCondLst>
-                                        </p:cTn>
-                                        <p:tgtEl>
-                                          <p:spTgt spid="148">
-                                            <p:txEl>
-                                              <p:pRg st="1" end="1"/>
-                                            </p:txEl>
-                                          </p:spTgt>
-                                        </p:tgtEl>
-                                        <p:attrNameLst>
-                                          <p:attrName>style.visibility</p:attrName>
-                                        </p:attrNameLst>
-                                      </p:cBhvr>
-                                      <p:to>
-                                        <p:strVal val="visible"/>
-                                      </p:to>
-                                    </p:set>
-                                    <p:anim calcmode="lin" valueType="num">
-                                      <p:cBhvr additive="base">
-                                        <p:cTn id="13" dur="1000"/>
-                                        <p:tgtEl>
-                                          <p:spTgt spid="148">
-                                            <p:txEl>
-                                              <p:pRg st="1" end="1"/>
-                                            </p:txEl>
-                                          </p:spTgt>
-                                        </p:tgtEl>
-                                        <p:attrNameLst>
-                                          <p:attrName>ppt_w</p:attrName>
-                                        </p:attrNameLst>
-                                      </p:cBhvr>
-                                      <p:tavLst>
-                                        <p:tav tm="0">
-                                          <p:val>
-                                            <p:strVal val="0"/>
-                                          </p:val>
-                                        </p:tav>
-                                        <p:tav tm="100000">
-                                          <p:val>
-                                            <p:strVal val="#ppt_w"/>
-                                          </p:val>
-                                        </p:tav>
-                                      </p:tavLst>
-                                    </p:anim>
-                                    <p:anim calcmode="lin" valueType="num">
-                                      <p:cBhvr additive="base">
-                                        <p:cTn id="14" dur="1000"/>
-                                        <p:tgtEl>
-                                          <p:spTgt spid="148">
-                                            <p:txEl>
-                                              <p:pRg st="1" end="1"/>
-                                            </p:txEl>
-                                          </p:spTgt>
-                                        </p:tgtEl>
-                                        <p:attrNameLst>
-                                          <p:attrName>ppt_h</p:attrName>
-                                        </p:attrNameLst>
-                                      </p:cBhvr>
-                                      <p:tavLst>
-                                        <p:tav tm="0">
-                                          <p:val>
-                                            <p:strVal val="0"/>
-                                          </p:val>
-                                        </p:tav>
-                                        <p:tav tm="100000">
-                                          <p:val>
-                                            <p:strVal val="#ppt_h"/>
-                                          </p:val>
-                                        </p:tav>
-                                      </p:tavLst>
-                                    </p:anim>
-                                  </p:childTnLst>
-                                </p:cTn>
-                              </p:par>
-                            </p:childTnLst>
-                          </p:cTn>
-                        </p:par>
-                      </p:childTnLst>
-                    </p:cTn>
-                  </p:par>
-                  <p:par>
-                    <p:cTn id="15" fill="hold">
-                      <p:stCondLst>
-                        <p:cond delay="indefinite"/>
-                      </p:stCondLst>
-                      <p:childTnLst>
-                        <p:par>
-                          <p:cTn id="16" fill="hold">
-                            <p:stCondLst>
-                              <p:cond delay="0"/>
-                            </p:stCondLst>
-                            <p:childTnLst>
-                              <p:par>
-                                <p:cTn id="17" presetID="23" presetClass="entr" presetSubtype="16" fill="hold" nodeType="clickEffect">
-                                  <p:stCondLst>
-                                    <p:cond delay="0"/>
-                                  </p:stCondLst>
-                                  <p:childTnLst>
-                                    <p:set>
-                                      <p:cBhvr>
-                                        <p:cTn id="18" dur="1" fill="hold">
-                                          <p:stCondLst>
-                                            <p:cond delay="0"/>
-                                          </p:stCondLst>
-                                        </p:cTn>
-                                        <p:tgtEl>
-                                          <p:spTgt spid="148">
-                                            <p:txEl>
-                                              <p:pRg st="2" end="2"/>
-                                            </p:txEl>
-                                          </p:spTgt>
-                                        </p:tgtEl>
-                                        <p:attrNameLst>
-                                          <p:attrName>style.visibility</p:attrName>
-                                        </p:attrNameLst>
-                                      </p:cBhvr>
-                                      <p:to>
-                                        <p:strVal val="visible"/>
-                                      </p:to>
-                                    </p:set>
-                                    <p:anim calcmode="lin" valueType="num">
-                                      <p:cBhvr additive="base">
-                                        <p:cTn id="19" dur="1000"/>
-                                        <p:tgtEl>
-                                          <p:spTgt spid="148">
-                                            <p:txEl>
-                                              <p:pRg st="2" end="2"/>
-                                            </p:txEl>
-                                          </p:spTgt>
-                                        </p:tgtEl>
-                                        <p:attrNameLst>
-                                          <p:attrName>ppt_w</p:attrName>
-                                        </p:attrNameLst>
-                                      </p:cBhvr>
-                                      <p:tavLst>
-                                        <p:tav tm="0">
-                                          <p:val>
-                                            <p:strVal val="0"/>
-                                          </p:val>
-                                        </p:tav>
-                                        <p:tav tm="100000">
-                                          <p:val>
-                                            <p:strVal val="#ppt_w"/>
-                                          </p:val>
-                                        </p:tav>
-                                      </p:tavLst>
-                                    </p:anim>
-                                    <p:anim calcmode="lin" valueType="num">
-                                      <p:cBhvr additive="base">
-                                        <p:cTn id="20" dur="1000"/>
-                                        <p:tgtEl>
-                                          <p:spTgt spid="148">
-                                            <p:txEl>
-                                              <p:pRg st="2" end="2"/>
-                                            </p:txEl>
-                                          </p:spTgt>
-                                        </p:tgtEl>
-                                        <p:attrNameLst>
-                                          <p:attrName>ppt_h</p:attrName>
-                                        </p:attrNameLst>
-                                      </p:cBhvr>
-                                      <p:tavLst>
-                                        <p:tav tm="0">
-                                          <p:val>
-                                            <p:strVal val="0"/>
-                                          </p:val>
-                                        </p:tav>
-                                        <p:tav tm="100000">
-                                          <p:val>
-                                            <p:strVal val="#ppt_h"/>
-                                          </p:val>
-                                        </p:tav>
-                                      </p:tavLst>
-                                    </p:anim>
-                                  </p:childTnLst>
-                                </p:cTn>
-                              </p:par>
-                            </p:childTnLst>
-                          </p:cTn>
-                        </p:par>
-                      </p:childTnLst>
-                    </p:cTn>
-                  </p:par>
-                  <p:par>
-                    <p:cTn id="21" fill="hold">
-                      <p:stCondLst>
-                        <p:cond delay="indefinite"/>
-                      </p:stCondLst>
-                      <p:childTnLst>
-                        <p:par>
-                          <p:cTn id="22" fill="hold">
-                            <p:stCondLst>
-                              <p:cond delay="0"/>
-                            </p:stCondLst>
-                            <p:childTnLst>
-                              <p:par>
-                                <p:cTn id="23" presetID="23" presetClass="entr" presetSubtype="16" fill="hold" nodeType="clickEffect">
-                                  <p:stCondLst>
-                                    <p:cond delay="0"/>
-                                  </p:stCondLst>
-                                  <p:childTnLst>
-                                    <p:set>
-                                      <p:cBhvr>
-                                        <p:cTn id="24" dur="1" fill="hold">
-                                          <p:stCondLst>
-                                            <p:cond delay="0"/>
-                                          </p:stCondLst>
-                                        </p:cTn>
-                                        <p:tgtEl>
-                                          <p:spTgt spid="148">
-                                            <p:txEl>
-                                              <p:pRg st="3" end="3"/>
-                                            </p:txEl>
-                                          </p:spTgt>
-                                        </p:tgtEl>
-                                        <p:attrNameLst>
-                                          <p:attrName>style.visibility</p:attrName>
-                                        </p:attrNameLst>
-                                      </p:cBhvr>
-                                      <p:to>
-                                        <p:strVal val="visible"/>
-                                      </p:to>
-                                    </p:set>
-                                    <p:anim calcmode="lin" valueType="num">
-                                      <p:cBhvr additive="base">
-                                        <p:cTn id="25" dur="1000"/>
-                                        <p:tgtEl>
-                                          <p:spTgt spid="148">
-                                            <p:txEl>
-                                              <p:pRg st="3" end="3"/>
-                                            </p:txEl>
-                                          </p:spTgt>
-                                        </p:tgtEl>
-                                        <p:attrNameLst>
-                                          <p:attrName>ppt_w</p:attrName>
-                                        </p:attrNameLst>
-                                      </p:cBhvr>
-                                      <p:tavLst>
-                                        <p:tav tm="0">
-                                          <p:val>
-                                            <p:strVal val="0"/>
-                                          </p:val>
-                                        </p:tav>
-                                        <p:tav tm="100000">
-                                          <p:val>
-                                            <p:strVal val="#ppt_w"/>
-                                          </p:val>
-                                        </p:tav>
-                                      </p:tavLst>
-                                    </p:anim>
-                                    <p:anim calcmode="lin" valueType="num">
-                                      <p:cBhvr additive="base">
-                                        <p:cTn id="26" dur="1000"/>
-                                        <p:tgtEl>
-                                          <p:spTgt spid="148">
-                                            <p:txEl>
-                                              <p:pRg st="3" end="3"/>
-                                            </p:txEl>
-                                          </p:spTgt>
-                                        </p:tgtEl>
-                                        <p:attrNameLst>
-                                          <p:attrName>ppt_h</p:attrName>
-                                        </p:attrNameLst>
-                                      </p:cBhvr>
-                                      <p:tavLst>
-                                        <p:tav tm="0">
-                                          <p:val>
-                                            <p:strVal val="0"/>
-                                          </p:val>
-                                        </p:tav>
-                                        <p:tav tm="100000">
-                                          <p:val>
-                                            <p:strVal val="#ppt_h"/>
-                                          </p:val>
-                                        </p:tav>
-                                      </p:tavLst>
-                                    </p:anim>
-                                  </p:childTnLst>
-                                </p:cTn>
-                              </p:par>
-                            </p:childTnLst>
-                          </p:cTn>
-                        </p:par>
-                      </p:childTnLst>
-                    </p:cTn>
-                  </p:par>
-                  <p:par>
-                    <p:cTn id="27" fill="hold">
-                      <p:stCondLst>
-                        <p:cond delay="indefinite"/>
-                      </p:stCondLst>
-                      <p:childTnLst>
-                        <p:par>
-                          <p:cTn id="28" fill="hold">
-                            <p:stCondLst>
-                              <p:cond delay="0"/>
-                            </p:stCondLst>
-                            <p:childTnLst>
-                              <p:par>
-                                <p:cTn id="29" presetID="23" presetClass="entr" presetSubtype="16" fill="hold" nodeType="clickEffect">
-                                  <p:stCondLst>
-                                    <p:cond delay="0"/>
-                                  </p:stCondLst>
-                                  <p:childTnLst>
-                                    <p:set>
-                                      <p:cBhvr>
-                                        <p:cTn id="30" dur="1" fill="hold">
-                                          <p:stCondLst>
-                                            <p:cond delay="0"/>
-                                          </p:stCondLst>
-                                        </p:cTn>
-                                        <p:tgtEl>
-                                          <p:spTgt spid="148">
-                                            <p:txEl>
-                                              <p:pRg st="4" end="4"/>
-                                            </p:txEl>
-                                          </p:spTgt>
-                                        </p:tgtEl>
-                                        <p:attrNameLst>
-                                          <p:attrName>style.visibility</p:attrName>
-                                        </p:attrNameLst>
-                                      </p:cBhvr>
-                                      <p:to>
-                                        <p:strVal val="visible"/>
-                                      </p:to>
-                                    </p:set>
-                                    <p:anim calcmode="lin" valueType="num">
-                                      <p:cBhvr additive="base">
-                                        <p:cTn id="31" dur="1000"/>
-                                        <p:tgtEl>
-                                          <p:spTgt spid="148">
-                                            <p:txEl>
-                                              <p:pRg st="4" end="4"/>
-                                            </p:txEl>
-                                          </p:spTgt>
-                                        </p:tgtEl>
-                                        <p:attrNameLst>
-                                          <p:attrName>ppt_w</p:attrName>
-                                        </p:attrNameLst>
-                                      </p:cBhvr>
-                                      <p:tavLst>
-                                        <p:tav tm="0">
-                                          <p:val>
-                                            <p:strVal val="0"/>
-                                          </p:val>
-                                        </p:tav>
-                                        <p:tav tm="100000">
-                                          <p:val>
-                                            <p:strVal val="#ppt_w"/>
-                                          </p:val>
-                                        </p:tav>
-                                      </p:tavLst>
-                                    </p:anim>
-                                    <p:anim calcmode="lin" valueType="num">
-                                      <p:cBhvr additive="base">
-                                        <p:cTn id="32" dur="1000"/>
-                                        <p:tgtEl>
-                                          <p:spTgt spid="148">
-                                            <p:txEl>
-                                              <p:pRg st="4" end="4"/>
-                                            </p:txEl>
-                                          </p:spTgt>
-                                        </p:tgtEl>
-                                        <p:attrNameLst>
-                                          <p:attrName>ppt_h</p:attrName>
-                                        </p:attrNameLst>
-                                      </p:cBhvr>
-                                      <p:tavLst>
-                                        <p:tav tm="0">
-                                          <p:val>
-                                            <p:strVal val="0"/>
-                                          </p:val>
-                                        </p:tav>
-                                        <p:tav tm="100000">
-                                          <p:val>
-                                            <p:strVal val="#ppt_h"/>
-                                          </p:val>
-                                        </p:tav>
-                                      </p:tavLst>
-                                    </p:anim>
-                                  </p:childTnLst>
-                                </p:cTn>
-                              </p:par>
-                            </p:childTnLst>
-                          </p:cTn>
-                        </p:par>
-                      </p:childTnLst>
-                    </p:cTn>
-                  </p:par>
-                </p:childTnLst>
-              </p:cTn>
-              <p:prevCondLst>
-                <p:cond evt="onPrev" delay="0">
-                  <p:tgtEl>
-                    <p:sldTgt/>
-                  </p:tgtEl>
-                </p:cond>
-              </p:prevCondLst>
-              <p:nextCondLst>
-                <p:cond evt="onNext" delay="0">
-                  <p:tgtEl>
-                    <p:sldTgt/>
-                  </p:tgtEl>
-                </p:cond>
-              </p:nextCondLst>
-            </p:seq>
-          </p:childTnLst>
-        </p:cTn>
-      </p:par>
-    </p:tnLst>
-  </p:timing>
-</p:sld>
-</file>
-
-<file path=ppt/slides/slide14.xml><?xml version="1.0" encoding="utf-8"?>
-<p:sld xmlns:a="http://schemas.openxmlformats.org/drawingml/2006/main" xmlns:r="http://schemas.openxmlformats.org/officeDocument/2006/relationships" xmlns:p="http://schemas.openxmlformats.org/presentationml/2006/main">
-  <p:cSld>
-    <p:spTree>
-      <p:nvGrpSpPr>
-        <p:cNvPr id="1" name="Shape 153"/>
-        <p:cNvGrpSpPr/>
-        <p:nvPr/>
-      </p:nvGrpSpPr>
-      <p:grpSpPr>
-        <a:xfrm>
-          <a:off x="0" y="0"/>
-          <a:ext cx="0" cy="0"/>
-          <a:chOff x="0" y="0"/>
-          <a:chExt cx="0" cy="0"/>
-        </a:xfrm>
-      </p:grpSpPr>
-      <p:sp>
-        <p:nvSpPr>
-          <p:cNvPr id="154" name="Google Shape;154;p28"/>
-          <p:cNvSpPr txBox="1">
-            <a:spLocks noGrp="1"/>
-          </p:cNvSpPr>
-          <p:nvPr>
-            <p:ph type="title"/>
-          </p:nvPr>
-        </p:nvSpPr>
-        <p:spPr>
-          <a:xfrm>
-            <a:off x="265500" y="316700"/>
-            <a:ext cx="3163500" cy="2607600"/>
-          </a:xfrm>
-          <a:prstGeom prst="rect">
-            <a:avLst/>
-          </a:prstGeom>
-        </p:spPr>
-        <p:txBody>
-          <a:bodyPr spcFirstLastPara="1" wrap="square" lIns="91425" tIns="91425" rIns="91425" bIns="91425" anchor="t" anchorCtr="0">
-            <a:normAutofit/>
-          </a:bodyPr>
-          <a:lstStyle/>
-          <a:p>
-            <a:pPr marL="0" lvl="0" indent="0" algn="l" rtl="0">
-              <a:spcBef>
-                <a:spcPts val="0"/>
-              </a:spcBef>
-              <a:spcAft>
-                <a:spcPts val="0"/>
-              </a:spcAft>
-              <a:buNone/>
-            </a:pPr>
-            <a:r>
-              <a:rPr lang="en"/>
-              <a:t>Data Years</a:t>
-            </a:r>
-            <a:endParaRPr/>
-          </a:p>
-        </p:txBody>
-      </p:sp>
-      <p:sp>
-        <p:nvSpPr>
-          <p:cNvPr id="155" name="Google Shape;155;p28"/>
-          <p:cNvSpPr txBox="1">
-            <a:spLocks noGrp="1"/>
-          </p:cNvSpPr>
-          <p:nvPr>
-            <p:ph type="body" idx="1"/>
-          </p:nvPr>
-        </p:nvSpPr>
-        <p:spPr>
-          <a:xfrm>
-            <a:off x="4283675" y="316700"/>
-            <a:ext cx="4407300" cy="3834000"/>
-          </a:xfrm>
-          <a:prstGeom prst="rect">
-            <a:avLst/>
-          </a:prstGeom>
-        </p:spPr>
-        <p:txBody>
-          <a:bodyPr spcFirstLastPara="1" wrap="square" lIns="91425" tIns="91425" rIns="91425" bIns="91425" anchor="t" anchorCtr="0">
-            <a:normAutofit/>
-          </a:bodyPr>
-          <a:lstStyle/>
-          <a:p>
-            <a:pPr marL="0" lvl="0" indent="0" algn="l" rtl="0">
-              <a:spcBef>
-                <a:spcPts val="0"/>
-              </a:spcBef>
-              <a:spcAft>
-                <a:spcPts val="0"/>
-              </a:spcAft>
-              <a:buNone/>
-            </a:pPr>
-            <a:r>
-              <a:rPr lang="en"/>
-              <a:t>The years being used:</a:t>
-            </a:r>
-            <a:endParaRPr/>
-          </a:p>
-          <a:p>
-            <a:pPr marL="457200" lvl="0" indent="-342900" algn="l" rtl="0">
-              <a:spcBef>
-                <a:spcPts val="1600"/>
-              </a:spcBef>
-              <a:spcAft>
-                <a:spcPts val="0"/>
-              </a:spcAft>
-              <a:buSzPts val="1800"/>
-              <a:buChar char="-"/>
-            </a:pPr>
-            <a:r>
-              <a:rPr lang="en"/>
-              <a:t>Years 2010-2019</a:t>
-            </a:r>
-            <a:endParaRPr/>
-          </a:p>
-          <a:p>
-            <a:pPr marL="1371600" lvl="1" indent="-317500" algn="l" rtl="0">
-              <a:spcBef>
-                <a:spcPts val="0"/>
-              </a:spcBef>
-              <a:spcAft>
-                <a:spcPts val="0"/>
-              </a:spcAft>
-              <a:buSzPts val="1400"/>
-              <a:buChar char="-"/>
-            </a:pPr>
-            <a:r>
-              <a:rPr lang="en"/>
-              <a:t>Needed large data set in order to test and train data</a:t>
-            </a:r>
-            <a:endParaRPr/>
-          </a:p>
-          <a:p>
-            <a:pPr marL="1371600" lvl="1" indent="-317500" algn="l" rtl="0">
-              <a:spcBef>
-                <a:spcPts val="0"/>
-              </a:spcBef>
-              <a:spcAft>
-                <a:spcPts val="0"/>
-              </a:spcAft>
-              <a:buSzPts val="1400"/>
-              <a:buChar char="-"/>
-            </a:pPr>
-            <a:r>
-              <a:rPr lang="en"/>
-              <a:t>Did not use 2020-2021 due to the COVID-19 pandemic</a:t>
-            </a:r>
-            <a:endParaRPr/>
-          </a:p>
-          <a:p>
-            <a:pPr marL="1371600" lvl="0" indent="0" algn="l" rtl="0">
-              <a:spcBef>
-                <a:spcPts val="1600"/>
-              </a:spcBef>
-              <a:spcAft>
-                <a:spcPts val="0"/>
-              </a:spcAft>
-              <a:buNone/>
-            </a:pPr>
-            <a:endParaRPr sz="2200"/>
-          </a:p>
-          <a:p>
-            <a:pPr marL="0" lvl="0" indent="0" algn="l" rtl="0">
-              <a:spcBef>
-                <a:spcPts val="1600"/>
-              </a:spcBef>
-              <a:spcAft>
-                <a:spcPts val="1600"/>
-              </a:spcAft>
-              <a:buNone/>
-            </a:pPr>
-            <a:endParaRPr/>
-          </a:p>
-        </p:txBody>
-      </p:sp>
-      <p:pic>
-        <p:nvPicPr>
-          <p:cNvPr id="156" name="Google Shape;156;p28"/>
-          <p:cNvPicPr preferRelativeResize="0"/>
-          <p:nvPr/>
-        </p:nvPicPr>
-        <p:blipFill>
-          <a:blip r:embed="rId3">
-            <a:alphaModFix/>
-          </a:blip>
-          <a:stretch>
-            <a:fillRect/>
-          </a:stretch>
-        </p:blipFill>
-        <p:spPr>
-          <a:xfrm>
-            <a:off x="5238475" y="2535275"/>
-            <a:ext cx="2603925" cy="2099950"/>
-          </a:xfrm>
-          <a:prstGeom prst="rect">
-            <a:avLst/>
-          </a:prstGeom>
-          <a:noFill/>
-          <a:ln>
-            <a:noFill/>
-          </a:ln>
-        </p:spPr>
-      </p:pic>
-    </p:spTree>
-  </p:cSld>
-  <p:clrMapOvr>
-    <a:masterClrMapping/>
-  </p:clrMapOvr>
-  <p:timing>
-    <p:tnLst>
-      <p:par>
-        <p:cTn id="1" dur="indefinite" restart="never" nodeType="tmRoot">
-          <p:childTnLst>
-            <p:seq concurrent="1" nextAc="seek">
-              <p:cTn id="2" dur="indefinite" nodeType="mainSeq">
-                <p:childTnLst>
-                  <p:par>
-                    <p:cTn id="3" fill="hold">
-                      <p:stCondLst>
-                        <p:cond delay="indefinite"/>
-                      </p:stCondLst>
-                      <p:childTnLst>
-                        <p:par>
-                          <p:cTn id="4" fill="hold">
-                            <p:stCondLst>
-                              <p:cond delay="0"/>
-                            </p:stCondLst>
-                            <p:childTnLst>
-                              <p:par>
-                                <p:cTn id="5" presetID="23" presetClass="entr" presetSubtype="16" fill="hold" nodeType="clickEffect">
-                                  <p:stCondLst>
-                                    <p:cond delay="0"/>
-                                  </p:stCondLst>
-                                  <p:childTnLst>
-                                    <p:set>
-                                      <p:cBhvr>
-                                        <p:cTn id="6" dur="1" fill="hold">
-                                          <p:stCondLst>
-                                            <p:cond delay="0"/>
-                                          </p:stCondLst>
-                                        </p:cTn>
-                                        <p:tgtEl>
-                                          <p:spTgt spid="155">
-                                            <p:txEl>
-                                              <p:pRg st="0" end="0"/>
-                                            </p:txEl>
-                                          </p:spTgt>
-                                        </p:tgtEl>
-                                        <p:attrNameLst>
-                                          <p:attrName>style.visibility</p:attrName>
-                                        </p:attrNameLst>
-                                      </p:cBhvr>
-                                      <p:to>
-                                        <p:strVal val="visible"/>
-                                      </p:to>
-                                    </p:set>
-                                    <p:anim calcmode="lin" valueType="num">
-                                      <p:cBhvr additive="base">
-                                        <p:cTn id="7" dur="1000"/>
-                                        <p:tgtEl>
-                                          <p:spTgt spid="155">
-                                            <p:txEl>
-                                              <p:pRg st="0" end="0"/>
-                                            </p:txEl>
-                                          </p:spTgt>
-                                        </p:tgtEl>
-                                        <p:attrNameLst>
-                                          <p:attrName>ppt_w</p:attrName>
-                                        </p:attrNameLst>
-                                      </p:cBhvr>
-                                      <p:tavLst>
-                                        <p:tav tm="0">
-                                          <p:val>
-                                            <p:strVal val="0"/>
-                                          </p:val>
-                                        </p:tav>
-                                        <p:tav tm="100000">
-                                          <p:val>
-                                            <p:strVal val="#ppt_w"/>
-                                          </p:val>
-                                        </p:tav>
-                                      </p:tavLst>
-                                    </p:anim>
-                                    <p:anim calcmode="lin" valueType="num">
-                                      <p:cBhvr additive="base">
-                                        <p:cTn id="8" dur="1000"/>
-                                        <p:tgtEl>
-                                          <p:spTgt spid="155">
-                                            <p:txEl>
-                                              <p:pRg st="0" end="0"/>
-                                            </p:txEl>
-                                          </p:spTgt>
-                                        </p:tgtEl>
-                                        <p:attrNameLst>
-                                          <p:attrName>ppt_h</p:attrName>
-                                        </p:attrNameLst>
-                                      </p:cBhvr>
-                                      <p:tavLst>
-                                        <p:tav tm="0">
-                                          <p:val>
-                                            <p:strVal val="0"/>
-                                          </p:val>
-                                        </p:tav>
-                                        <p:tav tm="100000">
-                                          <p:val>
-                                            <p:strVal val="#ppt_h"/>
-                                          </p:val>
-                                        </p:tav>
-                                      </p:tavLst>
-                                    </p:anim>
-                                  </p:childTnLst>
-                                </p:cTn>
-                              </p:par>
-                            </p:childTnLst>
-                          </p:cTn>
-                        </p:par>
-                      </p:childTnLst>
-                    </p:cTn>
-                  </p:par>
-                  <p:par>
-                    <p:cTn id="9" fill="hold">
-                      <p:stCondLst>
-                        <p:cond delay="indefinite"/>
-                      </p:stCondLst>
-                      <p:childTnLst>
-                        <p:par>
-                          <p:cTn id="10" fill="hold">
-                            <p:stCondLst>
-                              <p:cond delay="0"/>
-                            </p:stCondLst>
-                            <p:childTnLst>
-                              <p:par>
-                                <p:cTn id="11" presetID="23" presetClass="entr" presetSubtype="16" fill="hold" nodeType="clickEffect">
-                                  <p:stCondLst>
-                                    <p:cond delay="0"/>
-                                  </p:stCondLst>
-                                  <p:childTnLst>
-                                    <p:set>
-                                      <p:cBhvr>
-                                        <p:cTn id="12" dur="1" fill="hold">
-                                          <p:stCondLst>
-                                            <p:cond delay="0"/>
-                                          </p:stCondLst>
-                                        </p:cTn>
-                                        <p:tgtEl>
-                                          <p:spTgt spid="155">
-                                            <p:txEl>
-                                              <p:pRg st="1" end="1"/>
-                                            </p:txEl>
-                                          </p:spTgt>
-                                        </p:tgtEl>
-                                        <p:attrNameLst>
-                                          <p:attrName>style.visibility</p:attrName>
-                                        </p:attrNameLst>
-                                      </p:cBhvr>
-                                      <p:to>
-                                        <p:strVal val="visible"/>
-                                      </p:to>
-                                    </p:set>
-                                    <p:anim calcmode="lin" valueType="num">
-                                      <p:cBhvr additive="base">
-                                        <p:cTn id="13" dur="1000"/>
-                                        <p:tgtEl>
-                                          <p:spTgt spid="155">
-                                            <p:txEl>
-                                              <p:pRg st="1" end="1"/>
-                                            </p:txEl>
-                                          </p:spTgt>
-                                        </p:tgtEl>
-                                        <p:attrNameLst>
-                                          <p:attrName>ppt_w</p:attrName>
-                                        </p:attrNameLst>
-                                      </p:cBhvr>
-                                      <p:tavLst>
-                                        <p:tav tm="0">
-                                          <p:val>
-                                            <p:strVal val="0"/>
-                                          </p:val>
-                                        </p:tav>
-                                        <p:tav tm="100000">
-                                          <p:val>
-                                            <p:strVal val="#ppt_w"/>
-                                          </p:val>
-                                        </p:tav>
-                                      </p:tavLst>
-                                    </p:anim>
-                                    <p:anim calcmode="lin" valueType="num">
-                                      <p:cBhvr additive="base">
-                                        <p:cTn id="14" dur="1000"/>
-                                        <p:tgtEl>
-                                          <p:spTgt spid="155">
-                                            <p:txEl>
-                                              <p:pRg st="1" end="1"/>
-                                            </p:txEl>
-                                          </p:spTgt>
-                                        </p:tgtEl>
-                                        <p:attrNameLst>
-                                          <p:attrName>ppt_h</p:attrName>
-                                        </p:attrNameLst>
-                                      </p:cBhvr>
-                                      <p:tavLst>
-                                        <p:tav tm="0">
-                                          <p:val>
-                                            <p:strVal val="0"/>
-                                          </p:val>
-                                        </p:tav>
-                                        <p:tav tm="100000">
-                                          <p:val>
-                                            <p:strVal val="#ppt_h"/>
-                                          </p:val>
-                                        </p:tav>
-                                      </p:tavLst>
-                                    </p:anim>
-                                  </p:childTnLst>
-                                </p:cTn>
-                              </p:par>
-                            </p:childTnLst>
-                          </p:cTn>
-                        </p:par>
-                      </p:childTnLst>
-                    </p:cTn>
-                  </p:par>
-                  <p:par>
-                    <p:cTn id="15" fill="hold">
-                      <p:stCondLst>
-                        <p:cond delay="indefinite"/>
-                      </p:stCondLst>
-                      <p:childTnLst>
-                        <p:par>
-                          <p:cTn id="16" fill="hold">
-                            <p:stCondLst>
-                              <p:cond delay="0"/>
-                            </p:stCondLst>
-                            <p:childTnLst>
-                              <p:par>
-                                <p:cTn id="17" presetID="23" presetClass="entr" presetSubtype="16" fill="hold" nodeType="clickEffect">
-                                  <p:stCondLst>
-                                    <p:cond delay="0"/>
-                                  </p:stCondLst>
-                                  <p:childTnLst>
-                                    <p:set>
-                                      <p:cBhvr>
-                                        <p:cTn id="18" dur="1" fill="hold">
-                                          <p:stCondLst>
-                                            <p:cond delay="0"/>
-                                          </p:stCondLst>
-                                        </p:cTn>
-                                        <p:tgtEl>
-                                          <p:spTgt spid="155">
-                                            <p:txEl>
-                                              <p:pRg st="2" end="2"/>
-                                            </p:txEl>
-                                          </p:spTgt>
-                                        </p:tgtEl>
-                                        <p:attrNameLst>
-                                          <p:attrName>style.visibility</p:attrName>
-                                        </p:attrNameLst>
-                                      </p:cBhvr>
-                                      <p:to>
-                                        <p:strVal val="visible"/>
-                                      </p:to>
-                                    </p:set>
-                                    <p:anim calcmode="lin" valueType="num">
-                                      <p:cBhvr additive="base">
-                                        <p:cTn id="19" dur="1000"/>
-                                        <p:tgtEl>
-                                          <p:spTgt spid="155">
-                                            <p:txEl>
-                                              <p:pRg st="2" end="2"/>
-                                            </p:txEl>
-                                          </p:spTgt>
-                                        </p:tgtEl>
-                                        <p:attrNameLst>
-                                          <p:attrName>ppt_w</p:attrName>
-                                        </p:attrNameLst>
-                                      </p:cBhvr>
-                                      <p:tavLst>
-                                        <p:tav tm="0">
-                                          <p:val>
-                                            <p:strVal val="0"/>
-                                          </p:val>
-                                        </p:tav>
-                                        <p:tav tm="100000">
-                                          <p:val>
-                                            <p:strVal val="#ppt_w"/>
-                                          </p:val>
-                                        </p:tav>
-                                      </p:tavLst>
-                                    </p:anim>
-                                    <p:anim calcmode="lin" valueType="num">
-                                      <p:cBhvr additive="base">
-                                        <p:cTn id="20" dur="1000"/>
-                                        <p:tgtEl>
-                                          <p:spTgt spid="155">
-                                            <p:txEl>
-                                              <p:pRg st="2" end="2"/>
-                                            </p:txEl>
-                                          </p:spTgt>
-                                        </p:tgtEl>
-                                        <p:attrNameLst>
-                                          <p:attrName>ppt_h</p:attrName>
-                                        </p:attrNameLst>
-                                      </p:cBhvr>
-                                      <p:tavLst>
-                                        <p:tav tm="0">
-                                          <p:val>
-                                            <p:strVal val="0"/>
-                                          </p:val>
-                                        </p:tav>
-                                        <p:tav tm="100000">
-                                          <p:val>
-                                            <p:strVal val="#ppt_h"/>
-                                          </p:val>
-                                        </p:tav>
-                                      </p:tavLst>
-                                    </p:anim>
-                                  </p:childTnLst>
-                                </p:cTn>
-                              </p:par>
-                            </p:childTnLst>
-                          </p:cTn>
-                        </p:par>
-                      </p:childTnLst>
-                    </p:cTn>
-                  </p:par>
-                  <p:par>
-                    <p:cTn id="21" fill="hold">
-                      <p:stCondLst>
-                        <p:cond delay="indefinite"/>
-                      </p:stCondLst>
-                      <p:childTnLst>
-                        <p:par>
-                          <p:cTn id="22" fill="hold">
-                            <p:stCondLst>
-                              <p:cond delay="0"/>
-                            </p:stCondLst>
-                            <p:childTnLst>
-                              <p:par>
-                                <p:cTn id="23" presetID="23" presetClass="entr" presetSubtype="16" fill="hold" nodeType="clickEffect">
-                                  <p:stCondLst>
-                                    <p:cond delay="0"/>
-                                  </p:stCondLst>
-                                  <p:childTnLst>
-                                    <p:set>
-                                      <p:cBhvr>
-                                        <p:cTn id="24" dur="1" fill="hold">
-                                          <p:stCondLst>
-                                            <p:cond delay="0"/>
-                                          </p:stCondLst>
-                                        </p:cTn>
-                                        <p:tgtEl>
-                                          <p:spTgt spid="155">
-                                            <p:txEl>
-                                              <p:pRg st="3" end="3"/>
-                                            </p:txEl>
-                                          </p:spTgt>
-                                        </p:tgtEl>
-                                        <p:attrNameLst>
-                                          <p:attrName>style.visibility</p:attrName>
-                                        </p:attrNameLst>
-                                      </p:cBhvr>
-                                      <p:to>
-                                        <p:strVal val="visible"/>
-                                      </p:to>
-                                    </p:set>
-                                    <p:anim calcmode="lin" valueType="num">
-                                      <p:cBhvr additive="base">
-                                        <p:cTn id="25" dur="1000"/>
-                                        <p:tgtEl>
-                                          <p:spTgt spid="155">
-                                            <p:txEl>
-                                              <p:pRg st="3" end="3"/>
-                                            </p:txEl>
-                                          </p:spTgt>
-                                        </p:tgtEl>
-                                        <p:attrNameLst>
-                                          <p:attrName>ppt_w</p:attrName>
-                                        </p:attrNameLst>
-                                      </p:cBhvr>
-                                      <p:tavLst>
-                                        <p:tav tm="0">
-                                          <p:val>
-                                            <p:strVal val="0"/>
-                                          </p:val>
-                                        </p:tav>
-                                        <p:tav tm="100000">
-                                          <p:val>
-                                            <p:strVal val="#ppt_w"/>
-                                          </p:val>
-                                        </p:tav>
-                                      </p:tavLst>
-                                    </p:anim>
-                                    <p:anim calcmode="lin" valueType="num">
-                                      <p:cBhvr additive="base">
-                                        <p:cTn id="26" dur="1000"/>
-                                        <p:tgtEl>
-                                          <p:spTgt spid="155">
-                                            <p:txEl>
-                                              <p:pRg st="3" end="3"/>
-                                            </p:txEl>
-                                          </p:spTgt>
-                                        </p:tgtEl>
-                                        <p:attrNameLst>
-                                          <p:attrName>ppt_h</p:attrName>
-                                        </p:attrNameLst>
-                                      </p:cBhvr>
-                                      <p:tavLst>
-                                        <p:tav tm="0">
-                                          <p:val>
-                                            <p:strVal val="0"/>
-                                          </p:val>
-                                        </p:tav>
-                                        <p:tav tm="100000">
-                                          <p:val>
-                                            <p:strVal val="#ppt_h"/>
-                                          </p:val>
-                                        </p:tav>
-                                      </p:tavLst>
-                                    </p:anim>
-                                  </p:childTnLst>
-                                </p:cTn>
-                              </p:par>
-                            </p:childTnLst>
-                          </p:cTn>
-                        </p:par>
-                      </p:childTnLst>
-                    </p:cTn>
-                  </p:par>
-                  <p:par>
-                    <p:cTn id="27" fill="hold">
-                      <p:stCondLst>
-                        <p:cond delay="indefinite"/>
-                      </p:stCondLst>
-                      <p:childTnLst>
-                        <p:par>
-                          <p:cTn id="28" fill="hold">
-                            <p:stCondLst>
-                              <p:cond delay="0"/>
-                            </p:stCondLst>
-                            <p:childTnLst>
-                              <p:par>
-                                <p:cTn id="29" presetID="23" presetClass="entr" presetSubtype="16" fill="hold" nodeType="clickEffect">
-                                  <p:stCondLst>
-                                    <p:cond delay="0"/>
-                                  </p:stCondLst>
-                                  <p:childTnLst>
-                                    <p:set>
-                                      <p:cBhvr>
-                                        <p:cTn id="30" dur="1" fill="hold">
-                                          <p:stCondLst>
-                                            <p:cond delay="0"/>
-                                          </p:stCondLst>
-                                        </p:cTn>
-                                        <p:tgtEl>
-                                          <p:spTgt spid="155">
-                                            <p:txEl>
-                                              <p:pRg st="4" end="4"/>
-                                            </p:txEl>
-                                          </p:spTgt>
-                                        </p:tgtEl>
-                                        <p:attrNameLst>
-                                          <p:attrName>style.visibility</p:attrName>
-                                        </p:attrNameLst>
-                                      </p:cBhvr>
-                                      <p:to>
-                                        <p:strVal val="visible"/>
-                                      </p:to>
-                                    </p:set>
-                                    <p:anim calcmode="lin" valueType="num">
-                                      <p:cBhvr additive="base">
-                                        <p:cTn id="31" dur="1000"/>
-                                        <p:tgtEl>
-                                          <p:spTgt spid="155">
-                                            <p:txEl>
-                                              <p:pRg st="4" end="4"/>
-                                            </p:txEl>
-                                          </p:spTgt>
-                                        </p:tgtEl>
-                                        <p:attrNameLst>
-                                          <p:attrName>ppt_w</p:attrName>
-                                        </p:attrNameLst>
-                                      </p:cBhvr>
-                                      <p:tavLst>
-                                        <p:tav tm="0">
-                                          <p:val>
-                                            <p:strVal val="0"/>
-                                          </p:val>
-                                        </p:tav>
-                                        <p:tav tm="100000">
-                                          <p:val>
-                                            <p:strVal val="#ppt_w"/>
-                                          </p:val>
-                                        </p:tav>
-                                      </p:tavLst>
-                                    </p:anim>
-                                    <p:anim calcmode="lin" valueType="num">
-                                      <p:cBhvr additive="base">
-                                        <p:cTn id="32" dur="1000"/>
-                                        <p:tgtEl>
-                                          <p:spTgt spid="155">
-                                            <p:txEl>
-                                              <p:pRg st="4" end="4"/>
-                                            </p:txEl>
-                                          </p:spTgt>
-                                        </p:tgtEl>
-                                        <p:attrNameLst>
-                                          <p:attrName>ppt_h</p:attrName>
-                                        </p:attrNameLst>
-                                      </p:cBhvr>
-                                      <p:tavLst>
-                                        <p:tav tm="0">
-                                          <p:val>
-                                            <p:strVal val="0"/>
-                                          </p:val>
-                                        </p:tav>
-                                        <p:tav tm="100000">
-                                          <p:val>
-                                            <p:strVal val="#ppt_h"/>
-                                          </p:val>
-                                        </p:tav>
-                                      </p:tavLst>
-                                    </p:anim>
-                                  </p:childTnLst>
-                                </p:cTn>
-                              </p:par>
-                            </p:childTnLst>
-                          </p:cTn>
-                        </p:par>
-                      </p:childTnLst>
-                    </p:cTn>
-                  </p:par>
-                  <p:par>
-                    <p:cTn id="33" fill="hold">
-                      <p:stCondLst>
-                        <p:cond delay="indefinite"/>
-                      </p:stCondLst>
-                      <p:childTnLst>
-                        <p:par>
-                          <p:cTn id="34" fill="hold">
-                            <p:stCondLst>
-                              <p:cond delay="0"/>
-                            </p:stCondLst>
-                            <p:childTnLst>
-                              <p:par>
-                                <p:cTn id="35" presetID="23" presetClass="entr" presetSubtype="16" fill="hold" nodeType="clickEffect">
-                                  <p:stCondLst>
-                                    <p:cond delay="0"/>
-                                  </p:stCondLst>
-                                  <p:childTnLst>
-                                    <p:set>
-                                      <p:cBhvr>
-                                        <p:cTn id="36" dur="1" fill="hold">
-                                          <p:stCondLst>
-                                            <p:cond delay="0"/>
-                                          </p:stCondLst>
-                                        </p:cTn>
-                                        <p:tgtEl>
-                                          <p:spTgt spid="155">
-                                            <p:txEl>
-                                              <p:pRg st="5" end="5"/>
-                                            </p:txEl>
-                                          </p:spTgt>
-                                        </p:tgtEl>
-                                        <p:attrNameLst>
-                                          <p:attrName>style.visibility</p:attrName>
-                                        </p:attrNameLst>
-                                      </p:cBhvr>
-                                      <p:to>
-                                        <p:strVal val="visible"/>
-                                      </p:to>
-                                    </p:set>
-                                    <p:anim calcmode="lin" valueType="num">
-                                      <p:cBhvr additive="base">
-                                        <p:cTn id="37" dur="1000"/>
-                                        <p:tgtEl>
-                                          <p:spTgt spid="155">
-                                            <p:txEl>
-                                              <p:pRg st="5" end="5"/>
-                                            </p:txEl>
-                                          </p:spTgt>
-                                        </p:tgtEl>
-                                        <p:attrNameLst>
-                                          <p:attrName>ppt_w</p:attrName>
-                                        </p:attrNameLst>
-                                      </p:cBhvr>
-                                      <p:tavLst>
-                                        <p:tav tm="0">
-                                          <p:val>
-                                            <p:strVal val="0"/>
-                                          </p:val>
-                                        </p:tav>
-                                        <p:tav tm="100000">
-                                          <p:val>
-                                            <p:strVal val="#ppt_w"/>
-                                          </p:val>
-                                        </p:tav>
-                                      </p:tavLst>
-                                    </p:anim>
-                                    <p:anim calcmode="lin" valueType="num">
-                                      <p:cBhvr additive="base">
-                                        <p:cTn id="38" dur="1000"/>
-                                        <p:tgtEl>
-                                          <p:spTgt spid="155">
-                                            <p:txEl>
-                                              <p:pRg st="5" end="5"/>
-                                            </p:txEl>
-                                          </p:spTgt>
-                                        </p:tgtEl>
-                                        <p:attrNameLst>
-                                          <p:attrName>ppt_h</p:attrName>
-                                        </p:attrNameLst>
-                                      </p:cBhvr>
-                                      <p:tavLst>
-                                        <p:tav tm="0">
-                                          <p:val>
-                                            <p:strVal val="0"/>
-                                          </p:val>
-                                        </p:tav>
-                                        <p:tav tm="100000">
-                                          <p:val>
-                                            <p:strVal val="#ppt_h"/>
-                                          </p:val>
-                                        </p:tav>
-                                      </p:tavLst>
-                                    </p:anim>
-                                  </p:childTnLst>
-                                </p:cTn>
-                              </p:par>
-                            </p:childTnLst>
-                          </p:cTn>
-                        </p:par>
-                      </p:childTnLst>
-                    </p:cTn>
-                  </p:par>
-                </p:childTnLst>
-              </p:cTn>
-              <p:prevCondLst>
-                <p:cond evt="onPrev" delay="0">
-                  <p:tgtEl>
-                    <p:sldTgt/>
-                  </p:tgtEl>
-                </p:cond>
-              </p:prevCondLst>
-              <p:nextCondLst>
-                <p:cond evt="onNext" delay="0">
-                  <p:tgtEl>
-                    <p:sldTgt/>
-                  </p:tgtEl>
-                </p:cond>
-              </p:nextCondLst>
-            </p:seq>
-          </p:childTnLst>
-        </p:cTn>
-      </p:par>
-    </p:tnLst>
-  </p:timing>
-</p:sld>
-</file>
-
-<file path=ppt/slides/slide15.xml><?xml version="1.0" encoding="utf-8"?>
-<p:sld xmlns:a="http://schemas.openxmlformats.org/drawingml/2006/main" xmlns:r="http://schemas.openxmlformats.org/officeDocument/2006/relationships" xmlns:p="http://schemas.openxmlformats.org/presentationml/2006/main">
-  <p:cSld>
-    <p:spTree>
-      <p:nvGrpSpPr>
-        <p:cNvPr id="1" name="Shape 160"/>
-        <p:cNvGrpSpPr/>
-        <p:nvPr/>
-      </p:nvGrpSpPr>
-      <p:grpSpPr>
-        <a:xfrm>
-          <a:off x="0" y="0"/>
-          <a:ext cx="0" cy="0"/>
-          <a:chOff x="0" y="0"/>
-          <a:chExt cx="0" cy="0"/>
-        </a:xfrm>
-      </p:grpSpPr>
-      <p:sp>
-        <p:nvSpPr>
-          <p:cNvPr id="161" name="Google Shape;161;p29"/>
-          <p:cNvSpPr txBox="1">
-            <a:spLocks noGrp="1"/>
-          </p:cNvSpPr>
-          <p:nvPr>
-            <p:ph type="title"/>
-          </p:nvPr>
-        </p:nvSpPr>
-        <p:spPr>
-          <a:xfrm>
-            <a:off x="265500" y="316700"/>
-            <a:ext cx="3163500" cy="2607600"/>
-          </a:xfrm>
-          <a:prstGeom prst="rect">
-            <a:avLst/>
-          </a:prstGeom>
-        </p:spPr>
-        <p:txBody>
-          <a:bodyPr spcFirstLastPara="1" wrap="square" lIns="91425" tIns="91425" rIns="91425" bIns="91425" anchor="t" anchorCtr="0">
-            <a:normAutofit/>
-          </a:bodyPr>
-          <a:lstStyle/>
-          <a:p>
-            <a:pPr marL="0" lvl="0" indent="0" algn="l" rtl="0">
-              <a:spcBef>
-                <a:spcPts val="0"/>
-              </a:spcBef>
-              <a:spcAft>
-                <a:spcPts val="0"/>
-              </a:spcAft>
-              <a:buNone/>
-            </a:pPr>
-            <a:r>
-              <a:rPr lang="en"/>
-              <a:t>Why?</a:t>
-            </a:r>
-            <a:endParaRPr/>
-          </a:p>
-        </p:txBody>
-      </p:sp>
-      <p:sp>
-        <p:nvSpPr>
-          <p:cNvPr id="162" name="Google Shape;162;p29"/>
-          <p:cNvSpPr txBox="1">
-            <a:spLocks noGrp="1"/>
-          </p:cNvSpPr>
-          <p:nvPr>
-            <p:ph type="body" idx="1"/>
-          </p:nvPr>
-        </p:nvSpPr>
-        <p:spPr>
-          <a:xfrm>
-            <a:off x="4283675" y="316700"/>
-            <a:ext cx="4407300" cy="4389300"/>
-          </a:xfrm>
-          <a:prstGeom prst="rect">
-            <a:avLst/>
-          </a:prstGeom>
-        </p:spPr>
-        <p:txBody>
-          <a:bodyPr spcFirstLastPara="1" wrap="square" lIns="91425" tIns="91425" rIns="91425" bIns="91425" anchor="t" anchorCtr="0">
-            <a:normAutofit/>
-          </a:bodyPr>
-          <a:lstStyle/>
-          <a:p>
-            <a:pPr marL="0" lvl="0" indent="0" algn="l" rtl="0">
-              <a:spcBef>
-                <a:spcPts val="0"/>
-              </a:spcBef>
-              <a:spcAft>
-                <a:spcPts val="0"/>
-              </a:spcAft>
-              <a:buNone/>
-            </a:pPr>
-            <a:r>
-              <a:rPr lang="en"/>
-              <a:t>We are planning to use machine learning to answer the following questions:</a:t>
-            </a:r>
-            <a:endParaRPr/>
-          </a:p>
-          <a:p>
-            <a:pPr marL="457200" lvl="0" indent="-342900" algn="l" rtl="0">
-              <a:spcBef>
-                <a:spcPts val="1600"/>
-              </a:spcBef>
-              <a:spcAft>
-                <a:spcPts val="0"/>
-              </a:spcAft>
-              <a:buSzPts val="1800"/>
-              <a:buChar char="-"/>
-            </a:pPr>
-            <a:r>
-              <a:rPr lang="en"/>
-              <a:t>Is there a correlation between various pitching statistics and salaries?</a:t>
-            </a:r>
-            <a:endParaRPr/>
-          </a:p>
-          <a:p>
-            <a:pPr marL="1371600" lvl="1" indent="-317500" algn="l" rtl="0">
-              <a:spcBef>
-                <a:spcPts val="0"/>
-              </a:spcBef>
-              <a:spcAft>
-                <a:spcPts val="0"/>
-              </a:spcAft>
-              <a:buSzPts val="1400"/>
-              <a:buChar char="-"/>
-            </a:pPr>
-            <a:r>
-              <a:rPr lang="en"/>
-              <a:t>Which statistics?</a:t>
-            </a:r>
-            <a:endParaRPr/>
-          </a:p>
-          <a:p>
-            <a:pPr marL="1371600" lvl="1" indent="-317500" algn="l" rtl="0">
-              <a:spcBef>
-                <a:spcPts val="0"/>
-              </a:spcBef>
-              <a:spcAft>
-                <a:spcPts val="0"/>
-              </a:spcAft>
-              <a:buSzPts val="1400"/>
-              <a:buChar char="-"/>
-            </a:pPr>
-            <a:r>
-              <a:rPr lang="en"/>
-              <a:t>Is a single statistic a good indicator or multiple in combination?</a:t>
-            </a:r>
-            <a:endParaRPr/>
-          </a:p>
-          <a:p>
-            <a:pPr marL="457200" lvl="0" indent="-342900" algn="l" rtl="0">
-              <a:spcBef>
-                <a:spcPts val="0"/>
-              </a:spcBef>
-              <a:spcAft>
-                <a:spcPts val="0"/>
-              </a:spcAft>
-              <a:buSzPts val="1800"/>
-              <a:buChar char="-"/>
-            </a:pPr>
-            <a:r>
-              <a:rPr lang="en"/>
-              <a:t>Which machine learning model creates the best prediction?</a:t>
-            </a:r>
-            <a:endParaRPr/>
-          </a:p>
-          <a:p>
-            <a:pPr marL="457200" lvl="0" indent="-342900" algn="l" rtl="0">
-              <a:spcBef>
-                <a:spcPts val="0"/>
-              </a:spcBef>
-              <a:spcAft>
-                <a:spcPts val="0"/>
-              </a:spcAft>
-              <a:buSzPts val="1800"/>
-              <a:buChar char="-"/>
-            </a:pPr>
-            <a:r>
-              <a:rPr lang="en"/>
-              <a:t>If this works, which MLB team will hire us?</a:t>
-            </a:r>
-            <a:endParaRPr/>
-          </a:p>
-          <a:p>
-            <a:pPr marL="0" lvl="0" indent="0" algn="l" rtl="0">
-              <a:spcBef>
-                <a:spcPts val="1600"/>
-              </a:spcBef>
-              <a:spcAft>
-                <a:spcPts val="1600"/>
-              </a:spcAft>
-              <a:buNone/>
-            </a:pPr>
-            <a:endParaRPr/>
-          </a:p>
-        </p:txBody>
-      </p:sp>
-    </p:spTree>
-  </p:cSld>
-  <p:clrMapOvr>
-    <a:masterClrMapping/>
-  </p:clrMapOvr>
-  <p:timing>
-    <p:tnLst>
-      <p:par>
-        <p:cTn id="1" dur="indefinite" restart="never" nodeType="tmRoot">
-          <p:childTnLst>
-            <p:seq concurrent="1" nextAc="seek">
-              <p:cTn id="2" dur="indefinite" nodeType="mainSeq">
-                <p:childTnLst>
-                  <p:par>
-                    <p:cTn id="3" fill="hold">
-                      <p:stCondLst>
-                        <p:cond delay="indefinite"/>
-                      </p:stCondLst>
-                      <p:childTnLst>
-                        <p:par>
-                          <p:cTn id="4" fill="hold">
-                            <p:stCondLst>
-                              <p:cond delay="0"/>
-                            </p:stCondLst>
-                            <p:childTnLst>
-                              <p:par>
-                                <p:cTn id="5" presetID="23" presetClass="entr" presetSubtype="16" fill="hold" nodeType="clickEffect">
-                                  <p:stCondLst>
-                                    <p:cond delay="0"/>
-                                  </p:stCondLst>
-                                  <p:childTnLst>
-                                    <p:set>
-                                      <p:cBhvr>
-                                        <p:cTn id="6" dur="1" fill="hold">
-                                          <p:stCondLst>
-                                            <p:cond delay="0"/>
-                                          </p:stCondLst>
-                                        </p:cTn>
-                                        <p:tgtEl>
-                                          <p:spTgt spid="162">
-                                            <p:txEl>
-                                              <p:pRg st="0" end="0"/>
-                                            </p:txEl>
-                                          </p:spTgt>
-                                        </p:tgtEl>
-                                        <p:attrNameLst>
-                                          <p:attrName>style.visibility</p:attrName>
-                                        </p:attrNameLst>
-                                      </p:cBhvr>
-                                      <p:to>
-                                        <p:strVal val="visible"/>
-                                      </p:to>
-                                    </p:set>
-                                    <p:anim calcmode="lin" valueType="num">
-                                      <p:cBhvr additive="base">
-                                        <p:cTn id="7" dur="1000"/>
-                                        <p:tgtEl>
-                                          <p:spTgt spid="162">
-                                            <p:txEl>
-                                              <p:pRg st="0" end="0"/>
-                                            </p:txEl>
-                                          </p:spTgt>
-                                        </p:tgtEl>
-                                        <p:attrNameLst>
-                                          <p:attrName>ppt_w</p:attrName>
-                                        </p:attrNameLst>
-                                      </p:cBhvr>
-                                      <p:tavLst>
-                                        <p:tav tm="0">
-                                          <p:val>
-                                            <p:strVal val="0"/>
-                                          </p:val>
-                                        </p:tav>
-                                        <p:tav tm="100000">
-                                          <p:val>
-                                            <p:strVal val="#ppt_w"/>
-                                          </p:val>
-                                        </p:tav>
-                                      </p:tavLst>
-                                    </p:anim>
-                                    <p:anim calcmode="lin" valueType="num">
-                                      <p:cBhvr additive="base">
-                                        <p:cTn id="8" dur="1000"/>
-                                        <p:tgtEl>
-                                          <p:spTgt spid="162">
-                                            <p:txEl>
-                                              <p:pRg st="0" end="0"/>
-                                            </p:txEl>
-                                          </p:spTgt>
-                                        </p:tgtEl>
-                                        <p:attrNameLst>
-                                          <p:attrName>ppt_h</p:attrName>
-                                        </p:attrNameLst>
-                                      </p:cBhvr>
-                                      <p:tavLst>
-                                        <p:tav tm="0">
-                                          <p:val>
-                                            <p:strVal val="0"/>
-                                          </p:val>
-                                        </p:tav>
-                                        <p:tav tm="100000">
-                                          <p:val>
-                                            <p:strVal val="#ppt_h"/>
-                                          </p:val>
-                                        </p:tav>
-                                      </p:tavLst>
-                                    </p:anim>
-                                  </p:childTnLst>
-                                </p:cTn>
-                              </p:par>
-                            </p:childTnLst>
-                          </p:cTn>
-                        </p:par>
-                      </p:childTnLst>
-                    </p:cTn>
-                  </p:par>
-                  <p:par>
-                    <p:cTn id="9" fill="hold">
-                      <p:stCondLst>
-                        <p:cond delay="indefinite"/>
-                      </p:stCondLst>
-                      <p:childTnLst>
-                        <p:par>
-                          <p:cTn id="10" fill="hold">
-                            <p:stCondLst>
-                              <p:cond delay="0"/>
-                            </p:stCondLst>
-                            <p:childTnLst>
-                              <p:par>
-                                <p:cTn id="11" presetID="23" presetClass="entr" presetSubtype="16" fill="hold" nodeType="clickEffect">
-                                  <p:stCondLst>
-                                    <p:cond delay="0"/>
-                                  </p:stCondLst>
-                                  <p:childTnLst>
-                                    <p:set>
-                                      <p:cBhvr>
-                                        <p:cTn id="12" dur="1" fill="hold">
-                                          <p:stCondLst>
-                                            <p:cond delay="0"/>
-                                          </p:stCondLst>
-                                        </p:cTn>
-                                        <p:tgtEl>
-                                          <p:spTgt spid="162">
-                                            <p:txEl>
-                                              <p:pRg st="1" end="1"/>
-                                            </p:txEl>
-                                          </p:spTgt>
-                                        </p:tgtEl>
-                                        <p:attrNameLst>
-                                          <p:attrName>style.visibility</p:attrName>
-                                        </p:attrNameLst>
-                                      </p:cBhvr>
-                                      <p:to>
-                                        <p:strVal val="visible"/>
-                                      </p:to>
-                                    </p:set>
-                                    <p:anim calcmode="lin" valueType="num">
-                                      <p:cBhvr additive="base">
-                                        <p:cTn id="13" dur="1000"/>
-                                        <p:tgtEl>
-                                          <p:spTgt spid="162">
-                                            <p:txEl>
-                                              <p:pRg st="1" end="1"/>
-                                            </p:txEl>
-                                          </p:spTgt>
-                                        </p:tgtEl>
-                                        <p:attrNameLst>
-                                          <p:attrName>ppt_w</p:attrName>
-                                        </p:attrNameLst>
-                                      </p:cBhvr>
-                                      <p:tavLst>
-                                        <p:tav tm="0">
-                                          <p:val>
-                                            <p:strVal val="0"/>
-                                          </p:val>
-                                        </p:tav>
-                                        <p:tav tm="100000">
-                                          <p:val>
-                                            <p:strVal val="#ppt_w"/>
-                                          </p:val>
-                                        </p:tav>
-                                      </p:tavLst>
-                                    </p:anim>
-                                    <p:anim calcmode="lin" valueType="num">
-                                      <p:cBhvr additive="base">
-                                        <p:cTn id="14" dur="1000"/>
-                                        <p:tgtEl>
-                                          <p:spTgt spid="162">
-                                            <p:txEl>
-                                              <p:pRg st="1" end="1"/>
-                                            </p:txEl>
-                                          </p:spTgt>
-                                        </p:tgtEl>
-                                        <p:attrNameLst>
-                                          <p:attrName>ppt_h</p:attrName>
-                                        </p:attrNameLst>
-                                      </p:cBhvr>
-                                      <p:tavLst>
-                                        <p:tav tm="0">
-                                          <p:val>
-                                            <p:strVal val="0"/>
-                                          </p:val>
-                                        </p:tav>
-                                        <p:tav tm="100000">
-                                          <p:val>
-                                            <p:strVal val="#ppt_h"/>
-                                          </p:val>
-                                        </p:tav>
-                                      </p:tavLst>
-                                    </p:anim>
-                                  </p:childTnLst>
-                                </p:cTn>
-                              </p:par>
-                            </p:childTnLst>
-                          </p:cTn>
-                        </p:par>
-                      </p:childTnLst>
-                    </p:cTn>
-                  </p:par>
-                  <p:par>
-                    <p:cTn id="15" fill="hold">
-                      <p:stCondLst>
-                        <p:cond delay="indefinite"/>
-                      </p:stCondLst>
-                      <p:childTnLst>
-                        <p:par>
-                          <p:cTn id="16" fill="hold">
-                            <p:stCondLst>
-                              <p:cond delay="0"/>
-                            </p:stCondLst>
-                            <p:childTnLst>
-                              <p:par>
-                                <p:cTn id="17" presetID="23" presetClass="entr" presetSubtype="16" fill="hold" nodeType="clickEffect">
-                                  <p:stCondLst>
-                                    <p:cond delay="0"/>
-                                  </p:stCondLst>
-                                  <p:childTnLst>
-                                    <p:set>
-                                      <p:cBhvr>
-                                        <p:cTn id="18" dur="1" fill="hold">
-                                          <p:stCondLst>
-                                            <p:cond delay="0"/>
-                                          </p:stCondLst>
-                                        </p:cTn>
-                                        <p:tgtEl>
-                                          <p:spTgt spid="162">
-                                            <p:txEl>
-                                              <p:pRg st="2" end="2"/>
-                                            </p:txEl>
-                                          </p:spTgt>
-                                        </p:tgtEl>
-                                        <p:attrNameLst>
-                                          <p:attrName>style.visibility</p:attrName>
-                                        </p:attrNameLst>
-                                      </p:cBhvr>
-                                      <p:to>
-                                        <p:strVal val="visible"/>
-                                      </p:to>
-                                    </p:set>
-                                    <p:anim calcmode="lin" valueType="num">
-                                      <p:cBhvr additive="base">
-                                        <p:cTn id="19" dur="1000"/>
-                                        <p:tgtEl>
-                                          <p:spTgt spid="162">
-                                            <p:txEl>
-                                              <p:pRg st="2" end="2"/>
-                                            </p:txEl>
-                                          </p:spTgt>
-                                        </p:tgtEl>
-                                        <p:attrNameLst>
-                                          <p:attrName>ppt_w</p:attrName>
-                                        </p:attrNameLst>
-                                      </p:cBhvr>
-                                      <p:tavLst>
-                                        <p:tav tm="0">
-                                          <p:val>
-                                            <p:strVal val="0"/>
-                                          </p:val>
-                                        </p:tav>
-                                        <p:tav tm="100000">
-                                          <p:val>
-                                            <p:strVal val="#ppt_w"/>
-                                          </p:val>
-                                        </p:tav>
-                                      </p:tavLst>
-                                    </p:anim>
-                                    <p:anim calcmode="lin" valueType="num">
-                                      <p:cBhvr additive="base">
-                                        <p:cTn id="20" dur="1000"/>
-                                        <p:tgtEl>
-                                          <p:spTgt spid="162">
-                                            <p:txEl>
-                                              <p:pRg st="2" end="2"/>
-                                            </p:txEl>
-                                          </p:spTgt>
-                                        </p:tgtEl>
-                                        <p:attrNameLst>
-                                          <p:attrName>ppt_h</p:attrName>
-                                        </p:attrNameLst>
-                                      </p:cBhvr>
-                                      <p:tavLst>
-                                        <p:tav tm="0">
-                                          <p:val>
-                                            <p:strVal val="0"/>
-                                          </p:val>
-                                        </p:tav>
-                                        <p:tav tm="100000">
-                                          <p:val>
-                                            <p:strVal val="#ppt_h"/>
-                                          </p:val>
-                                        </p:tav>
-                                      </p:tavLst>
-                                    </p:anim>
-                                  </p:childTnLst>
-                                </p:cTn>
-                              </p:par>
-                            </p:childTnLst>
-                          </p:cTn>
-                        </p:par>
-                      </p:childTnLst>
-                    </p:cTn>
-                  </p:par>
-                  <p:par>
-                    <p:cTn id="21" fill="hold">
-                      <p:stCondLst>
-                        <p:cond delay="indefinite"/>
-                      </p:stCondLst>
-                      <p:childTnLst>
-                        <p:par>
-                          <p:cTn id="22" fill="hold">
-                            <p:stCondLst>
-                              <p:cond delay="0"/>
-                            </p:stCondLst>
-                            <p:childTnLst>
-                              <p:par>
-                                <p:cTn id="23" presetID="23" presetClass="entr" presetSubtype="16" fill="hold" nodeType="clickEffect">
-                                  <p:stCondLst>
-                                    <p:cond delay="0"/>
-                                  </p:stCondLst>
-                                  <p:childTnLst>
-                                    <p:set>
-                                      <p:cBhvr>
-                                        <p:cTn id="24" dur="1" fill="hold">
-                                          <p:stCondLst>
-                                            <p:cond delay="0"/>
-                                          </p:stCondLst>
-                                        </p:cTn>
-                                        <p:tgtEl>
-                                          <p:spTgt spid="162">
-                                            <p:txEl>
-                                              <p:pRg st="3" end="3"/>
-                                            </p:txEl>
-                                          </p:spTgt>
-                                        </p:tgtEl>
-                                        <p:attrNameLst>
-                                          <p:attrName>style.visibility</p:attrName>
-                                        </p:attrNameLst>
-                                      </p:cBhvr>
-                                      <p:to>
-                                        <p:strVal val="visible"/>
-                                      </p:to>
-                                    </p:set>
-                                    <p:anim calcmode="lin" valueType="num">
-                                      <p:cBhvr additive="base">
-                                        <p:cTn id="25" dur="1000"/>
-                                        <p:tgtEl>
-                                          <p:spTgt spid="162">
-                                            <p:txEl>
-                                              <p:pRg st="3" end="3"/>
-                                            </p:txEl>
-                                          </p:spTgt>
-                                        </p:tgtEl>
-                                        <p:attrNameLst>
-                                          <p:attrName>ppt_w</p:attrName>
-                                        </p:attrNameLst>
-                                      </p:cBhvr>
-                                      <p:tavLst>
-                                        <p:tav tm="0">
-                                          <p:val>
-                                            <p:strVal val="0"/>
-                                          </p:val>
-                                        </p:tav>
-                                        <p:tav tm="100000">
-                                          <p:val>
-                                            <p:strVal val="#ppt_w"/>
-                                          </p:val>
-                                        </p:tav>
-                                      </p:tavLst>
-                                    </p:anim>
-                                    <p:anim calcmode="lin" valueType="num">
-                                      <p:cBhvr additive="base">
-                                        <p:cTn id="26" dur="1000"/>
-                                        <p:tgtEl>
-                                          <p:spTgt spid="162">
-                                            <p:txEl>
-                                              <p:pRg st="3" end="3"/>
-                                            </p:txEl>
-                                          </p:spTgt>
-                                        </p:tgtEl>
-                                        <p:attrNameLst>
-                                          <p:attrName>ppt_h</p:attrName>
-                                        </p:attrNameLst>
-                                      </p:cBhvr>
-                                      <p:tavLst>
-                                        <p:tav tm="0">
-                                          <p:val>
-                                            <p:strVal val="0"/>
-                                          </p:val>
-                                        </p:tav>
-                                        <p:tav tm="100000">
-                                          <p:val>
-                                            <p:strVal val="#ppt_h"/>
-                                          </p:val>
-                                        </p:tav>
-                                      </p:tavLst>
-                                    </p:anim>
-                                  </p:childTnLst>
-                                </p:cTn>
-                              </p:par>
-                            </p:childTnLst>
-                          </p:cTn>
-                        </p:par>
-                      </p:childTnLst>
-                    </p:cTn>
-                  </p:par>
-                  <p:par>
-                    <p:cTn id="27" fill="hold">
-                      <p:stCondLst>
-                        <p:cond delay="indefinite"/>
-                      </p:stCondLst>
-                      <p:childTnLst>
-                        <p:par>
-                          <p:cTn id="28" fill="hold">
-                            <p:stCondLst>
-                              <p:cond delay="0"/>
-                            </p:stCondLst>
-                            <p:childTnLst>
-                              <p:par>
-                                <p:cTn id="29" presetID="23" presetClass="entr" presetSubtype="16" fill="hold" nodeType="clickEffect">
-                                  <p:stCondLst>
-                                    <p:cond delay="0"/>
-                                  </p:stCondLst>
-                                  <p:childTnLst>
-                                    <p:set>
-                                      <p:cBhvr>
-                                        <p:cTn id="30" dur="1" fill="hold">
-                                          <p:stCondLst>
-                                            <p:cond delay="0"/>
-                                          </p:stCondLst>
-                                        </p:cTn>
-                                        <p:tgtEl>
-                                          <p:spTgt spid="162">
-                                            <p:txEl>
-                                              <p:pRg st="4" end="4"/>
-                                            </p:txEl>
-                                          </p:spTgt>
-                                        </p:tgtEl>
-                                        <p:attrNameLst>
-                                          <p:attrName>style.visibility</p:attrName>
-                                        </p:attrNameLst>
-                                      </p:cBhvr>
-                                      <p:to>
-                                        <p:strVal val="visible"/>
-                                      </p:to>
-                                    </p:set>
-                                    <p:anim calcmode="lin" valueType="num">
-                                      <p:cBhvr additive="base">
-                                        <p:cTn id="31" dur="1000"/>
-                                        <p:tgtEl>
-                                          <p:spTgt spid="162">
-                                            <p:txEl>
-                                              <p:pRg st="4" end="4"/>
-                                            </p:txEl>
-                                          </p:spTgt>
-                                        </p:tgtEl>
-                                        <p:attrNameLst>
-                                          <p:attrName>ppt_w</p:attrName>
-                                        </p:attrNameLst>
-                                      </p:cBhvr>
-                                      <p:tavLst>
-                                        <p:tav tm="0">
-                                          <p:val>
-                                            <p:strVal val="0"/>
-                                          </p:val>
-                                        </p:tav>
-                                        <p:tav tm="100000">
-                                          <p:val>
-                                            <p:strVal val="#ppt_w"/>
-                                          </p:val>
-                                        </p:tav>
-                                      </p:tavLst>
-                                    </p:anim>
-                                    <p:anim calcmode="lin" valueType="num">
-                                      <p:cBhvr additive="base">
-                                        <p:cTn id="32" dur="1000"/>
-                                        <p:tgtEl>
-                                          <p:spTgt spid="162">
-                                            <p:txEl>
-                                              <p:pRg st="4" end="4"/>
-                                            </p:txEl>
-                                          </p:spTgt>
-                                        </p:tgtEl>
-                                        <p:attrNameLst>
-                                          <p:attrName>ppt_h</p:attrName>
-                                        </p:attrNameLst>
-                                      </p:cBhvr>
-                                      <p:tavLst>
-                                        <p:tav tm="0">
-                                          <p:val>
-                                            <p:strVal val="0"/>
-                                          </p:val>
-                                        </p:tav>
-                                        <p:tav tm="100000">
-                                          <p:val>
-                                            <p:strVal val="#ppt_h"/>
-                                          </p:val>
-                                        </p:tav>
-                                      </p:tavLst>
-                                    </p:anim>
-                                  </p:childTnLst>
-                                </p:cTn>
-                              </p:par>
-                            </p:childTnLst>
-                          </p:cTn>
-                        </p:par>
-                      </p:childTnLst>
-                    </p:cTn>
-                  </p:par>
-                  <p:par>
-                    <p:cTn id="33" fill="hold">
-                      <p:stCondLst>
-                        <p:cond delay="indefinite"/>
-                      </p:stCondLst>
-                      <p:childTnLst>
-                        <p:par>
-                          <p:cTn id="34" fill="hold">
-                            <p:stCondLst>
-                              <p:cond delay="0"/>
-                            </p:stCondLst>
-                            <p:childTnLst>
-                              <p:par>
-                                <p:cTn id="35" presetID="23" presetClass="entr" presetSubtype="16" fill="hold" nodeType="clickEffect">
-                                  <p:stCondLst>
-                                    <p:cond delay="0"/>
-                                  </p:stCondLst>
-                                  <p:childTnLst>
-                                    <p:set>
-                                      <p:cBhvr>
-                                        <p:cTn id="36" dur="1" fill="hold">
-                                          <p:stCondLst>
-                                            <p:cond delay="0"/>
-                                          </p:stCondLst>
-                                        </p:cTn>
-                                        <p:tgtEl>
-                                          <p:spTgt spid="162">
-                                            <p:txEl>
-                                              <p:pRg st="5" end="5"/>
-                                            </p:txEl>
-                                          </p:spTgt>
-                                        </p:tgtEl>
-                                        <p:attrNameLst>
-                                          <p:attrName>style.visibility</p:attrName>
-                                        </p:attrNameLst>
-                                      </p:cBhvr>
-                                      <p:to>
-                                        <p:strVal val="visible"/>
-                                      </p:to>
-                                    </p:set>
-                                    <p:anim calcmode="lin" valueType="num">
-                                      <p:cBhvr additive="base">
-                                        <p:cTn id="37" dur="1000"/>
-                                        <p:tgtEl>
-                                          <p:spTgt spid="162">
-                                            <p:txEl>
-                                              <p:pRg st="5" end="5"/>
-                                            </p:txEl>
-                                          </p:spTgt>
-                                        </p:tgtEl>
-                                        <p:attrNameLst>
-                                          <p:attrName>ppt_w</p:attrName>
-                                        </p:attrNameLst>
-                                      </p:cBhvr>
-                                      <p:tavLst>
-                                        <p:tav tm="0">
-                                          <p:val>
-                                            <p:strVal val="0"/>
-                                          </p:val>
-                                        </p:tav>
-                                        <p:tav tm="100000">
-                                          <p:val>
-                                            <p:strVal val="#ppt_w"/>
-                                          </p:val>
-                                        </p:tav>
-                                      </p:tavLst>
-                                    </p:anim>
-                                    <p:anim calcmode="lin" valueType="num">
-                                      <p:cBhvr additive="base">
-                                        <p:cTn id="38" dur="1000"/>
-                                        <p:tgtEl>
-                                          <p:spTgt spid="162">
-                                            <p:txEl>
-                                              <p:pRg st="5" end="5"/>
-                                            </p:txEl>
-                                          </p:spTgt>
-                                        </p:tgtEl>
-                                        <p:attrNameLst>
-                                          <p:attrName>ppt_h</p:attrName>
-                                        </p:attrNameLst>
-                                      </p:cBhvr>
-                                      <p:tavLst>
-                                        <p:tav tm="0">
-                                          <p:val>
-                                            <p:strVal val="0"/>
-                                          </p:val>
-                                        </p:tav>
-                                        <p:tav tm="100000">
-                                          <p:val>
-                                            <p:strVal val="#ppt_h"/>
-                                          </p:val>
-                                        </p:tav>
-                                      </p:tavLst>
-                                    </p:anim>
-                                  </p:childTnLst>
-                                </p:cTn>
-                              </p:par>
-                            </p:childTnLst>
-                          </p:cTn>
-                        </p:par>
-                      </p:childTnLst>
-                    </p:cTn>
-                  </p:par>
-                  <p:par>
-                    <p:cTn id="39" fill="hold">
-                      <p:stCondLst>
-                        <p:cond delay="indefinite"/>
-                      </p:stCondLst>
-                      <p:childTnLst>
-                        <p:par>
-                          <p:cTn id="40" fill="hold">
-                            <p:stCondLst>
-                              <p:cond delay="0"/>
-                            </p:stCondLst>
-                            <p:childTnLst>
-                              <p:par>
-                                <p:cTn id="41" presetID="23" presetClass="entr" presetSubtype="16" fill="hold" nodeType="clickEffect">
-                                  <p:stCondLst>
-                                    <p:cond delay="0"/>
-                                  </p:stCondLst>
-                                  <p:childTnLst>
-                                    <p:set>
-                                      <p:cBhvr>
-                                        <p:cTn id="42" dur="1" fill="hold">
-                                          <p:stCondLst>
-                                            <p:cond delay="0"/>
-                                          </p:stCondLst>
-                                        </p:cTn>
-                                        <p:tgtEl>
-                                          <p:spTgt spid="162">
-                                            <p:txEl>
-                                              <p:pRg st="6" end="6"/>
-                                            </p:txEl>
-                                          </p:spTgt>
-                                        </p:tgtEl>
-                                        <p:attrNameLst>
-                                          <p:attrName>style.visibility</p:attrName>
-                                        </p:attrNameLst>
-                                      </p:cBhvr>
-                                      <p:to>
-                                        <p:strVal val="visible"/>
-                                      </p:to>
-                                    </p:set>
-                                    <p:anim calcmode="lin" valueType="num">
-                                      <p:cBhvr additive="base">
-                                        <p:cTn id="43" dur="1000"/>
-                                        <p:tgtEl>
-                                          <p:spTgt spid="162">
-                                            <p:txEl>
-                                              <p:pRg st="6" end="6"/>
-                                            </p:txEl>
-                                          </p:spTgt>
-                                        </p:tgtEl>
-                                        <p:attrNameLst>
-                                          <p:attrName>ppt_w</p:attrName>
-                                        </p:attrNameLst>
-                                      </p:cBhvr>
-                                      <p:tavLst>
-                                        <p:tav tm="0">
-                                          <p:val>
-                                            <p:strVal val="0"/>
-                                          </p:val>
-                                        </p:tav>
-                                        <p:tav tm="100000">
-                                          <p:val>
-                                            <p:strVal val="#ppt_w"/>
-                                          </p:val>
-                                        </p:tav>
-                                      </p:tavLst>
-                                    </p:anim>
-                                    <p:anim calcmode="lin" valueType="num">
-                                      <p:cBhvr additive="base">
-                                        <p:cTn id="44" dur="1000"/>
-                                        <p:tgtEl>
-                                          <p:spTgt spid="162">
-                                            <p:txEl>
-                                              <p:pRg st="6" end="6"/>
-                                            </p:txEl>
-                                          </p:spTgt>
-                                        </p:tgtEl>
-                                        <p:attrNameLst>
-                                          <p:attrName>ppt_h</p:attrName>
-                                        </p:attrNameLst>
-                                      </p:cBhvr>
-                                      <p:tavLst>
-                                        <p:tav tm="0">
-                                          <p:val>
-                                            <p:strVal val="0"/>
-                                          </p:val>
-                                        </p:tav>
-                                        <p:tav tm="100000">
-                                          <p:val>
-                                            <p:strVal val="#ppt_h"/>
-                                          </p:val>
-                                        </p:tav>
-                                      </p:tavLst>
-                                    </p:anim>
-                                  </p:childTnLst>
-                                </p:cTn>
-                              </p:par>
-                            </p:childTnLst>
-                          </p:cTn>
-                        </p:par>
-                      </p:childTnLst>
-                    </p:cTn>
-                  </p:par>
-                </p:childTnLst>
-              </p:cTn>
-              <p:prevCondLst>
-                <p:cond evt="onPrev" delay="0">
-                  <p:tgtEl>
-                    <p:sldTgt/>
-                  </p:tgtEl>
-                </p:cond>
-              </p:prevCondLst>
-              <p:nextCondLst>
-                <p:cond evt="onNext" delay="0">
-                  <p:tgtEl>
-                    <p:sldTgt/>
-                  </p:tgtEl>
-                </p:cond>
-              </p:nextCondLst>
-            </p:seq>
-          </p:childTnLst>
-        </p:cTn>
-      </p:par>
-    </p:tnLst>
-  </p:timing>
-</p:sld>
-</file>
-
-<file path=ppt/slides/slide16.xml><?xml version="1.0" encoding="utf-8"?>
-<p:sld xmlns:a="http://schemas.openxmlformats.org/drawingml/2006/main" xmlns:r="http://schemas.openxmlformats.org/officeDocument/2006/relationships" xmlns:p="http://schemas.openxmlformats.org/presentationml/2006/main">
-  <p:cSld>
-    <p:spTree>
-      <p:nvGrpSpPr>
-        <p:cNvPr id="1" name="Shape 166"/>
-        <p:cNvGrpSpPr/>
-        <p:nvPr/>
-      </p:nvGrpSpPr>
-      <p:grpSpPr>
-        <a:xfrm>
-          <a:off x="0" y="0"/>
-          <a:ext cx="0" cy="0"/>
-          <a:chOff x="0" y="0"/>
-          <a:chExt cx="0" cy="0"/>
-        </a:xfrm>
-      </p:grpSpPr>
-      <p:sp>
-        <p:nvSpPr>
-          <p:cNvPr id="167" name="Google Shape;167;p30"/>
-          <p:cNvSpPr txBox="1">
-            <a:spLocks noGrp="1"/>
-          </p:cNvSpPr>
-          <p:nvPr>
-            <p:ph type="title"/>
-          </p:nvPr>
-        </p:nvSpPr>
-        <p:spPr>
-          <a:xfrm>
-            <a:off x="265500" y="316700"/>
-            <a:ext cx="3163500" cy="2607600"/>
-          </a:xfrm>
-          <a:prstGeom prst="rect">
-            <a:avLst/>
-          </a:prstGeom>
-        </p:spPr>
-        <p:txBody>
-          <a:bodyPr spcFirstLastPara="1" wrap="square" lIns="91425" tIns="91425" rIns="91425" bIns="91425" anchor="t" anchorCtr="0">
-            <a:normAutofit/>
-          </a:bodyPr>
-          <a:lstStyle/>
-          <a:p>
-            <a:pPr marL="0" lvl="0" indent="0" algn="l" rtl="0">
-              <a:spcBef>
-                <a:spcPts val="0"/>
-              </a:spcBef>
-              <a:spcAft>
-                <a:spcPts val="0"/>
-              </a:spcAft>
-              <a:buNone/>
-            </a:pPr>
-            <a:r>
-              <a:rPr lang="en"/>
-              <a:t>Our first model…</a:t>
-            </a:r>
-            <a:endParaRPr/>
-          </a:p>
-        </p:txBody>
-      </p:sp>
-      <p:sp>
-        <p:nvSpPr>
-          <p:cNvPr id="168" name="Google Shape;168;p30"/>
-          <p:cNvSpPr txBox="1">
-            <a:spLocks noGrp="1"/>
-          </p:cNvSpPr>
-          <p:nvPr>
-            <p:ph type="body" idx="1"/>
-          </p:nvPr>
-        </p:nvSpPr>
-        <p:spPr>
-          <a:xfrm>
-            <a:off x="4167300" y="316700"/>
-            <a:ext cx="4897500" cy="4389300"/>
-          </a:xfrm>
-          <a:prstGeom prst="rect">
-            <a:avLst/>
-          </a:prstGeom>
-        </p:spPr>
-        <p:txBody>
-          <a:bodyPr spcFirstLastPara="1" wrap="square" lIns="91425" tIns="91425" rIns="91425" bIns="91425" anchor="t" anchorCtr="0">
-            <a:normAutofit/>
-          </a:bodyPr>
-          <a:lstStyle/>
-          <a:p>
-            <a:pPr marL="0" lvl="0" indent="0" algn="l" rtl="0">
-              <a:spcBef>
-                <a:spcPts val="0"/>
-              </a:spcBef>
-              <a:spcAft>
-                <a:spcPts val="0"/>
-              </a:spcAft>
-              <a:buNone/>
-            </a:pPr>
-            <a:r>
-              <a:rPr lang="en"/>
-              <a:t>Our first model used linear regression and a very simple subset of our data:</a:t>
-            </a:r>
-            <a:endParaRPr/>
-          </a:p>
-          <a:p>
-            <a:pPr marL="457200" lvl="0" indent="-342900" algn="l" rtl="0">
-              <a:spcBef>
-                <a:spcPts val="1600"/>
-              </a:spcBef>
-              <a:spcAft>
-                <a:spcPts val="0"/>
-              </a:spcAft>
-              <a:buSzPts val="1800"/>
-              <a:buChar char="-"/>
-            </a:pPr>
-            <a:r>
-              <a:rPr lang="en"/>
-              <a:t>Salary and earned run average (ERA) only</a:t>
-            </a:r>
-            <a:endParaRPr/>
-          </a:p>
-          <a:p>
-            <a:pPr marL="1371600" lvl="1" indent="-317500" algn="l" rtl="0">
-              <a:spcBef>
-                <a:spcPts val="0"/>
-              </a:spcBef>
-              <a:spcAft>
-                <a:spcPts val="0"/>
-              </a:spcAft>
-              <a:buSzPts val="1400"/>
-              <a:buChar char="-"/>
-            </a:pPr>
-            <a:r>
-              <a:rPr lang="en"/>
-              <a:t>2010-2016</a:t>
-            </a:r>
-            <a:endParaRPr/>
-          </a:p>
-          <a:p>
-            <a:pPr marL="1371600" lvl="1" indent="-317500" algn="l" rtl="0">
-              <a:spcBef>
-                <a:spcPts val="0"/>
-              </a:spcBef>
-              <a:spcAft>
-                <a:spcPts val="0"/>
-              </a:spcAft>
-              <a:buSzPts val="1400"/>
-              <a:buChar char="-"/>
-            </a:pPr>
-            <a:r>
-              <a:rPr lang="en"/>
-              <a:t>Linear regression</a:t>
-            </a:r>
-            <a:endParaRPr/>
-          </a:p>
-          <a:p>
-            <a:pPr marL="1371600" lvl="1" indent="-317500" algn="l" rtl="0">
-              <a:spcBef>
-                <a:spcPts val="0"/>
-              </a:spcBef>
-              <a:spcAft>
-                <a:spcPts val="0"/>
-              </a:spcAft>
-              <a:buSzPts val="1400"/>
-              <a:buChar char="-"/>
-            </a:pPr>
-            <a:r>
-              <a:rPr lang="en"/>
-              <a:t>Removed outliers</a:t>
-            </a:r>
-            <a:endParaRPr/>
-          </a:p>
-          <a:p>
-            <a:pPr marL="1371600" lvl="0" indent="0" algn="l" rtl="0">
-              <a:spcBef>
-                <a:spcPts val="1600"/>
-              </a:spcBef>
-              <a:spcAft>
-                <a:spcPts val="0"/>
-              </a:spcAft>
-              <a:buNone/>
-            </a:pPr>
-            <a:endParaRPr/>
-          </a:p>
-          <a:p>
-            <a:pPr marL="914400" lvl="0" indent="0" algn="l" rtl="0">
-              <a:spcBef>
-                <a:spcPts val="1600"/>
-              </a:spcBef>
-              <a:spcAft>
-                <a:spcPts val="0"/>
-              </a:spcAft>
-              <a:buNone/>
-            </a:pPr>
-            <a:endParaRPr/>
-          </a:p>
-          <a:p>
-            <a:pPr marL="0" lvl="0" indent="0" algn="l" rtl="0">
-              <a:spcBef>
-                <a:spcPts val="1600"/>
-              </a:spcBef>
-              <a:spcAft>
-                <a:spcPts val="1600"/>
-              </a:spcAft>
-              <a:buNone/>
-            </a:pPr>
-            <a:endParaRPr/>
-          </a:p>
-        </p:txBody>
-      </p:sp>
-      <p:pic>
-        <p:nvPicPr>
-          <p:cNvPr id="169" name="Google Shape;169;p30"/>
-          <p:cNvPicPr preferRelativeResize="0"/>
-          <p:nvPr/>
-        </p:nvPicPr>
-        <p:blipFill>
-          <a:blip r:embed="rId3">
-            <a:alphaModFix/>
-          </a:blip>
-          <a:stretch>
-            <a:fillRect/>
-          </a:stretch>
-        </p:blipFill>
-        <p:spPr>
-          <a:xfrm>
-            <a:off x="4910125" y="2681600"/>
-            <a:ext cx="3154409" cy="1914400"/>
-          </a:xfrm>
-          <a:prstGeom prst="rect">
-            <a:avLst/>
-          </a:prstGeom>
-          <a:noFill/>
-          <a:ln>
-            <a:noFill/>
-          </a:ln>
-        </p:spPr>
-      </p:pic>
-    </p:spTree>
-  </p:cSld>
-  <p:clrMapOvr>
-    <a:masterClrMapping/>
-  </p:clrMapOvr>
-  <p:timing>
-    <p:tnLst>
-      <p:par>
-        <p:cTn id="1" dur="indefinite" restart="never" nodeType="tmRoot">
-          <p:childTnLst>
-            <p:seq concurrent="1" nextAc="seek">
-              <p:cTn id="2" dur="indefinite" nodeType="mainSeq">
-                <p:childTnLst>
-                  <p:par>
-                    <p:cTn id="3" fill="hold">
-                      <p:stCondLst>
-                        <p:cond delay="indefinite"/>
-                      </p:stCondLst>
-                      <p:childTnLst>
-                        <p:par>
-                          <p:cTn id="4" fill="hold">
-                            <p:stCondLst>
-                              <p:cond delay="0"/>
-                            </p:stCondLst>
-                            <p:childTnLst>
-                              <p:par>
-                                <p:cTn id="5" presetID="23" presetClass="entr" presetSubtype="16" fill="hold" nodeType="clickEffect">
-                                  <p:stCondLst>
-                                    <p:cond delay="0"/>
-                                  </p:stCondLst>
-                                  <p:childTnLst>
-                                    <p:set>
-                                      <p:cBhvr>
-                                        <p:cTn id="6" dur="1" fill="hold">
-                                          <p:stCondLst>
-                                            <p:cond delay="0"/>
-                                          </p:stCondLst>
-                                        </p:cTn>
-                                        <p:tgtEl>
-                                          <p:spTgt spid="168">
-                                            <p:txEl>
-                                              <p:pRg st="0" end="0"/>
-                                            </p:txEl>
-                                          </p:spTgt>
-                                        </p:tgtEl>
-                                        <p:attrNameLst>
-                                          <p:attrName>style.visibility</p:attrName>
-                                        </p:attrNameLst>
-                                      </p:cBhvr>
-                                      <p:to>
-                                        <p:strVal val="visible"/>
-                                      </p:to>
-                                    </p:set>
-                                    <p:anim calcmode="lin" valueType="num">
-                                      <p:cBhvr additive="base">
-                                        <p:cTn id="7" dur="1000"/>
-                                        <p:tgtEl>
-                                          <p:spTgt spid="168">
-                                            <p:txEl>
-                                              <p:pRg st="0" end="0"/>
-                                            </p:txEl>
-                                          </p:spTgt>
-                                        </p:tgtEl>
-                                        <p:attrNameLst>
-                                          <p:attrName>ppt_w</p:attrName>
-                                        </p:attrNameLst>
-                                      </p:cBhvr>
-                                      <p:tavLst>
-                                        <p:tav tm="0">
-                                          <p:val>
-                                            <p:strVal val="0"/>
-                                          </p:val>
-                                        </p:tav>
-                                        <p:tav tm="100000">
-                                          <p:val>
-                                            <p:strVal val="#ppt_w"/>
-                                          </p:val>
-                                        </p:tav>
-                                      </p:tavLst>
-                                    </p:anim>
-                                    <p:anim calcmode="lin" valueType="num">
-                                      <p:cBhvr additive="base">
-                                        <p:cTn id="8" dur="1000"/>
-                                        <p:tgtEl>
-                                          <p:spTgt spid="168">
-                                            <p:txEl>
-                                              <p:pRg st="0" end="0"/>
-                                            </p:txEl>
-                                          </p:spTgt>
-                                        </p:tgtEl>
-                                        <p:attrNameLst>
-                                          <p:attrName>ppt_h</p:attrName>
-                                        </p:attrNameLst>
-                                      </p:cBhvr>
-                                      <p:tavLst>
-                                        <p:tav tm="0">
-                                          <p:val>
-                                            <p:strVal val="0"/>
-                                          </p:val>
-                                        </p:tav>
-                                        <p:tav tm="100000">
-                                          <p:val>
-                                            <p:strVal val="#ppt_h"/>
-                                          </p:val>
-                                        </p:tav>
-                                      </p:tavLst>
-                                    </p:anim>
-                                  </p:childTnLst>
-                                </p:cTn>
-                              </p:par>
-                            </p:childTnLst>
-                          </p:cTn>
-                        </p:par>
-                      </p:childTnLst>
-                    </p:cTn>
-                  </p:par>
-                  <p:par>
-                    <p:cTn id="9" fill="hold">
-                      <p:stCondLst>
-                        <p:cond delay="indefinite"/>
-                      </p:stCondLst>
-                      <p:childTnLst>
-                        <p:par>
-                          <p:cTn id="10" fill="hold">
-                            <p:stCondLst>
-                              <p:cond delay="0"/>
-                            </p:stCondLst>
-                            <p:childTnLst>
-                              <p:par>
-                                <p:cTn id="11" presetID="23" presetClass="entr" presetSubtype="16" fill="hold" nodeType="clickEffect">
-                                  <p:stCondLst>
-                                    <p:cond delay="0"/>
-                                  </p:stCondLst>
-                                  <p:childTnLst>
-                                    <p:set>
-                                      <p:cBhvr>
-                                        <p:cTn id="12" dur="1" fill="hold">
-                                          <p:stCondLst>
-                                            <p:cond delay="0"/>
-                                          </p:stCondLst>
-                                        </p:cTn>
-                                        <p:tgtEl>
-                                          <p:spTgt spid="168">
-                                            <p:txEl>
-                                              <p:pRg st="1" end="1"/>
-                                            </p:txEl>
-                                          </p:spTgt>
-                                        </p:tgtEl>
-                                        <p:attrNameLst>
-                                          <p:attrName>style.visibility</p:attrName>
-                                        </p:attrNameLst>
-                                      </p:cBhvr>
-                                      <p:to>
-                                        <p:strVal val="visible"/>
-                                      </p:to>
-                                    </p:set>
-                                    <p:anim calcmode="lin" valueType="num">
-                                      <p:cBhvr additive="base">
-                                        <p:cTn id="13" dur="1000"/>
-                                        <p:tgtEl>
-                                          <p:spTgt spid="168">
-                                            <p:txEl>
-                                              <p:pRg st="1" end="1"/>
-                                            </p:txEl>
-                                          </p:spTgt>
-                                        </p:tgtEl>
-                                        <p:attrNameLst>
-                                          <p:attrName>ppt_w</p:attrName>
-                                        </p:attrNameLst>
-                                      </p:cBhvr>
-                                      <p:tavLst>
-                                        <p:tav tm="0">
-                                          <p:val>
-                                            <p:strVal val="0"/>
-                                          </p:val>
-                                        </p:tav>
-                                        <p:tav tm="100000">
-                                          <p:val>
-                                            <p:strVal val="#ppt_w"/>
-                                          </p:val>
-                                        </p:tav>
-                                      </p:tavLst>
-                                    </p:anim>
-                                    <p:anim calcmode="lin" valueType="num">
-                                      <p:cBhvr additive="base">
-                                        <p:cTn id="14" dur="1000"/>
-                                        <p:tgtEl>
-                                          <p:spTgt spid="168">
-                                            <p:txEl>
-                                              <p:pRg st="1" end="1"/>
-                                            </p:txEl>
-                                          </p:spTgt>
-                                        </p:tgtEl>
-                                        <p:attrNameLst>
-                                          <p:attrName>ppt_h</p:attrName>
-                                        </p:attrNameLst>
-                                      </p:cBhvr>
-                                      <p:tavLst>
-                                        <p:tav tm="0">
-                                          <p:val>
-                                            <p:strVal val="0"/>
-                                          </p:val>
-                                        </p:tav>
-                                        <p:tav tm="100000">
-                                          <p:val>
-                                            <p:strVal val="#ppt_h"/>
-                                          </p:val>
-                                        </p:tav>
-                                      </p:tavLst>
-                                    </p:anim>
-                                  </p:childTnLst>
-                                </p:cTn>
-                              </p:par>
-                            </p:childTnLst>
-                          </p:cTn>
-                        </p:par>
-                      </p:childTnLst>
-                    </p:cTn>
-                  </p:par>
-                  <p:par>
-                    <p:cTn id="15" fill="hold">
-                      <p:stCondLst>
-                        <p:cond delay="indefinite"/>
-                      </p:stCondLst>
-                      <p:childTnLst>
-                        <p:par>
-                          <p:cTn id="16" fill="hold">
-                            <p:stCondLst>
-                              <p:cond delay="0"/>
-                            </p:stCondLst>
-                            <p:childTnLst>
-                              <p:par>
-                                <p:cTn id="17" presetID="23" presetClass="entr" presetSubtype="16" fill="hold" nodeType="clickEffect">
-                                  <p:stCondLst>
-                                    <p:cond delay="0"/>
-                                  </p:stCondLst>
-                                  <p:childTnLst>
-                                    <p:set>
-                                      <p:cBhvr>
-                                        <p:cTn id="18" dur="1" fill="hold">
-                                          <p:stCondLst>
-                                            <p:cond delay="0"/>
-                                          </p:stCondLst>
-                                        </p:cTn>
-                                        <p:tgtEl>
-                                          <p:spTgt spid="168">
-                                            <p:txEl>
-                                              <p:pRg st="2" end="2"/>
-                                            </p:txEl>
-                                          </p:spTgt>
-                                        </p:tgtEl>
-                                        <p:attrNameLst>
-                                          <p:attrName>style.visibility</p:attrName>
-                                        </p:attrNameLst>
-                                      </p:cBhvr>
-                                      <p:to>
-                                        <p:strVal val="visible"/>
-                                      </p:to>
-                                    </p:set>
-                                    <p:anim calcmode="lin" valueType="num">
-                                      <p:cBhvr additive="base">
-                                        <p:cTn id="19" dur="1000"/>
-                                        <p:tgtEl>
-                                          <p:spTgt spid="168">
-                                            <p:txEl>
-                                              <p:pRg st="2" end="2"/>
-                                            </p:txEl>
-                                          </p:spTgt>
-                                        </p:tgtEl>
-                                        <p:attrNameLst>
-                                          <p:attrName>ppt_w</p:attrName>
-                                        </p:attrNameLst>
-                                      </p:cBhvr>
-                                      <p:tavLst>
-                                        <p:tav tm="0">
-                                          <p:val>
-                                            <p:strVal val="0"/>
-                                          </p:val>
-                                        </p:tav>
-                                        <p:tav tm="100000">
-                                          <p:val>
-                                            <p:strVal val="#ppt_w"/>
-                                          </p:val>
-                                        </p:tav>
-                                      </p:tavLst>
-                                    </p:anim>
-                                    <p:anim calcmode="lin" valueType="num">
-                                      <p:cBhvr additive="base">
-                                        <p:cTn id="20" dur="1000"/>
-                                        <p:tgtEl>
-                                          <p:spTgt spid="168">
-                                            <p:txEl>
-                                              <p:pRg st="2" end="2"/>
-                                            </p:txEl>
-                                          </p:spTgt>
-                                        </p:tgtEl>
-                                        <p:attrNameLst>
-                                          <p:attrName>ppt_h</p:attrName>
-                                        </p:attrNameLst>
-                                      </p:cBhvr>
-                                      <p:tavLst>
-                                        <p:tav tm="0">
-                                          <p:val>
-                                            <p:strVal val="0"/>
-                                          </p:val>
-                                        </p:tav>
-                                        <p:tav tm="100000">
-                                          <p:val>
-                                            <p:strVal val="#ppt_h"/>
-                                          </p:val>
-                                        </p:tav>
-                                      </p:tavLst>
-                                    </p:anim>
-                                  </p:childTnLst>
-                                </p:cTn>
-                              </p:par>
-                            </p:childTnLst>
-                          </p:cTn>
-                        </p:par>
-                      </p:childTnLst>
-                    </p:cTn>
-                  </p:par>
-                  <p:par>
-                    <p:cTn id="21" fill="hold">
-                      <p:stCondLst>
-                        <p:cond delay="indefinite"/>
-                      </p:stCondLst>
-                      <p:childTnLst>
-                        <p:par>
-                          <p:cTn id="22" fill="hold">
-                            <p:stCondLst>
-                              <p:cond delay="0"/>
-                            </p:stCondLst>
-                            <p:childTnLst>
-                              <p:par>
-                                <p:cTn id="23" presetID="23" presetClass="entr" presetSubtype="16" fill="hold" nodeType="clickEffect">
-                                  <p:stCondLst>
-                                    <p:cond delay="0"/>
-                                  </p:stCondLst>
-                                  <p:childTnLst>
-                                    <p:set>
-                                      <p:cBhvr>
-                                        <p:cTn id="24" dur="1" fill="hold">
-                                          <p:stCondLst>
-                                            <p:cond delay="0"/>
-                                          </p:stCondLst>
-                                        </p:cTn>
-                                        <p:tgtEl>
-                                          <p:spTgt spid="168">
-                                            <p:txEl>
-                                              <p:pRg st="3" end="3"/>
-                                            </p:txEl>
-                                          </p:spTgt>
-                                        </p:tgtEl>
-                                        <p:attrNameLst>
-                                          <p:attrName>style.visibility</p:attrName>
-                                        </p:attrNameLst>
-                                      </p:cBhvr>
-                                      <p:to>
-                                        <p:strVal val="visible"/>
-                                      </p:to>
-                                    </p:set>
-                                    <p:anim calcmode="lin" valueType="num">
-                                      <p:cBhvr additive="base">
-                                        <p:cTn id="25" dur="1000"/>
-                                        <p:tgtEl>
-                                          <p:spTgt spid="168">
-                                            <p:txEl>
-                                              <p:pRg st="3" end="3"/>
-                                            </p:txEl>
-                                          </p:spTgt>
-                                        </p:tgtEl>
-                                        <p:attrNameLst>
-                                          <p:attrName>ppt_w</p:attrName>
-                                        </p:attrNameLst>
-                                      </p:cBhvr>
-                                      <p:tavLst>
-                                        <p:tav tm="0">
-                                          <p:val>
-                                            <p:strVal val="0"/>
-                                          </p:val>
-                                        </p:tav>
-                                        <p:tav tm="100000">
-                                          <p:val>
-                                            <p:strVal val="#ppt_w"/>
-                                          </p:val>
-                                        </p:tav>
-                                      </p:tavLst>
-                                    </p:anim>
-                                    <p:anim calcmode="lin" valueType="num">
-                                      <p:cBhvr additive="base">
-                                        <p:cTn id="26" dur="1000"/>
-                                        <p:tgtEl>
-                                          <p:spTgt spid="168">
-                                            <p:txEl>
-                                              <p:pRg st="3" end="3"/>
-                                            </p:txEl>
-                                          </p:spTgt>
-                                        </p:tgtEl>
-                                        <p:attrNameLst>
-                                          <p:attrName>ppt_h</p:attrName>
-                                        </p:attrNameLst>
-                                      </p:cBhvr>
-                                      <p:tavLst>
-                                        <p:tav tm="0">
-                                          <p:val>
-                                            <p:strVal val="0"/>
-                                          </p:val>
-                                        </p:tav>
-                                        <p:tav tm="100000">
-                                          <p:val>
-                                            <p:strVal val="#ppt_h"/>
-                                          </p:val>
-                                        </p:tav>
-                                      </p:tavLst>
-                                    </p:anim>
-                                  </p:childTnLst>
-                                </p:cTn>
-                              </p:par>
-                            </p:childTnLst>
-                          </p:cTn>
-                        </p:par>
-                      </p:childTnLst>
-                    </p:cTn>
-                  </p:par>
-                  <p:par>
-                    <p:cTn id="27" fill="hold">
-                      <p:stCondLst>
-                        <p:cond delay="indefinite"/>
-                      </p:stCondLst>
-                      <p:childTnLst>
-                        <p:par>
-                          <p:cTn id="28" fill="hold">
-                            <p:stCondLst>
-                              <p:cond delay="0"/>
-                            </p:stCondLst>
-                            <p:childTnLst>
-                              <p:par>
-                                <p:cTn id="29" presetID="23" presetClass="entr" presetSubtype="16" fill="hold" nodeType="clickEffect">
-                                  <p:stCondLst>
-                                    <p:cond delay="0"/>
-                                  </p:stCondLst>
-                                  <p:childTnLst>
-                                    <p:set>
-                                      <p:cBhvr>
-                                        <p:cTn id="30" dur="1" fill="hold">
-                                          <p:stCondLst>
-                                            <p:cond delay="0"/>
-                                          </p:stCondLst>
-                                        </p:cTn>
-                                        <p:tgtEl>
-                                          <p:spTgt spid="168">
-                                            <p:txEl>
-                                              <p:pRg st="4" end="4"/>
-                                            </p:txEl>
-                                          </p:spTgt>
-                                        </p:tgtEl>
-                                        <p:attrNameLst>
-                                          <p:attrName>style.visibility</p:attrName>
-                                        </p:attrNameLst>
-                                      </p:cBhvr>
-                                      <p:to>
-                                        <p:strVal val="visible"/>
-                                      </p:to>
-                                    </p:set>
-                                    <p:anim calcmode="lin" valueType="num">
-                                      <p:cBhvr additive="base">
-                                        <p:cTn id="31" dur="1000"/>
-                                        <p:tgtEl>
-                                          <p:spTgt spid="168">
-                                            <p:txEl>
-                                              <p:pRg st="4" end="4"/>
-                                            </p:txEl>
-                                          </p:spTgt>
-                                        </p:tgtEl>
-                                        <p:attrNameLst>
-                                          <p:attrName>ppt_w</p:attrName>
-                                        </p:attrNameLst>
-                                      </p:cBhvr>
-                                      <p:tavLst>
-                                        <p:tav tm="0">
-                                          <p:val>
-                                            <p:strVal val="0"/>
-                                          </p:val>
-                                        </p:tav>
-                                        <p:tav tm="100000">
-                                          <p:val>
-                                            <p:strVal val="#ppt_w"/>
-                                          </p:val>
-                                        </p:tav>
-                                      </p:tavLst>
-                                    </p:anim>
-                                    <p:anim calcmode="lin" valueType="num">
-                                      <p:cBhvr additive="base">
-                                        <p:cTn id="32" dur="1000"/>
-                                        <p:tgtEl>
-                                          <p:spTgt spid="168">
-                                            <p:txEl>
-                                              <p:pRg st="4" end="4"/>
-                                            </p:txEl>
-                                          </p:spTgt>
-                                        </p:tgtEl>
-                                        <p:attrNameLst>
-                                          <p:attrName>ppt_h</p:attrName>
-                                        </p:attrNameLst>
-                                      </p:cBhvr>
-                                      <p:tavLst>
-                                        <p:tav tm="0">
-                                          <p:val>
-                                            <p:strVal val="0"/>
-                                          </p:val>
-                                        </p:tav>
-                                        <p:tav tm="100000">
-                                          <p:val>
-                                            <p:strVal val="#ppt_h"/>
-                                          </p:val>
-                                        </p:tav>
-                                      </p:tavLst>
-                                    </p:anim>
-                                  </p:childTnLst>
-                                </p:cTn>
-                              </p:par>
-                            </p:childTnLst>
-                          </p:cTn>
-                        </p:par>
-                      </p:childTnLst>
-                    </p:cTn>
-                  </p:par>
-                  <p:par>
-                    <p:cTn id="33" fill="hold">
-                      <p:stCondLst>
-                        <p:cond delay="indefinite"/>
-                      </p:stCondLst>
-                      <p:childTnLst>
-                        <p:par>
-                          <p:cTn id="34" fill="hold">
-                            <p:stCondLst>
-                              <p:cond delay="0"/>
-                            </p:stCondLst>
-                            <p:childTnLst>
-                              <p:par>
-                                <p:cTn id="35" presetID="23" presetClass="entr" presetSubtype="16" fill="hold" nodeType="clickEffect">
-                                  <p:stCondLst>
-                                    <p:cond delay="0"/>
-                                  </p:stCondLst>
-                                  <p:childTnLst>
-                                    <p:set>
-                                      <p:cBhvr>
-                                        <p:cTn id="36" dur="1" fill="hold">
-                                          <p:stCondLst>
-                                            <p:cond delay="0"/>
-                                          </p:stCondLst>
-                                        </p:cTn>
-                                        <p:tgtEl>
-                                          <p:spTgt spid="168">
-                                            <p:txEl>
-                                              <p:pRg st="5" end="5"/>
-                                            </p:txEl>
-                                          </p:spTgt>
-                                        </p:tgtEl>
-                                        <p:attrNameLst>
-                                          <p:attrName>style.visibility</p:attrName>
-                                        </p:attrNameLst>
-                                      </p:cBhvr>
-                                      <p:to>
-                                        <p:strVal val="visible"/>
-                                      </p:to>
-                                    </p:set>
-                                    <p:anim calcmode="lin" valueType="num">
-                                      <p:cBhvr additive="base">
-                                        <p:cTn id="37" dur="1000"/>
-                                        <p:tgtEl>
-                                          <p:spTgt spid="168">
-                                            <p:txEl>
-                                              <p:pRg st="5" end="5"/>
-                                            </p:txEl>
-                                          </p:spTgt>
-                                        </p:tgtEl>
-                                        <p:attrNameLst>
-                                          <p:attrName>ppt_w</p:attrName>
-                                        </p:attrNameLst>
-                                      </p:cBhvr>
-                                      <p:tavLst>
-                                        <p:tav tm="0">
-                                          <p:val>
-                                            <p:strVal val="0"/>
-                                          </p:val>
-                                        </p:tav>
-                                        <p:tav tm="100000">
-                                          <p:val>
-                                            <p:strVal val="#ppt_w"/>
-                                          </p:val>
-                                        </p:tav>
-                                      </p:tavLst>
-                                    </p:anim>
-                                    <p:anim calcmode="lin" valueType="num">
-                                      <p:cBhvr additive="base">
-                                        <p:cTn id="38" dur="1000"/>
-                                        <p:tgtEl>
-                                          <p:spTgt spid="168">
-                                            <p:txEl>
-                                              <p:pRg st="5" end="5"/>
-                                            </p:txEl>
-                                          </p:spTgt>
-                                        </p:tgtEl>
-                                        <p:attrNameLst>
-                                          <p:attrName>ppt_h</p:attrName>
-                                        </p:attrNameLst>
-                                      </p:cBhvr>
-                                      <p:tavLst>
-                                        <p:tav tm="0">
-                                          <p:val>
-                                            <p:strVal val="0"/>
-                                          </p:val>
-                                        </p:tav>
-                                        <p:tav tm="100000">
-                                          <p:val>
-                                            <p:strVal val="#ppt_h"/>
-                                          </p:val>
-                                        </p:tav>
-                                      </p:tavLst>
-                                    </p:anim>
-                                  </p:childTnLst>
-                                </p:cTn>
-                              </p:par>
-                            </p:childTnLst>
-                          </p:cTn>
-                        </p:par>
-                      </p:childTnLst>
-                    </p:cTn>
-                  </p:par>
-                  <p:par>
-                    <p:cTn id="39" fill="hold">
-                      <p:stCondLst>
-                        <p:cond delay="indefinite"/>
-                      </p:stCondLst>
-                      <p:childTnLst>
-                        <p:par>
-                          <p:cTn id="40" fill="hold">
-                            <p:stCondLst>
-                              <p:cond delay="0"/>
-                            </p:stCondLst>
-                            <p:childTnLst>
-                              <p:par>
-                                <p:cTn id="41" presetID="23" presetClass="entr" presetSubtype="16" fill="hold" nodeType="clickEffect">
-                                  <p:stCondLst>
-                                    <p:cond delay="0"/>
-                                  </p:stCondLst>
-                                  <p:childTnLst>
-                                    <p:set>
-                                      <p:cBhvr>
-                                        <p:cTn id="42" dur="1" fill="hold">
-                                          <p:stCondLst>
-                                            <p:cond delay="0"/>
-                                          </p:stCondLst>
-                                        </p:cTn>
-                                        <p:tgtEl>
-                                          <p:spTgt spid="168">
-                                            <p:txEl>
-                                              <p:pRg st="6" end="6"/>
-                                            </p:txEl>
-                                          </p:spTgt>
-                                        </p:tgtEl>
-                                        <p:attrNameLst>
-                                          <p:attrName>style.visibility</p:attrName>
-                                        </p:attrNameLst>
-                                      </p:cBhvr>
-                                      <p:to>
-                                        <p:strVal val="visible"/>
-                                      </p:to>
-                                    </p:set>
-                                    <p:anim calcmode="lin" valueType="num">
-                                      <p:cBhvr additive="base">
-                                        <p:cTn id="43" dur="1000"/>
-                                        <p:tgtEl>
-                                          <p:spTgt spid="168">
-                                            <p:txEl>
-                                              <p:pRg st="6" end="6"/>
-                                            </p:txEl>
-                                          </p:spTgt>
-                                        </p:tgtEl>
-                                        <p:attrNameLst>
-                                          <p:attrName>ppt_w</p:attrName>
-                                        </p:attrNameLst>
-                                      </p:cBhvr>
-                                      <p:tavLst>
-                                        <p:tav tm="0">
-                                          <p:val>
-                                            <p:strVal val="0"/>
-                                          </p:val>
-                                        </p:tav>
-                                        <p:tav tm="100000">
-                                          <p:val>
-                                            <p:strVal val="#ppt_w"/>
-                                          </p:val>
-                                        </p:tav>
-                                      </p:tavLst>
-                                    </p:anim>
-                                    <p:anim calcmode="lin" valueType="num">
-                                      <p:cBhvr additive="base">
-                                        <p:cTn id="44" dur="1000"/>
-                                        <p:tgtEl>
-                                          <p:spTgt spid="168">
-                                            <p:txEl>
-                                              <p:pRg st="6" end="6"/>
-                                            </p:txEl>
-                                          </p:spTgt>
-                                        </p:tgtEl>
-                                        <p:attrNameLst>
-                                          <p:attrName>ppt_h</p:attrName>
-                                        </p:attrNameLst>
-                                      </p:cBhvr>
-                                      <p:tavLst>
-                                        <p:tav tm="0">
-                                          <p:val>
-                                            <p:strVal val="0"/>
-                                          </p:val>
-                                        </p:tav>
-                                        <p:tav tm="100000">
-                                          <p:val>
-                                            <p:strVal val="#ppt_h"/>
-                                          </p:val>
-                                        </p:tav>
-                                      </p:tavLst>
-                                    </p:anim>
-                                  </p:childTnLst>
-                                </p:cTn>
-                              </p:par>
-                            </p:childTnLst>
-                          </p:cTn>
-                        </p:par>
-                      </p:childTnLst>
-                    </p:cTn>
-                  </p:par>
-                  <p:par>
-                    <p:cTn id="45" fill="hold">
-                      <p:stCondLst>
-                        <p:cond delay="indefinite"/>
-                      </p:stCondLst>
-                      <p:childTnLst>
-                        <p:par>
-                          <p:cTn id="46" fill="hold">
-                            <p:stCondLst>
-                              <p:cond delay="0"/>
-                            </p:stCondLst>
-                            <p:childTnLst>
-                              <p:par>
-                                <p:cTn id="47" presetID="23" presetClass="entr" presetSubtype="16" fill="hold" nodeType="clickEffect">
-                                  <p:stCondLst>
-                                    <p:cond delay="0"/>
-                                  </p:stCondLst>
-                                  <p:childTnLst>
-                                    <p:set>
-                                      <p:cBhvr>
-                                        <p:cTn id="48" dur="1" fill="hold">
-                                          <p:stCondLst>
-                                            <p:cond delay="0"/>
-                                          </p:stCondLst>
-                                        </p:cTn>
-                                        <p:tgtEl>
-                                          <p:spTgt spid="168">
-                                            <p:txEl>
-                                              <p:pRg st="7" end="7"/>
-                                            </p:txEl>
-                                          </p:spTgt>
-                                        </p:tgtEl>
-                                        <p:attrNameLst>
-                                          <p:attrName>style.visibility</p:attrName>
-                                        </p:attrNameLst>
-                                      </p:cBhvr>
-                                      <p:to>
-                                        <p:strVal val="visible"/>
-                                      </p:to>
-                                    </p:set>
-                                    <p:anim calcmode="lin" valueType="num">
-                                      <p:cBhvr additive="base">
-                                        <p:cTn id="49" dur="1000"/>
-                                        <p:tgtEl>
-                                          <p:spTgt spid="168">
-                                            <p:txEl>
-                                              <p:pRg st="7" end="7"/>
-                                            </p:txEl>
-                                          </p:spTgt>
-                                        </p:tgtEl>
-                                        <p:attrNameLst>
-                                          <p:attrName>ppt_w</p:attrName>
-                                        </p:attrNameLst>
-                                      </p:cBhvr>
-                                      <p:tavLst>
-                                        <p:tav tm="0">
-                                          <p:val>
-                                            <p:strVal val="0"/>
-                                          </p:val>
-                                        </p:tav>
-                                        <p:tav tm="100000">
-                                          <p:val>
-                                            <p:strVal val="#ppt_w"/>
-                                          </p:val>
-                                        </p:tav>
-                                      </p:tavLst>
-                                    </p:anim>
-                                    <p:anim calcmode="lin" valueType="num">
-                                      <p:cBhvr additive="base">
-                                        <p:cTn id="50" dur="1000"/>
-                                        <p:tgtEl>
-                                          <p:spTgt spid="168">
-                                            <p:txEl>
-                                              <p:pRg st="7" end="7"/>
-                                            </p:txEl>
-                                          </p:spTgt>
-                                        </p:tgtEl>
-                                        <p:attrNameLst>
-                                          <p:attrName>ppt_h</p:attrName>
-                                        </p:attrNameLst>
-                                      </p:cBhvr>
-                                      <p:tavLst>
-                                        <p:tav tm="0">
-                                          <p:val>
-                                            <p:strVal val="0"/>
-                                          </p:val>
-                                        </p:tav>
-                                        <p:tav tm="100000">
-                                          <p:val>
-                                            <p:strVal val="#ppt_h"/>
-                                          </p:val>
-                                        </p:tav>
-                                      </p:tavLst>
-                                    </p:anim>
-                                  </p:childTnLst>
-                                </p:cTn>
-                              </p:par>
-                            </p:childTnLst>
-                          </p:cTn>
-                        </p:par>
-                      </p:childTnLst>
-                    </p:cTn>
-                  </p:par>
-                </p:childTnLst>
-              </p:cTn>
-              <p:prevCondLst>
-                <p:cond evt="onPrev" delay="0">
-                  <p:tgtEl>
-                    <p:sldTgt/>
-                  </p:tgtEl>
-                </p:cond>
-              </p:prevCondLst>
-              <p:nextCondLst>
-                <p:cond evt="onNext" delay="0">
-                  <p:tgtEl>
-                    <p:sldTgt/>
-                  </p:tgtEl>
-                </p:cond>
-              </p:nextCondLst>
-            </p:seq>
-          </p:childTnLst>
-        </p:cTn>
-      </p:par>
-    </p:tnLst>
-  </p:timing>
-</p:sld>
-</file>
-
-<file path=ppt/slides/slide17.xml><?xml version="1.0" encoding="utf-8"?>
-<p:sld xmlns:a="http://schemas.openxmlformats.org/drawingml/2006/main" xmlns:r="http://schemas.openxmlformats.org/officeDocument/2006/relationships" xmlns:p="http://schemas.openxmlformats.org/presentationml/2006/main">
-  <p:cSld>
-    <p:spTree>
-      <p:nvGrpSpPr>
-        <p:cNvPr id="1" name="Shape 173"/>
-        <p:cNvGrpSpPr/>
-        <p:nvPr/>
-      </p:nvGrpSpPr>
-      <p:grpSpPr>
-        <a:xfrm>
-          <a:off x="0" y="0"/>
-          <a:ext cx="0" cy="0"/>
-          <a:chOff x="0" y="0"/>
-          <a:chExt cx="0" cy="0"/>
-        </a:xfrm>
-      </p:grpSpPr>
-      <p:sp>
-        <p:nvSpPr>
-          <p:cNvPr id="174" name="Google Shape;174;p31"/>
-          <p:cNvSpPr txBox="1">
-            <a:spLocks noGrp="1"/>
-          </p:cNvSpPr>
-          <p:nvPr>
-            <p:ph type="title"/>
-          </p:nvPr>
-        </p:nvSpPr>
-        <p:spPr>
-          <a:xfrm>
-            <a:off x="265500" y="316700"/>
-            <a:ext cx="3163500" cy="2607600"/>
-          </a:xfrm>
-          <a:prstGeom prst="rect">
-            <a:avLst/>
-          </a:prstGeom>
-        </p:spPr>
-        <p:txBody>
-          <a:bodyPr spcFirstLastPara="1" wrap="square" lIns="91425" tIns="91425" rIns="91425" bIns="91425" anchor="t" anchorCtr="0">
-            <a:normAutofit/>
-          </a:bodyPr>
-          <a:lstStyle/>
-          <a:p>
-            <a:pPr marL="0" lvl="0" indent="0" algn="l" rtl="0">
-              <a:spcBef>
-                <a:spcPts val="0"/>
-              </a:spcBef>
-              <a:spcAft>
-                <a:spcPts val="0"/>
-              </a:spcAft>
-              <a:buNone/>
-            </a:pPr>
-            <a:r>
-              <a:rPr lang="en"/>
-              <a:t>Data Exploration and Analysis</a:t>
-            </a:r>
-            <a:endParaRPr/>
-          </a:p>
-        </p:txBody>
-      </p:sp>
-      <p:sp>
-        <p:nvSpPr>
-          <p:cNvPr id="175" name="Google Shape;175;p31"/>
-          <p:cNvSpPr txBox="1">
-            <a:spLocks noGrp="1"/>
-          </p:cNvSpPr>
-          <p:nvPr>
-            <p:ph type="body" idx="1"/>
-          </p:nvPr>
-        </p:nvSpPr>
-        <p:spPr>
-          <a:xfrm>
-            <a:off x="4283675" y="316700"/>
-            <a:ext cx="4407300" cy="4389300"/>
-          </a:xfrm>
-          <a:prstGeom prst="rect">
-            <a:avLst/>
-          </a:prstGeom>
-        </p:spPr>
-        <p:txBody>
-          <a:bodyPr spcFirstLastPara="1" wrap="square" lIns="91425" tIns="91425" rIns="91425" bIns="91425" anchor="t" anchorCtr="0">
-            <a:normAutofit/>
-          </a:bodyPr>
-          <a:lstStyle/>
-          <a:p>
-            <a:pPr marL="457200" lvl="0" indent="0" algn="l" rtl="0">
-              <a:spcBef>
-                <a:spcPts val="0"/>
-              </a:spcBef>
-              <a:spcAft>
-                <a:spcPts val="0"/>
-              </a:spcAft>
-              <a:buNone/>
-            </a:pPr>
-            <a:r>
-              <a:rPr lang="en" b="1"/>
-              <a:t>The Random Forest</a:t>
-            </a:r>
-            <a:r>
-              <a:rPr lang="en"/>
-              <a:t>  - A classification model that allows for the precise classification of observed results by using a large number of decision trees</a:t>
-            </a:r>
-            <a:endParaRPr/>
-          </a:p>
-          <a:p>
-            <a:pPr marL="914400" lvl="0" indent="-325755" algn="l" rtl="0">
-              <a:spcBef>
-                <a:spcPts val="1600"/>
-              </a:spcBef>
-              <a:spcAft>
-                <a:spcPts val="0"/>
-              </a:spcAft>
-              <a:buSzPct val="100000"/>
-              <a:buChar char="-"/>
-            </a:pPr>
-            <a:r>
-              <a:rPr lang="en"/>
-              <a:t>Used Random Forest model  to determine which key statistic would be the best predictor of pitcher salary</a:t>
-            </a:r>
-            <a:endParaRPr/>
-          </a:p>
-          <a:p>
-            <a:pPr marL="1828800" lvl="1" indent="-304164" algn="l" rtl="0">
-              <a:spcBef>
-                <a:spcPts val="0"/>
-              </a:spcBef>
-              <a:spcAft>
-                <a:spcPts val="0"/>
-              </a:spcAft>
-              <a:buSzPct val="100000"/>
-              <a:buChar char="-"/>
-            </a:pPr>
-            <a:r>
-              <a:rPr lang="en"/>
-              <a:t>Batters faced by pitcher (BFP)</a:t>
-            </a:r>
-            <a:endParaRPr/>
-          </a:p>
-          <a:p>
-            <a:pPr marL="1828800" lvl="1" indent="-304164" algn="l" rtl="0">
-              <a:spcBef>
-                <a:spcPts val="0"/>
-              </a:spcBef>
-              <a:spcAft>
-                <a:spcPts val="0"/>
-              </a:spcAft>
-              <a:buSzPct val="100000"/>
-              <a:buChar char="-"/>
-            </a:pPr>
-            <a:r>
-              <a:rPr lang="en"/>
-              <a:t>Outs pitched (innings pitched x 3)</a:t>
-            </a:r>
-            <a:endParaRPr/>
-          </a:p>
-          <a:p>
-            <a:pPr marL="1828800" lvl="1" indent="-304164" algn="l" rtl="0">
-              <a:spcBef>
-                <a:spcPts val="0"/>
-              </a:spcBef>
-              <a:spcAft>
-                <a:spcPts val="0"/>
-              </a:spcAft>
-              <a:buSzPct val="100000"/>
-              <a:buChar char="-"/>
-            </a:pPr>
-            <a:r>
-              <a:rPr lang="en"/>
-              <a:t>Earned run average (ERA)</a:t>
-            </a:r>
-            <a:endParaRPr/>
-          </a:p>
-          <a:p>
-            <a:pPr marL="1371600" lvl="0" indent="0" algn="l" rtl="0">
-              <a:spcBef>
-                <a:spcPts val="1600"/>
-              </a:spcBef>
-              <a:spcAft>
-                <a:spcPts val="0"/>
-              </a:spcAft>
-              <a:buNone/>
-            </a:pPr>
-            <a:endParaRPr/>
-          </a:p>
-          <a:p>
-            <a:pPr marL="914400" lvl="0" indent="0" algn="l" rtl="0">
-              <a:spcBef>
-                <a:spcPts val="1600"/>
-              </a:spcBef>
-              <a:spcAft>
-                <a:spcPts val="0"/>
-              </a:spcAft>
-              <a:buNone/>
-            </a:pPr>
-            <a:endParaRPr/>
-          </a:p>
-          <a:p>
-            <a:pPr marL="0" lvl="0" indent="0" algn="l" rtl="0">
-              <a:spcBef>
-                <a:spcPts val="1600"/>
-              </a:spcBef>
-              <a:spcAft>
-                <a:spcPts val="1600"/>
-              </a:spcAft>
-              <a:buNone/>
-            </a:pPr>
-            <a:endParaRPr/>
-          </a:p>
-        </p:txBody>
-      </p:sp>
-      <p:pic>
-        <p:nvPicPr>
-          <p:cNvPr id="176" name="Google Shape;176;p31"/>
-          <p:cNvPicPr preferRelativeResize="0"/>
-          <p:nvPr/>
-        </p:nvPicPr>
-        <p:blipFill>
-          <a:blip r:embed="rId3">
-            <a:alphaModFix/>
-          </a:blip>
-          <a:stretch>
-            <a:fillRect/>
-          </a:stretch>
-        </p:blipFill>
-        <p:spPr>
-          <a:xfrm>
-            <a:off x="4242788" y="3281575"/>
-            <a:ext cx="4448175" cy="1543050"/>
-          </a:xfrm>
-          <a:prstGeom prst="rect">
-            <a:avLst/>
-          </a:prstGeom>
-          <a:noFill/>
-          <a:ln>
-            <a:noFill/>
-          </a:ln>
-        </p:spPr>
-      </p:pic>
-    </p:spTree>
-  </p:cSld>
-  <p:clrMapOvr>
-    <a:masterClrMapping/>
-  </p:clrMapOvr>
-  <p:timing>
-    <p:tnLst>
-      <p:par>
-        <p:cTn id="1" dur="indefinite" restart="never" nodeType="tmRoot">
-          <p:childTnLst>
-            <p:seq concurrent="1" nextAc="seek">
-              <p:cTn id="2" dur="indefinite" nodeType="mainSeq">
-                <p:childTnLst>
-                  <p:par>
-                    <p:cTn id="3" fill="hold">
-                      <p:stCondLst>
-                        <p:cond delay="indefinite"/>
-                      </p:stCondLst>
-                      <p:childTnLst>
-                        <p:par>
-                          <p:cTn id="4" fill="hold">
-                            <p:stCondLst>
-                              <p:cond delay="0"/>
-                            </p:stCondLst>
-                            <p:childTnLst>
-                              <p:par>
-                                <p:cTn id="5" presetID="23" presetClass="entr" presetSubtype="16" fill="hold" nodeType="clickEffect">
-                                  <p:stCondLst>
-                                    <p:cond delay="0"/>
-                                  </p:stCondLst>
-                                  <p:childTnLst>
-                                    <p:set>
-                                      <p:cBhvr>
-                                        <p:cTn id="6" dur="1" fill="hold">
-                                          <p:stCondLst>
-                                            <p:cond delay="0"/>
-                                          </p:stCondLst>
-                                        </p:cTn>
-                                        <p:tgtEl>
-                                          <p:spTgt spid="175">
-                                            <p:txEl>
-                                              <p:pRg st="0" end="0"/>
-                                            </p:txEl>
-                                          </p:spTgt>
-                                        </p:tgtEl>
-                                        <p:attrNameLst>
-                                          <p:attrName>style.visibility</p:attrName>
-                                        </p:attrNameLst>
-                                      </p:cBhvr>
-                                      <p:to>
-                                        <p:strVal val="visible"/>
-                                      </p:to>
-                                    </p:set>
-                                    <p:anim calcmode="lin" valueType="num">
-                                      <p:cBhvr additive="base">
-                                        <p:cTn id="7" dur="1000"/>
-                                        <p:tgtEl>
-                                          <p:spTgt spid="175">
-                                            <p:txEl>
-                                              <p:pRg st="0" end="0"/>
-                                            </p:txEl>
-                                          </p:spTgt>
-                                        </p:tgtEl>
-                                        <p:attrNameLst>
-                                          <p:attrName>ppt_w</p:attrName>
-                                        </p:attrNameLst>
-                                      </p:cBhvr>
-                                      <p:tavLst>
-                                        <p:tav tm="0">
-                                          <p:val>
-                                            <p:strVal val="0"/>
-                                          </p:val>
-                                        </p:tav>
-                                        <p:tav tm="100000">
-                                          <p:val>
-                                            <p:strVal val="#ppt_w"/>
-                                          </p:val>
-                                        </p:tav>
-                                      </p:tavLst>
-                                    </p:anim>
-                                    <p:anim calcmode="lin" valueType="num">
-                                      <p:cBhvr additive="base">
-                                        <p:cTn id="8" dur="1000"/>
-                                        <p:tgtEl>
-                                          <p:spTgt spid="175">
-                                            <p:txEl>
-                                              <p:pRg st="0" end="0"/>
-                                            </p:txEl>
-                                          </p:spTgt>
-                                        </p:tgtEl>
-                                        <p:attrNameLst>
-                                          <p:attrName>ppt_h</p:attrName>
-                                        </p:attrNameLst>
-                                      </p:cBhvr>
-                                      <p:tavLst>
-                                        <p:tav tm="0">
-                                          <p:val>
-                                            <p:strVal val="0"/>
-                                          </p:val>
-                                        </p:tav>
-                                        <p:tav tm="100000">
-                                          <p:val>
-                                            <p:strVal val="#ppt_h"/>
-                                          </p:val>
-                                        </p:tav>
-                                      </p:tavLst>
-                                    </p:anim>
-                                  </p:childTnLst>
-                                </p:cTn>
-                              </p:par>
-                            </p:childTnLst>
-                          </p:cTn>
-                        </p:par>
-                      </p:childTnLst>
-                    </p:cTn>
-                  </p:par>
-                  <p:par>
-                    <p:cTn id="9" fill="hold">
-                      <p:stCondLst>
-                        <p:cond delay="indefinite"/>
-                      </p:stCondLst>
-                      <p:childTnLst>
-                        <p:par>
-                          <p:cTn id="10" fill="hold">
-                            <p:stCondLst>
-                              <p:cond delay="0"/>
-                            </p:stCondLst>
-                            <p:childTnLst>
-                              <p:par>
-                                <p:cTn id="11" presetID="23" presetClass="entr" presetSubtype="16" fill="hold" nodeType="clickEffect">
-                                  <p:stCondLst>
-                                    <p:cond delay="0"/>
-                                  </p:stCondLst>
-                                  <p:childTnLst>
-                                    <p:set>
-                                      <p:cBhvr>
-                                        <p:cTn id="12" dur="1" fill="hold">
-                                          <p:stCondLst>
-                                            <p:cond delay="0"/>
-                                          </p:stCondLst>
-                                        </p:cTn>
-                                        <p:tgtEl>
-                                          <p:spTgt spid="175">
-                                            <p:txEl>
-                                              <p:pRg st="1" end="1"/>
-                                            </p:txEl>
-                                          </p:spTgt>
-                                        </p:tgtEl>
-                                        <p:attrNameLst>
-                                          <p:attrName>style.visibility</p:attrName>
-                                        </p:attrNameLst>
-                                      </p:cBhvr>
-                                      <p:to>
-                                        <p:strVal val="visible"/>
-                                      </p:to>
-                                    </p:set>
-                                    <p:anim calcmode="lin" valueType="num">
-                                      <p:cBhvr additive="base">
-                                        <p:cTn id="13" dur="1000"/>
-                                        <p:tgtEl>
-                                          <p:spTgt spid="175">
-                                            <p:txEl>
-                                              <p:pRg st="1" end="1"/>
-                                            </p:txEl>
-                                          </p:spTgt>
-                                        </p:tgtEl>
-                                        <p:attrNameLst>
-                                          <p:attrName>ppt_w</p:attrName>
-                                        </p:attrNameLst>
-                                      </p:cBhvr>
-                                      <p:tavLst>
-                                        <p:tav tm="0">
-                                          <p:val>
-                                            <p:strVal val="0"/>
-                                          </p:val>
-                                        </p:tav>
-                                        <p:tav tm="100000">
-                                          <p:val>
-                                            <p:strVal val="#ppt_w"/>
-                                          </p:val>
-                                        </p:tav>
-                                      </p:tavLst>
-                                    </p:anim>
-                                    <p:anim calcmode="lin" valueType="num">
-                                      <p:cBhvr additive="base">
-                                        <p:cTn id="14" dur="1000"/>
-                                        <p:tgtEl>
-                                          <p:spTgt spid="175">
-                                            <p:txEl>
-                                              <p:pRg st="1" end="1"/>
-                                            </p:txEl>
-                                          </p:spTgt>
-                                        </p:tgtEl>
-                                        <p:attrNameLst>
-                                          <p:attrName>ppt_h</p:attrName>
-                                        </p:attrNameLst>
-                                      </p:cBhvr>
-                                      <p:tavLst>
-                                        <p:tav tm="0">
-                                          <p:val>
-                                            <p:strVal val="0"/>
-                                          </p:val>
-                                        </p:tav>
-                                        <p:tav tm="100000">
-                                          <p:val>
-                                            <p:strVal val="#ppt_h"/>
-                                          </p:val>
-                                        </p:tav>
-                                      </p:tavLst>
-                                    </p:anim>
-                                  </p:childTnLst>
-                                </p:cTn>
-                              </p:par>
-                            </p:childTnLst>
-                          </p:cTn>
-                        </p:par>
-                      </p:childTnLst>
-                    </p:cTn>
-                  </p:par>
-                  <p:par>
-                    <p:cTn id="15" fill="hold">
-                      <p:stCondLst>
-                        <p:cond delay="indefinite"/>
-                      </p:stCondLst>
-                      <p:childTnLst>
-                        <p:par>
-                          <p:cTn id="16" fill="hold">
-                            <p:stCondLst>
-                              <p:cond delay="0"/>
-                            </p:stCondLst>
-                            <p:childTnLst>
-                              <p:par>
-                                <p:cTn id="17" presetID="23" presetClass="entr" presetSubtype="16" fill="hold" nodeType="clickEffect">
-                                  <p:stCondLst>
-                                    <p:cond delay="0"/>
-                                  </p:stCondLst>
-                                  <p:childTnLst>
-                                    <p:set>
-                                      <p:cBhvr>
-                                        <p:cTn id="18" dur="1" fill="hold">
-                                          <p:stCondLst>
-                                            <p:cond delay="0"/>
-                                          </p:stCondLst>
-                                        </p:cTn>
-                                        <p:tgtEl>
-                                          <p:spTgt spid="175">
-                                            <p:txEl>
-                                              <p:pRg st="2" end="2"/>
-                                            </p:txEl>
-                                          </p:spTgt>
-                                        </p:tgtEl>
-                                        <p:attrNameLst>
-                                          <p:attrName>style.visibility</p:attrName>
-                                        </p:attrNameLst>
-                                      </p:cBhvr>
-                                      <p:to>
-                                        <p:strVal val="visible"/>
-                                      </p:to>
-                                    </p:set>
-                                    <p:anim calcmode="lin" valueType="num">
-                                      <p:cBhvr additive="base">
-                                        <p:cTn id="19" dur="1000"/>
-                                        <p:tgtEl>
-                                          <p:spTgt spid="175">
-                                            <p:txEl>
-                                              <p:pRg st="2" end="2"/>
-                                            </p:txEl>
-                                          </p:spTgt>
-                                        </p:tgtEl>
-                                        <p:attrNameLst>
-                                          <p:attrName>ppt_w</p:attrName>
-                                        </p:attrNameLst>
-                                      </p:cBhvr>
-                                      <p:tavLst>
-                                        <p:tav tm="0">
-                                          <p:val>
-                                            <p:strVal val="0"/>
-                                          </p:val>
-                                        </p:tav>
-                                        <p:tav tm="100000">
-                                          <p:val>
-                                            <p:strVal val="#ppt_w"/>
-                                          </p:val>
-                                        </p:tav>
-                                      </p:tavLst>
-                                    </p:anim>
-                                    <p:anim calcmode="lin" valueType="num">
-                                      <p:cBhvr additive="base">
-                                        <p:cTn id="20" dur="1000"/>
-                                        <p:tgtEl>
-                                          <p:spTgt spid="175">
-                                            <p:txEl>
-                                              <p:pRg st="2" end="2"/>
-                                            </p:txEl>
-                                          </p:spTgt>
-                                        </p:tgtEl>
-                                        <p:attrNameLst>
-                                          <p:attrName>ppt_h</p:attrName>
-                                        </p:attrNameLst>
-                                      </p:cBhvr>
-                                      <p:tavLst>
-                                        <p:tav tm="0">
-                                          <p:val>
-                                            <p:strVal val="0"/>
-                                          </p:val>
-                                        </p:tav>
-                                        <p:tav tm="100000">
-                                          <p:val>
-                                            <p:strVal val="#ppt_h"/>
-                                          </p:val>
-                                        </p:tav>
-                                      </p:tavLst>
-                                    </p:anim>
-                                  </p:childTnLst>
-                                </p:cTn>
-                              </p:par>
-                            </p:childTnLst>
-                          </p:cTn>
-                        </p:par>
-                      </p:childTnLst>
-                    </p:cTn>
-                  </p:par>
-                  <p:par>
-                    <p:cTn id="21" fill="hold">
-                      <p:stCondLst>
-                        <p:cond delay="indefinite"/>
-                      </p:stCondLst>
-                      <p:childTnLst>
-                        <p:par>
-                          <p:cTn id="22" fill="hold">
-                            <p:stCondLst>
-                              <p:cond delay="0"/>
-                            </p:stCondLst>
-                            <p:childTnLst>
-                              <p:par>
-                                <p:cTn id="23" presetID="23" presetClass="entr" presetSubtype="16" fill="hold" nodeType="clickEffect">
-                                  <p:stCondLst>
-                                    <p:cond delay="0"/>
-                                  </p:stCondLst>
-                                  <p:childTnLst>
-                                    <p:set>
-                                      <p:cBhvr>
-                                        <p:cTn id="24" dur="1" fill="hold">
-                                          <p:stCondLst>
-                                            <p:cond delay="0"/>
-                                          </p:stCondLst>
-                                        </p:cTn>
-                                        <p:tgtEl>
-                                          <p:spTgt spid="175">
-                                            <p:txEl>
-                                              <p:pRg st="3" end="3"/>
-                                            </p:txEl>
-                                          </p:spTgt>
-                                        </p:tgtEl>
-                                        <p:attrNameLst>
-                                          <p:attrName>style.visibility</p:attrName>
-                                        </p:attrNameLst>
-                                      </p:cBhvr>
-                                      <p:to>
-                                        <p:strVal val="visible"/>
-                                      </p:to>
-                                    </p:set>
-                                    <p:anim calcmode="lin" valueType="num">
-                                      <p:cBhvr additive="base">
-                                        <p:cTn id="25" dur="1000"/>
-                                        <p:tgtEl>
-                                          <p:spTgt spid="175">
-                                            <p:txEl>
-                                              <p:pRg st="3" end="3"/>
-                                            </p:txEl>
-                                          </p:spTgt>
-                                        </p:tgtEl>
-                                        <p:attrNameLst>
-                                          <p:attrName>ppt_w</p:attrName>
-                                        </p:attrNameLst>
-                                      </p:cBhvr>
-                                      <p:tavLst>
-                                        <p:tav tm="0">
-                                          <p:val>
-                                            <p:strVal val="0"/>
-                                          </p:val>
-                                        </p:tav>
-                                        <p:tav tm="100000">
-                                          <p:val>
-                                            <p:strVal val="#ppt_w"/>
-                                          </p:val>
-                                        </p:tav>
-                                      </p:tavLst>
-                                    </p:anim>
-                                    <p:anim calcmode="lin" valueType="num">
-                                      <p:cBhvr additive="base">
-                                        <p:cTn id="26" dur="1000"/>
-                                        <p:tgtEl>
-                                          <p:spTgt spid="175">
-                                            <p:txEl>
-                                              <p:pRg st="3" end="3"/>
-                                            </p:txEl>
-                                          </p:spTgt>
-                                        </p:tgtEl>
-                                        <p:attrNameLst>
-                                          <p:attrName>ppt_h</p:attrName>
-                                        </p:attrNameLst>
-                                      </p:cBhvr>
-                                      <p:tavLst>
-                                        <p:tav tm="0">
-                                          <p:val>
-                                            <p:strVal val="0"/>
-                                          </p:val>
-                                        </p:tav>
-                                        <p:tav tm="100000">
-                                          <p:val>
-                                            <p:strVal val="#ppt_h"/>
-                                          </p:val>
-                                        </p:tav>
-                                      </p:tavLst>
-                                    </p:anim>
-                                  </p:childTnLst>
-                                </p:cTn>
-                              </p:par>
-                            </p:childTnLst>
-                          </p:cTn>
-                        </p:par>
-                      </p:childTnLst>
-                    </p:cTn>
-                  </p:par>
-                  <p:par>
-                    <p:cTn id="27" fill="hold">
-                      <p:stCondLst>
-                        <p:cond delay="indefinite"/>
-                      </p:stCondLst>
-                      <p:childTnLst>
-                        <p:par>
-                          <p:cTn id="28" fill="hold">
-                            <p:stCondLst>
-                              <p:cond delay="0"/>
-                            </p:stCondLst>
-                            <p:childTnLst>
-                              <p:par>
-                                <p:cTn id="29" presetID="23" presetClass="entr" presetSubtype="16" fill="hold" nodeType="clickEffect">
-                                  <p:stCondLst>
-                                    <p:cond delay="0"/>
-                                  </p:stCondLst>
-                                  <p:childTnLst>
-                                    <p:set>
-                                      <p:cBhvr>
-                                        <p:cTn id="30" dur="1" fill="hold">
-                                          <p:stCondLst>
-                                            <p:cond delay="0"/>
-                                          </p:stCondLst>
-                                        </p:cTn>
-                                        <p:tgtEl>
-                                          <p:spTgt spid="175">
-                                            <p:txEl>
-                                              <p:pRg st="4" end="4"/>
-                                            </p:txEl>
-                                          </p:spTgt>
-                                        </p:tgtEl>
-                                        <p:attrNameLst>
-                                          <p:attrName>style.visibility</p:attrName>
-                                        </p:attrNameLst>
-                                      </p:cBhvr>
-                                      <p:to>
-                                        <p:strVal val="visible"/>
-                                      </p:to>
-                                    </p:set>
-                                    <p:anim calcmode="lin" valueType="num">
-                                      <p:cBhvr additive="base">
-                                        <p:cTn id="31" dur="1000"/>
-                                        <p:tgtEl>
-                                          <p:spTgt spid="175">
-                                            <p:txEl>
-                                              <p:pRg st="4" end="4"/>
-                                            </p:txEl>
-                                          </p:spTgt>
-                                        </p:tgtEl>
-                                        <p:attrNameLst>
-                                          <p:attrName>ppt_w</p:attrName>
-                                        </p:attrNameLst>
-                                      </p:cBhvr>
-                                      <p:tavLst>
-                                        <p:tav tm="0">
-                                          <p:val>
-                                            <p:strVal val="0"/>
-                                          </p:val>
-                                        </p:tav>
-                                        <p:tav tm="100000">
-                                          <p:val>
-                                            <p:strVal val="#ppt_w"/>
-                                          </p:val>
-                                        </p:tav>
-                                      </p:tavLst>
-                                    </p:anim>
-                                    <p:anim calcmode="lin" valueType="num">
-                                      <p:cBhvr additive="base">
-                                        <p:cTn id="32" dur="1000"/>
-                                        <p:tgtEl>
-                                          <p:spTgt spid="175">
-                                            <p:txEl>
-                                              <p:pRg st="4" end="4"/>
-                                            </p:txEl>
-                                          </p:spTgt>
-                                        </p:tgtEl>
-                                        <p:attrNameLst>
-                                          <p:attrName>ppt_h</p:attrName>
-                                        </p:attrNameLst>
-                                      </p:cBhvr>
-                                      <p:tavLst>
-                                        <p:tav tm="0">
-                                          <p:val>
-                                            <p:strVal val="0"/>
-                                          </p:val>
-                                        </p:tav>
-                                        <p:tav tm="100000">
-                                          <p:val>
-                                            <p:strVal val="#ppt_h"/>
-                                          </p:val>
-                                        </p:tav>
-                                      </p:tavLst>
-                                    </p:anim>
-                                  </p:childTnLst>
-                                </p:cTn>
-                              </p:par>
-                            </p:childTnLst>
-                          </p:cTn>
-                        </p:par>
-                      </p:childTnLst>
-                    </p:cTn>
-                  </p:par>
-                  <p:par>
-                    <p:cTn id="33" fill="hold">
-                      <p:stCondLst>
-                        <p:cond delay="indefinite"/>
-                      </p:stCondLst>
-                      <p:childTnLst>
-                        <p:par>
-                          <p:cTn id="34" fill="hold">
-                            <p:stCondLst>
-                              <p:cond delay="0"/>
-                            </p:stCondLst>
-                            <p:childTnLst>
-                              <p:par>
-                                <p:cTn id="35" presetID="23" presetClass="entr" presetSubtype="16" fill="hold" nodeType="clickEffect">
-                                  <p:stCondLst>
-                                    <p:cond delay="0"/>
-                                  </p:stCondLst>
-                                  <p:childTnLst>
-                                    <p:set>
-                                      <p:cBhvr>
-                                        <p:cTn id="36" dur="1" fill="hold">
-                                          <p:stCondLst>
-                                            <p:cond delay="0"/>
-                                          </p:stCondLst>
-                                        </p:cTn>
-                                        <p:tgtEl>
-                                          <p:spTgt spid="175">
-                                            <p:txEl>
-                                              <p:pRg st="5" end="5"/>
-                                            </p:txEl>
-                                          </p:spTgt>
-                                        </p:tgtEl>
-                                        <p:attrNameLst>
-                                          <p:attrName>style.visibility</p:attrName>
-                                        </p:attrNameLst>
-                                      </p:cBhvr>
-                                      <p:to>
-                                        <p:strVal val="visible"/>
-                                      </p:to>
-                                    </p:set>
-                                    <p:anim calcmode="lin" valueType="num">
-                                      <p:cBhvr additive="base">
-                                        <p:cTn id="37" dur="1000"/>
-                                        <p:tgtEl>
-                                          <p:spTgt spid="175">
-                                            <p:txEl>
-                                              <p:pRg st="5" end="5"/>
-                                            </p:txEl>
-                                          </p:spTgt>
-                                        </p:tgtEl>
-                                        <p:attrNameLst>
-                                          <p:attrName>ppt_w</p:attrName>
-                                        </p:attrNameLst>
-                                      </p:cBhvr>
-                                      <p:tavLst>
-                                        <p:tav tm="0">
-                                          <p:val>
-                                            <p:strVal val="0"/>
-                                          </p:val>
-                                        </p:tav>
-                                        <p:tav tm="100000">
-                                          <p:val>
-                                            <p:strVal val="#ppt_w"/>
-                                          </p:val>
-                                        </p:tav>
-                                      </p:tavLst>
-                                    </p:anim>
-                                    <p:anim calcmode="lin" valueType="num">
-                                      <p:cBhvr additive="base">
-                                        <p:cTn id="38" dur="1000"/>
-                                        <p:tgtEl>
-                                          <p:spTgt spid="175">
-                                            <p:txEl>
-                                              <p:pRg st="5" end="5"/>
-                                            </p:txEl>
-                                          </p:spTgt>
-                                        </p:tgtEl>
-                                        <p:attrNameLst>
-                                          <p:attrName>ppt_h</p:attrName>
-                                        </p:attrNameLst>
-                                      </p:cBhvr>
-                                      <p:tavLst>
-                                        <p:tav tm="0">
-                                          <p:val>
-                                            <p:strVal val="0"/>
-                                          </p:val>
-                                        </p:tav>
-                                        <p:tav tm="100000">
-                                          <p:val>
-                                            <p:strVal val="#ppt_h"/>
-                                          </p:val>
-                                        </p:tav>
-                                      </p:tavLst>
-                                    </p:anim>
-                                  </p:childTnLst>
-                                </p:cTn>
-                              </p:par>
-                            </p:childTnLst>
-                          </p:cTn>
-                        </p:par>
-                      </p:childTnLst>
-                    </p:cTn>
-                  </p:par>
-                  <p:par>
-                    <p:cTn id="39" fill="hold">
-                      <p:stCondLst>
-                        <p:cond delay="indefinite"/>
-                      </p:stCondLst>
-                      <p:childTnLst>
-                        <p:par>
-                          <p:cTn id="40" fill="hold">
-                            <p:stCondLst>
-                              <p:cond delay="0"/>
-                            </p:stCondLst>
-                            <p:childTnLst>
-                              <p:par>
-                                <p:cTn id="41" presetID="23" presetClass="entr" presetSubtype="16" fill="hold" nodeType="clickEffect">
-                                  <p:stCondLst>
-                                    <p:cond delay="0"/>
-                                  </p:stCondLst>
-                                  <p:childTnLst>
-                                    <p:set>
-                                      <p:cBhvr>
-                                        <p:cTn id="42" dur="1" fill="hold">
-                                          <p:stCondLst>
-                                            <p:cond delay="0"/>
-                                          </p:stCondLst>
-                                        </p:cTn>
-                                        <p:tgtEl>
-                                          <p:spTgt spid="175">
-                                            <p:txEl>
-                                              <p:pRg st="6" end="6"/>
-                                            </p:txEl>
-                                          </p:spTgt>
-                                        </p:tgtEl>
-                                        <p:attrNameLst>
-                                          <p:attrName>style.visibility</p:attrName>
-                                        </p:attrNameLst>
-                                      </p:cBhvr>
-                                      <p:to>
-                                        <p:strVal val="visible"/>
-                                      </p:to>
-                                    </p:set>
-                                    <p:anim calcmode="lin" valueType="num">
-                                      <p:cBhvr additive="base">
-                                        <p:cTn id="43" dur="1000"/>
-                                        <p:tgtEl>
-                                          <p:spTgt spid="175">
-                                            <p:txEl>
-                                              <p:pRg st="6" end="6"/>
-                                            </p:txEl>
-                                          </p:spTgt>
-                                        </p:tgtEl>
-                                        <p:attrNameLst>
-                                          <p:attrName>ppt_w</p:attrName>
-                                        </p:attrNameLst>
-                                      </p:cBhvr>
-                                      <p:tavLst>
-                                        <p:tav tm="0">
-                                          <p:val>
-                                            <p:strVal val="0"/>
-                                          </p:val>
-                                        </p:tav>
-                                        <p:tav tm="100000">
-                                          <p:val>
-                                            <p:strVal val="#ppt_w"/>
-                                          </p:val>
-                                        </p:tav>
-                                      </p:tavLst>
-                                    </p:anim>
-                                    <p:anim calcmode="lin" valueType="num">
-                                      <p:cBhvr additive="base">
-                                        <p:cTn id="44" dur="1000"/>
-                                        <p:tgtEl>
-                                          <p:spTgt spid="175">
-                                            <p:txEl>
-                                              <p:pRg st="6" end="6"/>
-                                            </p:txEl>
-                                          </p:spTgt>
-                                        </p:tgtEl>
-                                        <p:attrNameLst>
-                                          <p:attrName>ppt_h</p:attrName>
-                                        </p:attrNameLst>
-                                      </p:cBhvr>
-                                      <p:tavLst>
-                                        <p:tav tm="0">
-                                          <p:val>
-                                            <p:strVal val="0"/>
-                                          </p:val>
-                                        </p:tav>
-                                        <p:tav tm="100000">
-                                          <p:val>
-                                            <p:strVal val="#ppt_h"/>
-                                          </p:val>
-                                        </p:tav>
-                                      </p:tavLst>
-                                    </p:anim>
-                                  </p:childTnLst>
-                                </p:cTn>
-                              </p:par>
-                            </p:childTnLst>
-                          </p:cTn>
-                        </p:par>
-                      </p:childTnLst>
-                    </p:cTn>
-                  </p:par>
-                  <p:par>
-                    <p:cTn id="45" fill="hold">
-                      <p:stCondLst>
-                        <p:cond delay="indefinite"/>
-                      </p:stCondLst>
-                      <p:childTnLst>
-                        <p:par>
-                          <p:cTn id="46" fill="hold">
-                            <p:stCondLst>
-                              <p:cond delay="0"/>
-                            </p:stCondLst>
-                            <p:childTnLst>
-                              <p:par>
-                                <p:cTn id="47" presetID="23" presetClass="entr" presetSubtype="16" fill="hold" nodeType="clickEffect">
-                                  <p:stCondLst>
-                                    <p:cond delay="0"/>
-                                  </p:stCondLst>
-                                  <p:childTnLst>
-                                    <p:set>
-                                      <p:cBhvr>
-                                        <p:cTn id="48" dur="1" fill="hold">
-                                          <p:stCondLst>
-                                            <p:cond delay="0"/>
-                                          </p:stCondLst>
-                                        </p:cTn>
-                                        <p:tgtEl>
-                                          <p:spTgt spid="175">
-                                            <p:txEl>
-                                              <p:pRg st="7" end="7"/>
-                                            </p:txEl>
-                                          </p:spTgt>
-                                        </p:tgtEl>
-                                        <p:attrNameLst>
-                                          <p:attrName>style.visibility</p:attrName>
-                                        </p:attrNameLst>
-                                      </p:cBhvr>
-                                      <p:to>
-                                        <p:strVal val="visible"/>
-                                      </p:to>
-                                    </p:set>
-                                    <p:anim calcmode="lin" valueType="num">
-                                      <p:cBhvr additive="base">
-                                        <p:cTn id="49" dur="1000"/>
-                                        <p:tgtEl>
-                                          <p:spTgt spid="175">
-                                            <p:txEl>
-                                              <p:pRg st="7" end="7"/>
-                                            </p:txEl>
-                                          </p:spTgt>
-                                        </p:tgtEl>
-                                        <p:attrNameLst>
-                                          <p:attrName>ppt_w</p:attrName>
-                                        </p:attrNameLst>
-                                      </p:cBhvr>
-                                      <p:tavLst>
-                                        <p:tav tm="0">
-                                          <p:val>
-                                            <p:strVal val="0"/>
-                                          </p:val>
-                                        </p:tav>
-                                        <p:tav tm="100000">
-                                          <p:val>
-                                            <p:strVal val="#ppt_w"/>
-                                          </p:val>
-                                        </p:tav>
-                                      </p:tavLst>
-                                    </p:anim>
-                                    <p:anim calcmode="lin" valueType="num">
-                                      <p:cBhvr additive="base">
-                                        <p:cTn id="50" dur="1000"/>
-                                        <p:tgtEl>
-                                          <p:spTgt spid="175">
-                                            <p:txEl>
-                                              <p:pRg st="7" end="7"/>
-                                            </p:txEl>
-                                          </p:spTgt>
-                                        </p:tgtEl>
-                                        <p:attrNameLst>
-                                          <p:attrName>ppt_h</p:attrName>
-                                        </p:attrNameLst>
-                                      </p:cBhvr>
-                                      <p:tavLst>
-                                        <p:tav tm="0">
-                                          <p:val>
-                                            <p:strVal val="0"/>
-                                          </p:val>
-                                        </p:tav>
-                                        <p:tav tm="100000">
-                                          <p:val>
-                                            <p:strVal val="#ppt_h"/>
-                                          </p:val>
-                                        </p:tav>
-                                      </p:tavLst>
-                                    </p:anim>
-                                  </p:childTnLst>
-                                </p:cTn>
-                              </p:par>
-                            </p:childTnLst>
-                          </p:cTn>
-                        </p:par>
-                      </p:childTnLst>
-                    </p:cTn>
-                  </p:par>
-                </p:childTnLst>
-              </p:cTn>
-              <p:prevCondLst>
-                <p:cond evt="onPrev" delay="0">
-                  <p:tgtEl>
-                    <p:sldTgt/>
-                  </p:tgtEl>
-                </p:cond>
-              </p:prevCondLst>
-              <p:nextCondLst>
-                <p:cond evt="onNext" delay="0">
-                  <p:tgtEl>
-                    <p:sldTgt/>
-                  </p:tgtEl>
-                </p:cond>
-              </p:nextCondLst>
-            </p:seq>
-          </p:childTnLst>
-        </p:cTn>
-      </p:par>
-    </p:tnLst>
-  </p:timing>
-</p:sld>
-</file>
-
-<file path=ppt/slides/slide18.xml><?xml version="1.0" encoding="utf-8"?>
-<p:sld xmlns:a="http://schemas.openxmlformats.org/drawingml/2006/main" xmlns:r="http://schemas.openxmlformats.org/officeDocument/2006/relationships" xmlns:p="http://schemas.openxmlformats.org/presentationml/2006/main">
-  <p:cSld>
-    <p:spTree>
-      <p:nvGrpSpPr>
-        <p:cNvPr id="1" name="Shape 180"/>
-        <p:cNvGrpSpPr/>
-        <p:nvPr/>
-      </p:nvGrpSpPr>
-      <p:grpSpPr>
-        <a:xfrm>
-          <a:off x="0" y="0"/>
-          <a:ext cx="0" cy="0"/>
-          <a:chOff x="0" y="0"/>
-          <a:chExt cx="0" cy="0"/>
-        </a:xfrm>
-      </p:grpSpPr>
-      <p:sp>
-        <p:nvSpPr>
-          <p:cNvPr id="181" name="Google Shape;181;p32"/>
-          <p:cNvSpPr txBox="1">
-            <a:spLocks noGrp="1"/>
-          </p:cNvSpPr>
-          <p:nvPr>
-            <p:ph type="title"/>
-          </p:nvPr>
-        </p:nvSpPr>
-        <p:spPr>
-          <a:xfrm>
-            <a:off x="265500" y="316700"/>
-            <a:ext cx="3163500" cy="2607600"/>
-          </a:xfrm>
-          <a:prstGeom prst="rect">
-            <a:avLst/>
-          </a:prstGeom>
-        </p:spPr>
-        <p:txBody>
-          <a:bodyPr spcFirstLastPara="1" wrap="square" lIns="91425" tIns="91425" rIns="91425" bIns="91425" anchor="t" anchorCtr="0">
-            <a:normAutofit/>
-          </a:bodyPr>
-          <a:lstStyle/>
-          <a:p>
-            <a:pPr marL="0" lvl="0" indent="0" algn="l" rtl="0">
-              <a:spcBef>
-                <a:spcPts val="0"/>
-              </a:spcBef>
-              <a:spcAft>
-                <a:spcPts val="0"/>
-              </a:spcAft>
-              <a:buNone/>
-            </a:pPr>
-            <a:r>
-              <a:rPr lang="en"/>
-              <a:t>The Dashboard</a:t>
-            </a:r>
-            <a:endParaRPr/>
-          </a:p>
-        </p:txBody>
-      </p:sp>
-      <p:sp>
-        <p:nvSpPr>
-          <p:cNvPr id="182" name="Google Shape;182;p32"/>
-          <p:cNvSpPr txBox="1">
-            <a:spLocks noGrp="1"/>
-          </p:cNvSpPr>
-          <p:nvPr>
-            <p:ph type="body" idx="1"/>
-          </p:nvPr>
-        </p:nvSpPr>
-        <p:spPr>
-          <a:xfrm>
-            <a:off x="4283675" y="316700"/>
-            <a:ext cx="4407300" cy="4389300"/>
-          </a:xfrm>
-          <a:prstGeom prst="rect">
-            <a:avLst/>
-          </a:prstGeom>
-        </p:spPr>
-        <p:txBody>
-          <a:bodyPr spcFirstLastPara="1" wrap="square" lIns="91425" tIns="91425" rIns="91425" bIns="91425" anchor="t" anchorCtr="0">
-            <a:normAutofit/>
-          </a:bodyPr>
-          <a:lstStyle/>
-          <a:p>
-            <a:pPr marL="0" lvl="0" indent="0" algn="l" rtl="0">
-              <a:spcBef>
-                <a:spcPts val="0"/>
-              </a:spcBef>
-              <a:spcAft>
-                <a:spcPts val="1600"/>
-              </a:spcAft>
-              <a:buNone/>
-            </a:pPr>
-            <a:r>
-              <a:rPr lang="en" u="sng">
-                <a:solidFill>
-                  <a:schemeClr val="hlink"/>
-                </a:solidFill>
-                <a:hlinkClick r:id="rId3"/>
-              </a:rPr>
-              <a:t>Dashboard</a:t>
-            </a:r>
-            <a:endParaRPr/>
-          </a:p>
-        </p:txBody>
-      </p:sp>
-      <p:pic>
-        <p:nvPicPr>
-          <p:cNvPr id="183" name="Google Shape;183;p32"/>
-          <p:cNvPicPr preferRelativeResize="0"/>
-          <p:nvPr/>
-        </p:nvPicPr>
-        <p:blipFill>
-          <a:blip r:embed="rId4">
-            <a:alphaModFix/>
-          </a:blip>
-          <a:stretch>
-            <a:fillRect/>
-          </a:stretch>
-        </p:blipFill>
-        <p:spPr>
-          <a:xfrm>
-            <a:off x="4399000" y="734675"/>
-            <a:ext cx="3555900" cy="4137800"/>
-          </a:xfrm>
-          <a:prstGeom prst="rect">
-            <a:avLst/>
-          </a:prstGeom>
-          <a:noFill/>
-          <a:ln>
-            <a:noFill/>
-          </a:ln>
-        </p:spPr>
-      </p:pic>
-    </p:spTree>
-  </p:cSld>
-  <p:clrMapOvr>
-    <a:masterClrMapping/>
-  </p:clrMapOvr>
-  <p:timing>
-    <p:tnLst>
-      <p:par>
-        <p:cTn id="1" dur="indefinite" restart="never" nodeType="tmRoot">
-          <p:childTnLst>
-            <p:seq concurrent="1" nextAc="seek">
-              <p:cTn id="2" dur="indefinite" nodeType="mainSeq">
-                <p:childTnLst>
-                  <p:par>
-                    <p:cTn id="3" fill="hold">
-                      <p:stCondLst>
-                        <p:cond delay="indefinite"/>
-                      </p:stCondLst>
-                      <p:childTnLst>
-                        <p:par>
-                          <p:cTn id="4" fill="hold">
-                            <p:stCondLst>
-                              <p:cond delay="0"/>
-                            </p:stCondLst>
-                            <p:childTnLst>
-                              <p:par>
-                                <p:cTn id="5" presetID="23" presetClass="entr" presetSubtype="16" fill="hold" nodeType="clickEffect">
-                                  <p:stCondLst>
-                                    <p:cond delay="0"/>
-                                  </p:stCondLst>
-                                  <p:childTnLst>
-                                    <p:set>
-                                      <p:cBhvr>
-                                        <p:cTn id="6" dur="1" fill="hold">
-                                          <p:stCondLst>
-                                            <p:cond delay="0"/>
-                                          </p:stCondLst>
-                                        </p:cTn>
-                                        <p:tgtEl>
-                                          <p:spTgt spid="182">
-                                            <p:txEl>
-                                              <p:pRg st="0" end="0"/>
-                                            </p:txEl>
-                                          </p:spTgt>
-                                        </p:tgtEl>
-                                        <p:attrNameLst>
-                                          <p:attrName>style.visibility</p:attrName>
-                                        </p:attrNameLst>
-                                      </p:cBhvr>
-                                      <p:to>
-                                        <p:strVal val="visible"/>
-                                      </p:to>
-                                    </p:set>
-                                    <p:anim calcmode="lin" valueType="num">
-                                      <p:cBhvr additive="base">
-                                        <p:cTn id="7" dur="1000"/>
-                                        <p:tgtEl>
-                                          <p:spTgt spid="182">
-                                            <p:txEl>
-                                              <p:pRg st="0" end="0"/>
-                                            </p:txEl>
-                                          </p:spTgt>
-                                        </p:tgtEl>
-                                        <p:attrNameLst>
-                                          <p:attrName>ppt_w</p:attrName>
-                                        </p:attrNameLst>
-                                      </p:cBhvr>
-                                      <p:tavLst>
-                                        <p:tav tm="0">
-                                          <p:val>
-                                            <p:strVal val="0"/>
-                                          </p:val>
-                                        </p:tav>
-                                        <p:tav tm="100000">
-                                          <p:val>
-                                            <p:strVal val="#ppt_w"/>
-                                          </p:val>
-                                        </p:tav>
-                                      </p:tavLst>
-                                    </p:anim>
-                                    <p:anim calcmode="lin" valueType="num">
-                                      <p:cBhvr additive="base">
-                                        <p:cTn id="8" dur="1000"/>
-                                        <p:tgtEl>
-                                          <p:spTgt spid="182">
-                                            <p:txEl>
-                                              <p:pRg st="0" end="0"/>
-                                            </p:txEl>
-                                          </p:spTgt>
-                                        </p:tgtEl>
-                                        <p:attrNameLst>
-                                          <p:attrName>ppt_h</p:attrName>
-                                        </p:attrNameLst>
-                                      </p:cBhvr>
-                                      <p:tavLst>
-                                        <p:tav tm="0">
-                                          <p:val>
-                                            <p:strVal val="0"/>
-                                          </p:val>
-                                        </p:tav>
-                                        <p:tav tm="100000">
-                                          <p:val>
-                                            <p:strVal val="#ppt_h"/>
-                                          </p:val>
-                                        </p:tav>
-                                      </p:tavLst>
-                                    </p:anim>
-                                  </p:childTnLst>
-                                </p:cTn>
-                              </p:par>
-                            </p:childTnLst>
-                          </p:cTn>
-                        </p:par>
-                      </p:childTnLst>
-                    </p:cTn>
-                  </p:par>
-                </p:childTnLst>
-              </p:cTn>
-              <p:prevCondLst>
-                <p:cond evt="onPrev" delay="0">
-                  <p:tgtEl>
-                    <p:sldTgt/>
-                  </p:tgtEl>
-                </p:cond>
-              </p:prevCondLst>
-              <p:nextCondLst>
-                <p:cond evt="onNext" delay="0">
-                  <p:tgtEl>
-                    <p:sldTgt/>
-                  </p:tgtEl>
-                </p:cond>
-              </p:nextCondLst>
-            </p:seq>
-          </p:childTnLst>
-        </p:cTn>
-      </p:par>
-    </p:tnLst>
-  </p:timing>
-</p:sld>
-</file>
-
-<file path=ppt/slides/slide19.xml><?xml version="1.0" encoding="utf-8"?>
-<p:sld xmlns:a="http://schemas.openxmlformats.org/drawingml/2006/main" xmlns:r="http://schemas.openxmlformats.org/officeDocument/2006/relationships" xmlns:p="http://schemas.openxmlformats.org/presentationml/2006/main">
-  <p:cSld>
-    <p:spTree>
-      <p:nvGrpSpPr>
-        <p:cNvPr id="1" name="Shape 187"/>
-        <p:cNvGrpSpPr/>
-        <p:nvPr/>
-      </p:nvGrpSpPr>
-      <p:grpSpPr>
-        <a:xfrm>
-          <a:off x="0" y="0"/>
-          <a:ext cx="0" cy="0"/>
-          <a:chOff x="0" y="0"/>
-          <a:chExt cx="0" cy="0"/>
-        </a:xfrm>
-      </p:grpSpPr>
-      <p:sp>
-        <p:nvSpPr>
-          <p:cNvPr id="188" name="Google Shape;188;p33"/>
-          <p:cNvSpPr txBox="1">
-            <a:spLocks noGrp="1"/>
-          </p:cNvSpPr>
-          <p:nvPr>
-            <p:ph type="title"/>
-          </p:nvPr>
-        </p:nvSpPr>
-        <p:spPr>
-          <a:xfrm>
-            <a:off x="265500" y="316700"/>
-            <a:ext cx="3163500" cy="2607600"/>
-          </a:xfrm>
-          <a:prstGeom prst="rect">
-            <a:avLst/>
-          </a:prstGeom>
-        </p:spPr>
-        <p:txBody>
-          <a:bodyPr spcFirstLastPara="1" wrap="square" lIns="91425" tIns="91425" rIns="91425" bIns="91425" anchor="t" anchorCtr="0">
-            <a:normAutofit/>
-          </a:bodyPr>
-          <a:lstStyle/>
-          <a:p>
-            <a:pPr marL="0" lvl="0" indent="0" algn="l" rtl="0">
-              <a:spcBef>
-                <a:spcPts val="0"/>
-              </a:spcBef>
-              <a:spcAft>
-                <a:spcPts val="0"/>
-              </a:spcAft>
-              <a:buNone/>
-            </a:pPr>
-            <a:r>
-              <a:rPr lang="en"/>
-              <a:t>Final Thoughts…</a:t>
-            </a:r>
-            <a:endParaRPr/>
-          </a:p>
-        </p:txBody>
-      </p:sp>
-      <p:sp>
-        <p:nvSpPr>
-          <p:cNvPr id="189" name="Google Shape;189;p33"/>
-          <p:cNvSpPr txBox="1">
-            <a:spLocks noGrp="1"/>
-          </p:cNvSpPr>
-          <p:nvPr>
-            <p:ph type="body" idx="1"/>
-          </p:nvPr>
-        </p:nvSpPr>
-        <p:spPr>
-          <a:xfrm>
-            <a:off x="4283675" y="316700"/>
-            <a:ext cx="4407300" cy="4389300"/>
-          </a:xfrm>
-          <a:prstGeom prst="rect">
-            <a:avLst/>
-          </a:prstGeom>
-        </p:spPr>
-        <p:txBody>
-          <a:bodyPr spcFirstLastPara="1" wrap="square" lIns="91425" tIns="91425" rIns="91425" bIns="91425" anchor="t" anchorCtr="0">
-            <a:normAutofit/>
-          </a:bodyPr>
-          <a:lstStyle/>
-          <a:p>
-            <a:pPr marL="457200" lvl="0" indent="0" algn="l" rtl="0">
-              <a:spcBef>
-                <a:spcPts val="0"/>
-              </a:spcBef>
-              <a:spcAft>
-                <a:spcPts val="0"/>
-              </a:spcAft>
-              <a:buNone/>
-            </a:pPr>
-            <a:r>
-              <a:rPr lang="en"/>
-              <a:t>Add what could have been done differently.</a:t>
-            </a:r>
-            <a:endParaRPr/>
-          </a:p>
-          <a:p>
-            <a:pPr marL="914400" lvl="0" indent="0" algn="l" rtl="0">
-              <a:spcBef>
-                <a:spcPts val="1600"/>
-              </a:spcBef>
-              <a:spcAft>
-                <a:spcPts val="0"/>
-              </a:spcAft>
-              <a:buNone/>
-            </a:pPr>
-            <a:endParaRPr/>
-          </a:p>
-          <a:p>
-            <a:pPr marL="0" lvl="0" indent="0" algn="l" rtl="0">
-              <a:spcBef>
-                <a:spcPts val="1600"/>
-              </a:spcBef>
-              <a:spcAft>
-                <a:spcPts val="1600"/>
-              </a:spcAft>
-              <a:buNone/>
-            </a:pPr>
-            <a:endParaRPr/>
-          </a:p>
-        </p:txBody>
-      </p:sp>
-    </p:spTree>
-  </p:cSld>
-  <p:clrMapOvr>
-    <a:masterClrMapping/>
-  </p:clrMapOvr>
-  <p:timing>
-    <p:tnLst>
-      <p:par>
-        <p:cTn id="1" dur="indefinite" restart="never" nodeType="tmRoot">
-          <p:childTnLst>
-            <p:seq concurrent="1" nextAc="seek">
-              <p:cTn id="2" dur="indefinite" nodeType="mainSeq">
-                <p:childTnLst>
-                  <p:par>
-                    <p:cTn id="3" fill="hold">
-                      <p:stCondLst>
-                        <p:cond delay="indefinite"/>
-                      </p:stCondLst>
-                      <p:childTnLst>
-                        <p:par>
-                          <p:cTn id="4" fill="hold">
-                            <p:stCondLst>
-                              <p:cond delay="0"/>
-                            </p:stCondLst>
-                            <p:childTnLst>
-                              <p:par>
-                                <p:cTn id="5" presetID="23" presetClass="entr" presetSubtype="16" fill="hold" nodeType="clickEffect">
-                                  <p:stCondLst>
-                                    <p:cond delay="0"/>
-                                  </p:stCondLst>
-                                  <p:childTnLst>
-                                    <p:set>
-                                      <p:cBhvr>
-                                        <p:cTn id="6" dur="1" fill="hold">
-                                          <p:stCondLst>
-                                            <p:cond delay="0"/>
-                                          </p:stCondLst>
-                                        </p:cTn>
-                                        <p:tgtEl>
-                                          <p:spTgt spid="189">
-                                            <p:txEl>
-                                              <p:pRg st="0" end="0"/>
-                                            </p:txEl>
-                                          </p:spTgt>
-                                        </p:tgtEl>
-                                        <p:attrNameLst>
-                                          <p:attrName>style.visibility</p:attrName>
-                                        </p:attrNameLst>
-                                      </p:cBhvr>
-                                      <p:to>
-                                        <p:strVal val="visible"/>
-                                      </p:to>
-                                    </p:set>
-                                    <p:anim calcmode="lin" valueType="num">
-                                      <p:cBhvr additive="base">
-                                        <p:cTn id="7" dur="1000"/>
-                                        <p:tgtEl>
-                                          <p:spTgt spid="189">
-                                            <p:txEl>
-                                              <p:pRg st="0" end="0"/>
-                                            </p:txEl>
-                                          </p:spTgt>
-                                        </p:tgtEl>
-                                        <p:attrNameLst>
-                                          <p:attrName>ppt_w</p:attrName>
-                                        </p:attrNameLst>
-                                      </p:cBhvr>
-                                      <p:tavLst>
-                                        <p:tav tm="0">
-                                          <p:val>
-                                            <p:strVal val="0"/>
-                                          </p:val>
-                                        </p:tav>
-                                        <p:tav tm="100000">
-                                          <p:val>
-                                            <p:strVal val="#ppt_w"/>
-                                          </p:val>
-                                        </p:tav>
-                                      </p:tavLst>
-                                    </p:anim>
-                                    <p:anim calcmode="lin" valueType="num">
-                                      <p:cBhvr additive="base">
-                                        <p:cTn id="8" dur="1000"/>
-                                        <p:tgtEl>
-                                          <p:spTgt spid="189">
-                                            <p:txEl>
-                                              <p:pRg st="0" end="0"/>
-                                            </p:txEl>
-                                          </p:spTgt>
-                                        </p:tgtEl>
-                                        <p:attrNameLst>
-                                          <p:attrName>ppt_h</p:attrName>
-                                        </p:attrNameLst>
-                                      </p:cBhvr>
-                                      <p:tavLst>
-                                        <p:tav tm="0">
-                                          <p:val>
-                                            <p:strVal val="0"/>
-                                          </p:val>
-                                        </p:tav>
-                                        <p:tav tm="100000">
-                                          <p:val>
-                                            <p:strVal val="#ppt_h"/>
-                                          </p:val>
-                                        </p:tav>
-                                      </p:tavLst>
-                                    </p:anim>
-                                  </p:childTnLst>
-                                </p:cTn>
-                              </p:par>
-                            </p:childTnLst>
-                          </p:cTn>
-                        </p:par>
-                      </p:childTnLst>
-                    </p:cTn>
-                  </p:par>
-                  <p:par>
-                    <p:cTn id="9" fill="hold">
-                      <p:stCondLst>
-                        <p:cond delay="indefinite"/>
-                      </p:stCondLst>
-                      <p:childTnLst>
-                        <p:par>
-                          <p:cTn id="10" fill="hold">
-                            <p:stCondLst>
-                              <p:cond delay="0"/>
-                            </p:stCondLst>
-                            <p:childTnLst>
-                              <p:par>
-                                <p:cTn id="11" presetID="23" presetClass="entr" presetSubtype="16" fill="hold" nodeType="clickEffect">
-                                  <p:stCondLst>
-                                    <p:cond delay="0"/>
-                                  </p:stCondLst>
-                                  <p:childTnLst>
-                                    <p:set>
-                                      <p:cBhvr>
-                                        <p:cTn id="12" dur="1" fill="hold">
-                                          <p:stCondLst>
-                                            <p:cond delay="0"/>
-                                          </p:stCondLst>
-                                        </p:cTn>
-                                        <p:tgtEl>
-                                          <p:spTgt spid="189">
-                                            <p:txEl>
-                                              <p:pRg st="1" end="1"/>
-                                            </p:txEl>
-                                          </p:spTgt>
-                                        </p:tgtEl>
-                                        <p:attrNameLst>
-                                          <p:attrName>style.visibility</p:attrName>
-                                        </p:attrNameLst>
-                                      </p:cBhvr>
-                                      <p:to>
-                                        <p:strVal val="visible"/>
-                                      </p:to>
-                                    </p:set>
-                                    <p:anim calcmode="lin" valueType="num">
-                                      <p:cBhvr additive="base">
-                                        <p:cTn id="13" dur="1000"/>
-                                        <p:tgtEl>
-                                          <p:spTgt spid="189">
-                                            <p:txEl>
-                                              <p:pRg st="1" end="1"/>
-                                            </p:txEl>
-                                          </p:spTgt>
-                                        </p:tgtEl>
-                                        <p:attrNameLst>
-                                          <p:attrName>ppt_w</p:attrName>
-                                        </p:attrNameLst>
-                                      </p:cBhvr>
-                                      <p:tavLst>
-                                        <p:tav tm="0">
-                                          <p:val>
-                                            <p:strVal val="0"/>
-                                          </p:val>
-                                        </p:tav>
-                                        <p:tav tm="100000">
-                                          <p:val>
-                                            <p:strVal val="#ppt_w"/>
-                                          </p:val>
-                                        </p:tav>
-                                      </p:tavLst>
-                                    </p:anim>
-                                    <p:anim calcmode="lin" valueType="num">
-                                      <p:cBhvr additive="base">
-                                        <p:cTn id="14" dur="1000"/>
-                                        <p:tgtEl>
-                                          <p:spTgt spid="189">
-                                            <p:txEl>
-                                              <p:pRg st="1" end="1"/>
-                                            </p:txEl>
-                                          </p:spTgt>
-                                        </p:tgtEl>
-                                        <p:attrNameLst>
-                                          <p:attrName>ppt_h</p:attrName>
-                                        </p:attrNameLst>
-                                      </p:cBhvr>
-                                      <p:tavLst>
-                                        <p:tav tm="0">
-                                          <p:val>
-                                            <p:strVal val="0"/>
-                                          </p:val>
-                                        </p:tav>
-                                        <p:tav tm="100000">
-                                          <p:val>
-                                            <p:strVal val="#ppt_h"/>
-                                          </p:val>
-                                        </p:tav>
-                                      </p:tavLst>
-                                    </p:anim>
-                                  </p:childTnLst>
-                                </p:cTn>
-                              </p:par>
-                            </p:childTnLst>
-                          </p:cTn>
-                        </p:par>
-                      </p:childTnLst>
-                    </p:cTn>
-                  </p:par>
-                  <p:par>
-                    <p:cTn id="15" fill="hold">
-                      <p:stCondLst>
-                        <p:cond delay="indefinite"/>
-                      </p:stCondLst>
-                      <p:childTnLst>
-                        <p:par>
-                          <p:cTn id="16" fill="hold">
-                            <p:stCondLst>
-                              <p:cond delay="0"/>
-                            </p:stCondLst>
-                            <p:childTnLst>
-                              <p:par>
-                                <p:cTn id="17" presetID="23" presetClass="entr" presetSubtype="16" fill="hold" nodeType="clickEffect">
-                                  <p:stCondLst>
-                                    <p:cond delay="0"/>
-                                  </p:stCondLst>
-                                  <p:childTnLst>
-                                    <p:set>
-                                      <p:cBhvr>
-                                        <p:cTn id="18" dur="1" fill="hold">
-                                          <p:stCondLst>
-                                            <p:cond delay="0"/>
-                                          </p:stCondLst>
-                                        </p:cTn>
-                                        <p:tgtEl>
-                                          <p:spTgt spid="189">
-                                            <p:txEl>
-                                              <p:pRg st="2" end="2"/>
-                                            </p:txEl>
-                                          </p:spTgt>
-                                        </p:tgtEl>
-                                        <p:attrNameLst>
-                                          <p:attrName>style.visibility</p:attrName>
-                                        </p:attrNameLst>
-                                      </p:cBhvr>
-                                      <p:to>
-                                        <p:strVal val="visible"/>
-                                      </p:to>
-                                    </p:set>
-                                    <p:anim calcmode="lin" valueType="num">
-                                      <p:cBhvr additive="base">
-                                        <p:cTn id="19" dur="1000"/>
-                                        <p:tgtEl>
-                                          <p:spTgt spid="189">
-                                            <p:txEl>
-                                              <p:pRg st="2" end="2"/>
-                                            </p:txEl>
-                                          </p:spTgt>
-                                        </p:tgtEl>
-                                        <p:attrNameLst>
-                                          <p:attrName>ppt_w</p:attrName>
-                                        </p:attrNameLst>
-                                      </p:cBhvr>
-                                      <p:tavLst>
-                                        <p:tav tm="0">
-                                          <p:val>
-                                            <p:strVal val="0"/>
-                                          </p:val>
-                                        </p:tav>
-                                        <p:tav tm="100000">
-                                          <p:val>
-                                            <p:strVal val="#ppt_w"/>
-                                          </p:val>
-                                        </p:tav>
-                                      </p:tavLst>
-                                    </p:anim>
-                                    <p:anim calcmode="lin" valueType="num">
-                                      <p:cBhvr additive="base">
-                                        <p:cTn id="20" dur="1000"/>
-                                        <p:tgtEl>
-                                          <p:spTgt spid="189">
+                                          <p:spTgt spid="195">
                                             <p:txEl>
                                               <p:pRg st="2" end="2"/>
                                             </p:txEl>
@@ -17118,478 +9676,6 @@
                                           <p:spTgt spid="77">
                                             <p:txEl>
                                               <p:pRg st="0" end="0"/>
-                                            </p:txEl>
-                                          </p:spTgt>
-                                        </p:tgtEl>
-                                        <p:attrNameLst>
-                                          <p:attrName>ppt_h</p:attrName>
-                                        </p:attrNameLst>
-                                      </p:cBhvr>
-                                      <p:tavLst>
-                                        <p:tav tm="0">
-                                          <p:val>
-                                            <p:strVal val="0"/>
-                                          </p:val>
-                                        </p:tav>
-                                        <p:tav tm="100000">
-                                          <p:val>
-                                            <p:strVal val="#ppt_h"/>
-                                          </p:val>
-                                        </p:tav>
-                                      </p:tavLst>
-                                    </p:anim>
-                                  </p:childTnLst>
-                                </p:cTn>
-                              </p:par>
-                            </p:childTnLst>
-                          </p:cTn>
-                        </p:par>
-                      </p:childTnLst>
-                    </p:cTn>
-                  </p:par>
-                </p:childTnLst>
-              </p:cTn>
-              <p:prevCondLst>
-                <p:cond evt="onPrev" delay="0">
-                  <p:tgtEl>
-                    <p:sldTgt/>
-                  </p:tgtEl>
-                </p:cond>
-              </p:prevCondLst>
-              <p:nextCondLst>
-                <p:cond evt="onNext" delay="0">
-                  <p:tgtEl>
-                    <p:sldTgt/>
-                  </p:tgtEl>
-                </p:cond>
-              </p:nextCondLst>
-            </p:seq>
-          </p:childTnLst>
-        </p:cTn>
-      </p:par>
-    </p:tnLst>
-  </p:timing>
-</p:sld>
-</file>
-
-<file path=ppt/slides/slide20.xml><?xml version="1.0" encoding="utf-8"?>
-<p:sld xmlns:a="http://schemas.openxmlformats.org/drawingml/2006/main" xmlns:r="http://schemas.openxmlformats.org/officeDocument/2006/relationships" xmlns:p="http://schemas.openxmlformats.org/presentationml/2006/main">
-  <p:cSld>
-    <p:spTree>
-      <p:nvGrpSpPr>
-        <p:cNvPr id="1" name="Shape 193"/>
-        <p:cNvGrpSpPr/>
-        <p:nvPr/>
-      </p:nvGrpSpPr>
-      <p:grpSpPr>
-        <a:xfrm>
-          <a:off x="0" y="0"/>
-          <a:ext cx="0" cy="0"/>
-          <a:chOff x="0" y="0"/>
-          <a:chExt cx="0" cy="0"/>
-        </a:xfrm>
-      </p:grpSpPr>
-      <p:sp>
-        <p:nvSpPr>
-          <p:cNvPr id="194" name="Google Shape;194;p34"/>
-          <p:cNvSpPr txBox="1">
-            <a:spLocks noGrp="1"/>
-          </p:cNvSpPr>
-          <p:nvPr>
-            <p:ph type="title"/>
-          </p:nvPr>
-        </p:nvSpPr>
-        <p:spPr>
-          <a:xfrm>
-            <a:off x="265500" y="316700"/>
-            <a:ext cx="3163500" cy="2607600"/>
-          </a:xfrm>
-          <a:prstGeom prst="rect">
-            <a:avLst/>
-          </a:prstGeom>
-        </p:spPr>
-        <p:txBody>
-          <a:bodyPr spcFirstLastPara="1" wrap="square" lIns="91425" tIns="91425" rIns="91425" bIns="91425" anchor="t" anchorCtr="0">
-            <a:normAutofit/>
-          </a:bodyPr>
-          <a:lstStyle/>
-          <a:p>
-            <a:pPr marL="0" lvl="0" indent="0" algn="l" rtl="0">
-              <a:spcBef>
-                <a:spcPts val="0"/>
-              </a:spcBef>
-              <a:spcAft>
-                <a:spcPts val="0"/>
-              </a:spcAft>
-              <a:buNone/>
-            </a:pPr>
-            <a:r>
-              <a:rPr lang="en"/>
-              <a:t>Final Thoughts…</a:t>
-            </a:r>
-            <a:endParaRPr/>
-          </a:p>
-        </p:txBody>
-      </p:sp>
-      <p:sp>
-        <p:nvSpPr>
-          <p:cNvPr id="195" name="Google Shape;195;p34"/>
-          <p:cNvSpPr txBox="1">
-            <a:spLocks noGrp="1"/>
-          </p:cNvSpPr>
-          <p:nvPr>
-            <p:ph type="body" idx="1"/>
-          </p:nvPr>
-        </p:nvSpPr>
-        <p:spPr>
-          <a:xfrm>
-            <a:off x="4283675" y="316700"/>
-            <a:ext cx="4407300" cy="4389300"/>
-          </a:xfrm>
-          <a:prstGeom prst="rect">
-            <a:avLst/>
-          </a:prstGeom>
-        </p:spPr>
-        <p:txBody>
-          <a:bodyPr spcFirstLastPara="1" wrap="square" lIns="91425" tIns="91425" rIns="91425" bIns="91425" anchor="t" anchorCtr="0">
-            <a:normAutofit/>
-          </a:bodyPr>
-          <a:lstStyle/>
-          <a:p>
-            <a:pPr marL="457200" lvl="0" indent="0" algn="l" rtl="0">
-              <a:spcBef>
-                <a:spcPts val="0"/>
-              </a:spcBef>
-              <a:spcAft>
-                <a:spcPts val="0"/>
-              </a:spcAft>
-              <a:buNone/>
-            </a:pPr>
-            <a:r>
-              <a:rPr lang="en"/>
-              <a:t>Add what could have been done differently.</a:t>
-            </a:r>
-            <a:endParaRPr/>
-          </a:p>
-          <a:p>
-            <a:pPr marL="914400" lvl="0" indent="0" algn="l" rtl="0">
-              <a:spcBef>
-                <a:spcPts val="1600"/>
-              </a:spcBef>
-              <a:spcAft>
-                <a:spcPts val="0"/>
-              </a:spcAft>
-              <a:buNone/>
-            </a:pPr>
-            <a:endParaRPr/>
-          </a:p>
-          <a:p>
-            <a:pPr marL="0" lvl="0" indent="0" algn="l" rtl="0">
-              <a:spcBef>
-                <a:spcPts val="1600"/>
-              </a:spcBef>
-              <a:spcAft>
-                <a:spcPts val="1600"/>
-              </a:spcAft>
-              <a:buNone/>
-            </a:pPr>
-            <a:endParaRPr/>
-          </a:p>
-        </p:txBody>
-      </p:sp>
-    </p:spTree>
-  </p:cSld>
-  <p:clrMapOvr>
-    <a:masterClrMapping/>
-  </p:clrMapOvr>
-  <p:timing>
-    <p:tnLst>
-      <p:par>
-        <p:cTn id="1" dur="indefinite" restart="never" nodeType="tmRoot">
-          <p:childTnLst>
-            <p:seq concurrent="1" nextAc="seek">
-              <p:cTn id="2" dur="indefinite" nodeType="mainSeq">
-                <p:childTnLst>
-                  <p:par>
-                    <p:cTn id="3" fill="hold">
-                      <p:stCondLst>
-                        <p:cond delay="indefinite"/>
-                      </p:stCondLst>
-                      <p:childTnLst>
-                        <p:par>
-                          <p:cTn id="4" fill="hold">
-                            <p:stCondLst>
-                              <p:cond delay="0"/>
-                            </p:stCondLst>
-                            <p:childTnLst>
-                              <p:par>
-                                <p:cTn id="5" presetID="23" presetClass="entr" presetSubtype="16" fill="hold" nodeType="clickEffect">
-                                  <p:stCondLst>
-                                    <p:cond delay="0"/>
-                                  </p:stCondLst>
-                                  <p:childTnLst>
-                                    <p:set>
-                                      <p:cBhvr>
-                                        <p:cTn id="6" dur="1" fill="hold">
-                                          <p:stCondLst>
-                                            <p:cond delay="0"/>
-                                          </p:stCondLst>
-                                        </p:cTn>
-                                        <p:tgtEl>
-                                          <p:spTgt spid="195">
-                                            <p:txEl>
-                                              <p:pRg st="0" end="0"/>
-                                            </p:txEl>
-                                          </p:spTgt>
-                                        </p:tgtEl>
-                                        <p:attrNameLst>
-                                          <p:attrName>style.visibility</p:attrName>
-                                        </p:attrNameLst>
-                                      </p:cBhvr>
-                                      <p:to>
-                                        <p:strVal val="visible"/>
-                                      </p:to>
-                                    </p:set>
-                                    <p:anim calcmode="lin" valueType="num">
-                                      <p:cBhvr additive="base">
-                                        <p:cTn id="7" dur="1000"/>
-                                        <p:tgtEl>
-                                          <p:spTgt spid="195">
-                                            <p:txEl>
-                                              <p:pRg st="0" end="0"/>
-                                            </p:txEl>
-                                          </p:spTgt>
-                                        </p:tgtEl>
-                                        <p:attrNameLst>
-                                          <p:attrName>ppt_w</p:attrName>
-                                        </p:attrNameLst>
-                                      </p:cBhvr>
-                                      <p:tavLst>
-                                        <p:tav tm="0">
-                                          <p:val>
-                                            <p:strVal val="0"/>
-                                          </p:val>
-                                        </p:tav>
-                                        <p:tav tm="100000">
-                                          <p:val>
-                                            <p:strVal val="#ppt_w"/>
-                                          </p:val>
-                                        </p:tav>
-                                      </p:tavLst>
-                                    </p:anim>
-                                    <p:anim calcmode="lin" valueType="num">
-                                      <p:cBhvr additive="base">
-                                        <p:cTn id="8" dur="1000"/>
-                                        <p:tgtEl>
-                                          <p:spTgt spid="195">
-                                            <p:txEl>
-                                              <p:pRg st="0" end="0"/>
-                                            </p:txEl>
-                                          </p:spTgt>
-                                        </p:tgtEl>
-                                        <p:attrNameLst>
-                                          <p:attrName>ppt_h</p:attrName>
-                                        </p:attrNameLst>
-                                      </p:cBhvr>
-                                      <p:tavLst>
-                                        <p:tav tm="0">
-                                          <p:val>
-                                            <p:strVal val="0"/>
-                                          </p:val>
-                                        </p:tav>
-                                        <p:tav tm="100000">
-                                          <p:val>
-                                            <p:strVal val="#ppt_h"/>
-                                          </p:val>
-                                        </p:tav>
-                                      </p:tavLst>
-                                    </p:anim>
-                                  </p:childTnLst>
-                                </p:cTn>
-                              </p:par>
-                            </p:childTnLst>
-                          </p:cTn>
-                        </p:par>
-                      </p:childTnLst>
-                    </p:cTn>
-                  </p:par>
-                  <p:par>
-                    <p:cTn id="9" fill="hold">
-                      <p:stCondLst>
-                        <p:cond delay="indefinite"/>
-                      </p:stCondLst>
-                      <p:childTnLst>
-                        <p:par>
-                          <p:cTn id="10" fill="hold">
-                            <p:stCondLst>
-                              <p:cond delay="0"/>
-                            </p:stCondLst>
-                            <p:childTnLst>
-                              <p:par>
-                                <p:cTn id="11" presetID="23" presetClass="entr" presetSubtype="16" fill="hold" nodeType="clickEffect">
-                                  <p:stCondLst>
-                                    <p:cond delay="0"/>
-                                  </p:stCondLst>
-                                  <p:childTnLst>
-                                    <p:set>
-                                      <p:cBhvr>
-                                        <p:cTn id="12" dur="1" fill="hold">
-                                          <p:stCondLst>
-                                            <p:cond delay="0"/>
-                                          </p:stCondLst>
-                                        </p:cTn>
-                                        <p:tgtEl>
-                                          <p:spTgt spid="195">
-                                            <p:txEl>
-                                              <p:pRg st="1" end="1"/>
-                                            </p:txEl>
-                                          </p:spTgt>
-                                        </p:tgtEl>
-                                        <p:attrNameLst>
-                                          <p:attrName>style.visibility</p:attrName>
-                                        </p:attrNameLst>
-                                      </p:cBhvr>
-                                      <p:to>
-                                        <p:strVal val="visible"/>
-                                      </p:to>
-                                    </p:set>
-                                    <p:anim calcmode="lin" valueType="num">
-                                      <p:cBhvr additive="base">
-                                        <p:cTn id="13" dur="1000"/>
-                                        <p:tgtEl>
-                                          <p:spTgt spid="195">
-                                            <p:txEl>
-                                              <p:pRg st="1" end="1"/>
-                                            </p:txEl>
-                                          </p:spTgt>
-                                        </p:tgtEl>
-                                        <p:attrNameLst>
-                                          <p:attrName>ppt_w</p:attrName>
-                                        </p:attrNameLst>
-                                      </p:cBhvr>
-                                      <p:tavLst>
-                                        <p:tav tm="0">
-                                          <p:val>
-                                            <p:strVal val="0"/>
-                                          </p:val>
-                                        </p:tav>
-                                        <p:tav tm="100000">
-                                          <p:val>
-                                            <p:strVal val="#ppt_w"/>
-                                          </p:val>
-                                        </p:tav>
-                                      </p:tavLst>
-                                    </p:anim>
-                                    <p:anim calcmode="lin" valueType="num">
-                                      <p:cBhvr additive="base">
-                                        <p:cTn id="14" dur="1000"/>
-                                        <p:tgtEl>
-                                          <p:spTgt spid="195">
-                                            <p:txEl>
-                                              <p:pRg st="1" end="1"/>
-                                            </p:txEl>
-                                          </p:spTgt>
-                                        </p:tgtEl>
-                                        <p:attrNameLst>
-                                          <p:attrName>ppt_h</p:attrName>
-                                        </p:attrNameLst>
-                                      </p:cBhvr>
-                                      <p:tavLst>
-                                        <p:tav tm="0">
-                                          <p:val>
-                                            <p:strVal val="0"/>
-                                          </p:val>
-                                        </p:tav>
-                                        <p:tav tm="100000">
-                                          <p:val>
-                                            <p:strVal val="#ppt_h"/>
-                                          </p:val>
-                                        </p:tav>
-                                      </p:tavLst>
-                                    </p:anim>
-                                  </p:childTnLst>
-                                </p:cTn>
-                              </p:par>
-                            </p:childTnLst>
-                          </p:cTn>
-                        </p:par>
-                      </p:childTnLst>
-                    </p:cTn>
-                  </p:par>
-                  <p:par>
-                    <p:cTn id="15" fill="hold">
-                      <p:stCondLst>
-                        <p:cond delay="indefinite"/>
-                      </p:stCondLst>
-                      <p:childTnLst>
-                        <p:par>
-                          <p:cTn id="16" fill="hold">
-                            <p:stCondLst>
-                              <p:cond delay="0"/>
-                            </p:stCondLst>
-                            <p:childTnLst>
-                              <p:par>
-                                <p:cTn id="17" presetID="23" presetClass="entr" presetSubtype="16" fill="hold" nodeType="clickEffect">
-                                  <p:stCondLst>
-                                    <p:cond delay="0"/>
-                                  </p:stCondLst>
-                                  <p:childTnLst>
-                                    <p:set>
-                                      <p:cBhvr>
-                                        <p:cTn id="18" dur="1" fill="hold">
-                                          <p:stCondLst>
-                                            <p:cond delay="0"/>
-                                          </p:stCondLst>
-                                        </p:cTn>
-                                        <p:tgtEl>
-                                          <p:spTgt spid="195">
-                                            <p:txEl>
-                                              <p:pRg st="2" end="2"/>
-                                            </p:txEl>
-                                          </p:spTgt>
-                                        </p:tgtEl>
-                                        <p:attrNameLst>
-                                          <p:attrName>style.visibility</p:attrName>
-                                        </p:attrNameLst>
-                                      </p:cBhvr>
-                                      <p:to>
-                                        <p:strVal val="visible"/>
-                                      </p:to>
-                                    </p:set>
-                                    <p:anim calcmode="lin" valueType="num">
-                                      <p:cBhvr additive="base">
-                                        <p:cTn id="19" dur="1000"/>
-                                        <p:tgtEl>
-                                          <p:spTgt spid="195">
-                                            <p:txEl>
-                                              <p:pRg st="2" end="2"/>
-                                            </p:txEl>
-                                          </p:spTgt>
-                                        </p:tgtEl>
-                                        <p:attrNameLst>
-                                          <p:attrName>ppt_w</p:attrName>
-                                        </p:attrNameLst>
-                                      </p:cBhvr>
-                                      <p:tavLst>
-                                        <p:tav tm="0">
-                                          <p:val>
-                                            <p:strVal val="0"/>
-                                          </p:val>
-                                        </p:tav>
-                                        <p:tav tm="100000">
-                                          <p:val>
-                                            <p:strVal val="#ppt_w"/>
-                                          </p:val>
-                                        </p:tav>
-                                      </p:tavLst>
-                                    </p:anim>
-                                    <p:anim calcmode="lin" valueType="num">
-                                      <p:cBhvr additive="base">
-                                        <p:cTn id="20" dur="1000"/>
-                                        <p:tgtEl>
-                                          <p:spTgt spid="195">
-                                            <p:txEl>
-                                              <p:pRg st="2" end="2"/>
                                             </p:txEl>
                                           </p:spTgt>
                                         </p:tgtEl>
